--- a/docs/Präsentation_SQL Alchemist Teamprojekt_Tobias Grünhagen_Philip Holzhüter_Tobias Runge.pptx
+++ b/docs/Präsentation_SQL Alchemist Teamprojekt_Tobias Grünhagen_Philip Holzhüter_Tobias Runge.pptx
@@ -5,18 +5,32 @@
     <p:sldMasterId id="2147483648" r:id="rId1"/>
   </p:sldMasterIdLst>
   <p:notesMasterIdLst>
-    <p:notesMasterId r:id="rId11"/>
+    <p:notesMasterId r:id="rId25"/>
   </p:notesMasterIdLst>
   <p:sldIdLst>
     <p:sldId id="256" r:id="rId2"/>
-    <p:sldId id="279" r:id="rId3"/>
-    <p:sldId id="281" r:id="rId4"/>
-    <p:sldId id="287" r:id="rId5"/>
-    <p:sldId id="282" r:id="rId6"/>
-    <p:sldId id="288" r:id="rId7"/>
-    <p:sldId id="321" r:id="rId8"/>
-    <p:sldId id="305" r:id="rId9"/>
-    <p:sldId id="306" r:id="rId10"/>
+    <p:sldId id="323" r:id="rId3"/>
+    <p:sldId id="279" r:id="rId4"/>
+    <p:sldId id="335" r:id="rId5"/>
+    <p:sldId id="287" r:id="rId6"/>
+    <p:sldId id="328" r:id="rId7"/>
+    <p:sldId id="336" r:id="rId8"/>
+    <p:sldId id="337" r:id="rId9"/>
+    <p:sldId id="325" r:id="rId10"/>
+    <p:sldId id="338" r:id="rId11"/>
+    <p:sldId id="339" r:id="rId12"/>
+    <p:sldId id="341" r:id="rId13"/>
+    <p:sldId id="340" r:id="rId14"/>
+    <p:sldId id="331" r:id="rId15"/>
+    <p:sldId id="332" r:id="rId16"/>
+    <p:sldId id="333" r:id="rId17"/>
+    <p:sldId id="334" r:id="rId18"/>
+    <p:sldId id="342" r:id="rId19"/>
+    <p:sldId id="344" r:id="rId20"/>
+    <p:sldId id="343" r:id="rId21"/>
+    <p:sldId id="345" r:id="rId22"/>
+    <p:sldId id="305" r:id="rId23"/>
+    <p:sldId id="306" r:id="rId24"/>
   </p:sldIdLst>
   <p:sldSz cx="9144000" cy="5143500" type="screen16x9"/>
   <p:notesSz cx="7099300" cy="10234613"/>
@@ -626,6 +640,252 @@
         <p:spPr/>
         <p:txBody>
           <a:bodyPr>
+            <a:normAutofit/>
+          </a:bodyPr>
+          <a:lstStyle/>
+          <a:p>
+            <a:endParaRPr lang="de-DE" dirty="0"/>
+          </a:p>
+        </p:txBody>
+      </p:sp>
+      <p:sp>
+        <p:nvSpPr>
+          <p:cNvPr id="4" name="Foliennummernplatzhalter 3"/>
+          <p:cNvSpPr>
+            <a:spLocks noGrp="1"/>
+          </p:cNvSpPr>
+          <p:nvPr>
+            <p:ph type="sldNum" sz="quarter" idx="10"/>
+          </p:nvPr>
+        </p:nvSpPr>
+        <p:spPr/>
+        <p:txBody>
+          <a:bodyPr/>
+          <a:lstStyle/>
+          <a:p>
+            <a:fld id="{E4AA6088-1FF0-4E53-845C-EFEDD1C948F8}" type="slidenum">
+              <a:rPr lang="de-DE" smtClean="0"/>
+              <a:pPr/>
+              <a:t>2</a:t>
+            </a:fld>
+            <a:endParaRPr lang="de-DE" dirty="0"/>
+          </a:p>
+        </p:txBody>
+      </p:sp>
+    </p:spTree>
+  </p:cSld>
+  <p:clrMapOvr>
+    <a:masterClrMapping/>
+  </p:clrMapOvr>
+</p:notes>
+</file>
+
+<file path=ppt/notesSlides/notesSlide10.xml><?xml version="1.0" encoding="utf-8"?>
+<p:notes xmlns:a="http://schemas.openxmlformats.org/drawingml/2006/main" xmlns:r="http://schemas.openxmlformats.org/officeDocument/2006/relationships" xmlns:p="http://schemas.openxmlformats.org/presentationml/2006/main">
+  <p:cSld>
+    <p:spTree>
+      <p:nvGrpSpPr>
+        <p:cNvPr id="1" name=""/>
+        <p:cNvGrpSpPr/>
+        <p:nvPr/>
+      </p:nvGrpSpPr>
+      <p:grpSpPr>
+        <a:xfrm>
+          <a:off x="0" y="0"/>
+          <a:ext cx="0" cy="0"/>
+          <a:chOff x="0" y="0"/>
+          <a:chExt cx="0" cy="0"/>
+        </a:xfrm>
+      </p:grpSpPr>
+      <p:sp>
+        <p:nvSpPr>
+          <p:cNvPr id="2" name="Folienbildplatzhalter 1"/>
+          <p:cNvSpPr>
+            <a:spLocks noGrp="1" noRot="1" noChangeAspect="1"/>
+          </p:cNvSpPr>
+          <p:nvPr>
+            <p:ph type="sldImg"/>
+          </p:nvPr>
+        </p:nvSpPr>
+        <p:spPr/>
+      </p:sp>
+      <p:sp>
+        <p:nvSpPr>
+          <p:cNvPr id="3" name="Notizenplatzhalter 2"/>
+          <p:cNvSpPr>
+            <a:spLocks noGrp="1"/>
+          </p:cNvSpPr>
+          <p:nvPr>
+            <p:ph type="body" idx="1"/>
+          </p:nvPr>
+        </p:nvSpPr>
+        <p:spPr/>
+        <p:txBody>
+          <a:bodyPr>
+            <a:normAutofit/>
+          </a:bodyPr>
+          <a:lstStyle/>
+          <a:p>
+            <a:endParaRPr lang="de-DE" dirty="0"/>
+          </a:p>
+        </p:txBody>
+      </p:sp>
+      <p:sp>
+        <p:nvSpPr>
+          <p:cNvPr id="4" name="Foliennummernplatzhalter 3"/>
+          <p:cNvSpPr>
+            <a:spLocks noGrp="1"/>
+          </p:cNvSpPr>
+          <p:nvPr>
+            <p:ph type="sldNum" sz="quarter" idx="10"/>
+          </p:nvPr>
+        </p:nvSpPr>
+        <p:spPr/>
+        <p:txBody>
+          <a:bodyPr/>
+          <a:lstStyle/>
+          <a:p>
+            <a:fld id="{E4AA6088-1FF0-4E53-845C-EFEDD1C948F8}" type="slidenum">
+              <a:rPr lang="de-DE" smtClean="0"/>
+              <a:pPr/>
+              <a:t>11</a:t>
+            </a:fld>
+            <a:endParaRPr lang="de-DE" dirty="0"/>
+          </a:p>
+        </p:txBody>
+      </p:sp>
+    </p:spTree>
+  </p:cSld>
+  <p:clrMapOvr>
+    <a:masterClrMapping/>
+  </p:clrMapOvr>
+</p:notes>
+</file>
+
+<file path=ppt/notesSlides/notesSlide11.xml><?xml version="1.0" encoding="utf-8"?>
+<p:notes xmlns:a="http://schemas.openxmlformats.org/drawingml/2006/main" xmlns:r="http://schemas.openxmlformats.org/officeDocument/2006/relationships" xmlns:p="http://schemas.openxmlformats.org/presentationml/2006/main">
+  <p:cSld>
+    <p:spTree>
+      <p:nvGrpSpPr>
+        <p:cNvPr id="1" name=""/>
+        <p:cNvGrpSpPr/>
+        <p:nvPr/>
+      </p:nvGrpSpPr>
+      <p:grpSpPr>
+        <a:xfrm>
+          <a:off x="0" y="0"/>
+          <a:ext cx="0" cy="0"/>
+          <a:chOff x="0" y="0"/>
+          <a:chExt cx="0" cy="0"/>
+        </a:xfrm>
+      </p:grpSpPr>
+      <p:sp>
+        <p:nvSpPr>
+          <p:cNvPr id="2" name="Folienbildplatzhalter 1"/>
+          <p:cNvSpPr>
+            <a:spLocks noGrp="1" noRot="1" noChangeAspect="1"/>
+          </p:cNvSpPr>
+          <p:nvPr>
+            <p:ph type="sldImg"/>
+          </p:nvPr>
+        </p:nvSpPr>
+        <p:spPr/>
+      </p:sp>
+      <p:sp>
+        <p:nvSpPr>
+          <p:cNvPr id="3" name="Notizenplatzhalter 2"/>
+          <p:cNvSpPr>
+            <a:spLocks noGrp="1"/>
+          </p:cNvSpPr>
+          <p:nvPr>
+            <p:ph type="body" idx="1"/>
+          </p:nvPr>
+        </p:nvSpPr>
+        <p:spPr/>
+        <p:txBody>
+          <a:bodyPr>
+            <a:normAutofit/>
+          </a:bodyPr>
+          <a:lstStyle/>
+          <a:p>
+            <a:endParaRPr lang="de-DE" dirty="0"/>
+          </a:p>
+        </p:txBody>
+      </p:sp>
+      <p:sp>
+        <p:nvSpPr>
+          <p:cNvPr id="4" name="Foliennummernplatzhalter 3"/>
+          <p:cNvSpPr>
+            <a:spLocks noGrp="1"/>
+          </p:cNvSpPr>
+          <p:nvPr>
+            <p:ph type="sldNum" sz="quarter" idx="10"/>
+          </p:nvPr>
+        </p:nvSpPr>
+        <p:spPr/>
+        <p:txBody>
+          <a:bodyPr/>
+          <a:lstStyle/>
+          <a:p>
+            <a:fld id="{E4AA6088-1FF0-4E53-845C-EFEDD1C948F8}" type="slidenum">
+              <a:rPr lang="de-DE" smtClean="0"/>
+              <a:pPr/>
+              <a:t>12</a:t>
+            </a:fld>
+            <a:endParaRPr lang="de-DE" dirty="0"/>
+          </a:p>
+        </p:txBody>
+      </p:sp>
+    </p:spTree>
+  </p:cSld>
+  <p:clrMapOvr>
+    <a:masterClrMapping/>
+  </p:clrMapOvr>
+</p:notes>
+</file>
+
+<file path=ppt/notesSlides/notesSlide12.xml><?xml version="1.0" encoding="utf-8"?>
+<p:notes xmlns:a="http://schemas.openxmlformats.org/drawingml/2006/main" xmlns:r="http://schemas.openxmlformats.org/officeDocument/2006/relationships" xmlns:p="http://schemas.openxmlformats.org/presentationml/2006/main">
+  <p:cSld>
+    <p:spTree>
+      <p:nvGrpSpPr>
+        <p:cNvPr id="1" name=""/>
+        <p:cNvGrpSpPr/>
+        <p:nvPr/>
+      </p:nvGrpSpPr>
+      <p:grpSpPr>
+        <a:xfrm>
+          <a:off x="0" y="0"/>
+          <a:ext cx="0" cy="0"/>
+          <a:chOff x="0" y="0"/>
+          <a:chExt cx="0" cy="0"/>
+        </a:xfrm>
+      </p:grpSpPr>
+      <p:sp>
+        <p:nvSpPr>
+          <p:cNvPr id="2" name="Folienbildplatzhalter 1"/>
+          <p:cNvSpPr>
+            <a:spLocks noGrp="1" noRot="1" noChangeAspect="1"/>
+          </p:cNvSpPr>
+          <p:nvPr>
+            <p:ph type="sldImg"/>
+          </p:nvPr>
+        </p:nvSpPr>
+        <p:spPr/>
+      </p:sp>
+      <p:sp>
+        <p:nvSpPr>
+          <p:cNvPr id="3" name="Notizenplatzhalter 2"/>
+          <p:cNvSpPr>
+            <a:spLocks noGrp="1"/>
+          </p:cNvSpPr>
+          <p:nvPr>
+            <p:ph type="body" idx="1"/>
+          </p:nvPr>
+        </p:nvSpPr>
+        <p:spPr/>
+        <p:txBody>
+          <a:bodyPr>
             <a:normAutofit fontScale="92500"/>
           </a:bodyPr>
           <a:lstStyle/>
@@ -664,7 +924,605 @@
             <a:fld id="{E4AA6088-1FF0-4E53-845C-EFEDD1C948F8}" type="slidenum">
               <a:rPr lang="de-DE" smtClean="0"/>
               <a:pPr/>
-              <a:t>2</a:t>
+              <a:t>13</a:t>
+            </a:fld>
+            <a:endParaRPr lang="de-DE" dirty="0"/>
+          </a:p>
+        </p:txBody>
+      </p:sp>
+    </p:spTree>
+  </p:cSld>
+  <p:clrMapOvr>
+    <a:masterClrMapping/>
+  </p:clrMapOvr>
+</p:notes>
+</file>
+
+<file path=ppt/notesSlides/notesSlide13.xml><?xml version="1.0" encoding="utf-8"?>
+<p:notes xmlns:a="http://schemas.openxmlformats.org/drawingml/2006/main" xmlns:r="http://schemas.openxmlformats.org/officeDocument/2006/relationships" xmlns:p="http://schemas.openxmlformats.org/presentationml/2006/main">
+  <p:cSld>
+    <p:spTree>
+      <p:nvGrpSpPr>
+        <p:cNvPr id="1" name=""/>
+        <p:cNvGrpSpPr/>
+        <p:nvPr/>
+      </p:nvGrpSpPr>
+      <p:grpSpPr>
+        <a:xfrm>
+          <a:off x="0" y="0"/>
+          <a:ext cx="0" cy="0"/>
+          <a:chOff x="0" y="0"/>
+          <a:chExt cx="0" cy="0"/>
+        </a:xfrm>
+      </p:grpSpPr>
+      <p:sp>
+        <p:nvSpPr>
+          <p:cNvPr id="2" name="Folienbildplatzhalter 1"/>
+          <p:cNvSpPr>
+            <a:spLocks noGrp="1" noRot="1" noChangeAspect="1"/>
+          </p:cNvSpPr>
+          <p:nvPr>
+            <p:ph type="sldImg"/>
+          </p:nvPr>
+        </p:nvSpPr>
+        <p:spPr/>
+      </p:sp>
+      <p:sp>
+        <p:nvSpPr>
+          <p:cNvPr id="3" name="Notizenplatzhalter 2"/>
+          <p:cNvSpPr>
+            <a:spLocks noGrp="1"/>
+          </p:cNvSpPr>
+          <p:nvPr>
+            <p:ph type="body" idx="1"/>
+          </p:nvPr>
+        </p:nvSpPr>
+        <p:spPr/>
+        <p:txBody>
+          <a:bodyPr>
+            <a:normAutofit/>
+          </a:bodyPr>
+          <a:lstStyle/>
+          <a:p>
+            <a:endParaRPr lang="de-DE" dirty="0"/>
+          </a:p>
+        </p:txBody>
+      </p:sp>
+      <p:sp>
+        <p:nvSpPr>
+          <p:cNvPr id="4" name="Foliennummernplatzhalter 3"/>
+          <p:cNvSpPr>
+            <a:spLocks noGrp="1"/>
+          </p:cNvSpPr>
+          <p:nvPr>
+            <p:ph type="sldNum" sz="quarter" idx="10"/>
+          </p:nvPr>
+        </p:nvSpPr>
+        <p:spPr/>
+        <p:txBody>
+          <a:bodyPr/>
+          <a:lstStyle/>
+          <a:p>
+            <a:fld id="{E4AA6088-1FF0-4E53-845C-EFEDD1C948F8}" type="slidenum">
+              <a:rPr lang="de-DE" smtClean="0"/>
+              <a:pPr/>
+              <a:t>14</a:t>
+            </a:fld>
+            <a:endParaRPr lang="de-DE" dirty="0"/>
+          </a:p>
+        </p:txBody>
+      </p:sp>
+    </p:spTree>
+  </p:cSld>
+  <p:clrMapOvr>
+    <a:masterClrMapping/>
+  </p:clrMapOvr>
+</p:notes>
+</file>
+
+<file path=ppt/notesSlides/notesSlide14.xml><?xml version="1.0" encoding="utf-8"?>
+<p:notes xmlns:a="http://schemas.openxmlformats.org/drawingml/2006/main" xmlns:r="http://schemas.openxmlformats.org/officeDocument/2006/relationships" xmlns:p="http://schemas.openxmlformats.org/presentationml/2006/main">
+  <p:cSld>
+    <p:spTree>
+      <p:nvGrpSpPr>
+        <p:cNvPr id="1" name=""/>
+        <p:cNvGrpSpPr/>
+        <p:nvPr/>
+      </p:nvGrpSpPr>
+      <p:grpSpPr>
+        <a:xfrm>
+          <a:off x="0" y="0"/>
+          <a:ext cx="0" cy="0"/>
+          <a:chOff x="0" y="0"/>
+          <a:chExt cx="0" cy="0"/>
+        </a:xfrm>
+      </p:grpSpPr>
+      <p:sp>
+        <p:nvSpPr>
+          <p:cNvPr id="2" name="Folienbildplatzhalter 1"/>
+          <p:cNvSpPr>
+            <a:spLocks noGrp="1" noRot="1" noChangeAspect="1"/>
+          </p:cNvSpPr>
+          <p:nvPr>
+            <p:ph type="sldImg"/>
+          </p:nvPr>
+        </p:nvSpPr>
+        <p:spPr/>
+      </p:sp>
+      <p:sp>
+        <p:nvSpPr>
+          <p:cNvPr id="3" name="Notizenplatzhalter 2"/>
+          <p:cNvSpPr>
+            <a:spLocks noGrp="1"/>
+          </p:cNvSpPr>
+          <p:nvPr>
+            <p:ph type="body" idx="1"/>
+          </p:nvPr>
+        </p:nvSpPr>
+        <p:spPr/>
+        <p:txBody>
+          <a:bodyPr>
+            <a:normAutofit/>
+          </a:bodyPr>
+          <a:lstStyle/>
+          <a:p>
+            <a:endParaRPr lang="de-DE" dirty="0"/>
+          </a:p>
+        </p:txBody>
+      </p:sp>
+      <p:sp>
+        <p:nvSpPr>
+          <p:cNvPr id="4" name="Foliennummernplatzhalter 3"/>
+          <p:cNvSpPr>
+            <a:spLocks noGrp="1"/>
+          </p:cNvSpPr>
+          <p:nvPr>
+            <p:ph type="sldNum" sz="quarter" idx="10"/>
+          </p:nvPr>
+        </p:nvSpPr>
+        <p:spPr/>
+        <p:txBody>
+          <a:bodyPr/>
+          <a:lstStyle/>
+          <a:p>
+            <a:fld id="{E4AA6088-1FF0-4E53-845C-EFEDD1C948F8}" type="slidenum">
+              <a:rPr lang="de-DE" smtClean="0"/>
+              <a:pPr/>
+              <a:t>15</a:t>
+            </a:fld>
+            <a:endParaRPr lang="de-DE" dirty="0"/>
+          </a:p>
+        </p:txBody>
+      </p:sp>
+    </p:spTree>
+  </p:cSld>
+  <p:clrMapOvr>
+    <a:masterClrMapping/>
+  </p:clrMapOvr>
+</p:notes>
+</file>
+
+<file path=ppt/notesSlides/notesSlide15.xml><?xml version="1.0" encoding="utf-8"?>
+<p:notes xmlns:a="http://schemas.openxmlformats.org/drawingml/2006/main" xmlns:r="http://schemas.openxmlformats.org/officeDocument/2006/relationships" xmlns:p="http://schemas.openxmlformats.org/presentationml/2006/main">
+  <p:cSld>
+    <p:spTree>
+      <p:nvGrpSpPr>
+        <p:cNvPr id="1" name=""/>
+        <p:cNvGrpSpPr/>
+        <p:nvPr/>
+      </p:nvGrpSpPr>
+      <p:grpSpPr>
+        <a:xfrm>
+          <a:off x="0" y="0"/>
+          <a:ext cx="0" cy="0"/>
+          <a:chOff x="0" y="0"/>
+          <a:chExt cx="0" cy="0"/>
+        </a:xfrm>
+      </p:grpSpPr>
+      <p:sp>
+        <p:nvSpPr>
+          <p:cNvPr id="2" name="Folienbildplatzhalter 1"/>
+          <p:cNvSpPr>
+            <a:spLocks noGrp="1" noRot="1" noChangeAspect="1"/>
+          </p:cNvSpPr>
+          <p:nvPr>
+            <p:ph type="sldImg"/>
+          </p:nvPr>
+        </p:nvSpPr>
+        <p:spPr/>
+      </p:sp>
+      <p:sp>
+        <p:nvSpPr>
+          <p:cNvPr id="3" name="Notizenplatzhalter 2"/>
+          <p:cNvSpPr>
+            <a:spLocks noGrp="1"/>
+          </p:cNvSpPr>
+          <p:nvPr>
+            <p:ph type="body" idx="1"/>
+          </p:nvPr>
+        </p:nvSpPr>
+        <p:spPr/>
+        <p:txBody>
+          <a:bodyPr>
+            <a:normAutofit/>
+          </a:bodyPr>
+          <a:lstStyle/>
+          <a:p>
+            <a:endParaRPr lang="de-DE" dirty="0"/>
+          </a:p>
+        </p:txBody>
+      </p:sp>
+      <p:sp>
+        <p:nvSpPr>
+          <p:cNvPr id="4" name="Foliennummernplatzhalter 3"/>
+          <p:cNvSpPr>
+            <a:spLocks noGrp="1"/>
+          </p:cNvSpPr>
+          <p:nvPr>
+            <p:ph type="sldNum" sz="quarter" idx="10"/>
+          </p:nvPr>
+        </p:nvSpPr>
+        <p:spPr/>
+        <p:txBody>
+          <a:bodyPr/>
+          <a:lstStyle/>
+          <a:p>
+            <a:fld id="{E4AA6088-1FF0-4E53-845C-EFEDD1C948F8}" type="slidenum">
+              <a:rPr lang="de-DE" smtClean="0"/>
+              <a:pPr/>
+              <a:t>16</a:t>
+            </a:fld>
+            <a:endParaRPr lang="de-DE" dirty="0"/>
+          </a:p>
+        </p:txBody>
+      </p:sp>
+    </p:spTree>
+  </p:cSld>
+  <p:clrMapOvr>
+    <a:masterClrMapping/>
+  </p:clrMapOvr>
+</p:notes>
+</file>
+
+<file path=ppt/notesSlides/notesSlide16.xml><?xml version="1.0" encoding="utf-8"?>
+<p:notes xmlns:a="http://schemas.openxmlformats.org/drawingml/2006/main" xmlns:r="http://schemas.openxmlformats.org/officeDocument/2006/relationships" xmlns:p="http://schemas.openxmlformats.org/presentationml/2006/main">
+  <p:cSld>
+    <p:spTree>
+      <p:nvGrpSpPr>
+        <p:cNvPr id="1" name=""/>
+        <p:cNvGrpSpPr/>
+        <p:nvPr/>
+      </p:nvGrpSpPr>
+      <p:grpSpPr>
+        <a:xfrm>
+          <a:off x="0" y="0"/>
+          <a:ext cx="0" cy="0"/>
+          <a:chOff x="0" y="0"/>
+          <a:chExt cx="0" cy="0"/>
+        </a:xfrm>
+      </p:grpSpPr>
+      <p:sp>
+        <p:nvSpPr>
+          <p:cNvPr id="2" name="Folienbildplatzhalter 1"/>
+          <p:cNvSpPr>
+            <a:spLocks noGrp="1" noRot="1" noChangeAspect="1"/>
+          </p:cNvSpPr>
+          <p:nvPr>
+            <p:ph type="sldImg"/>
+          </p:nvPr>
+        </p:nvSpPr>
+        <p:spPr/>
+      </p:sp>
+      <p:sp>
+        <p:nvSpPr>
+          <p:cNvPr id="3" name="Notizenplatzhalter 2"/>
+          <p:cNvSpPr>
+            <a:spLocks noGrp="1"/>
+          </p:cNvSpPr>
+          <p:nvPr>
+            <p:ph type="body" idx="1"/>
+          </p:nvPr>
+        </p:nvSpPr>
+        <p:spPr/>
+        <p:txBody>
+          <a:bodyPr>
+            <a:normAutofit/>
+          </a:bodyPr>
+          <a:lstStyle/>
+          <a:p>
+            <a:endParaRPr lang="de-DE" dirty="0"/>
+          </a:p>
+        </p:txBody>
+      </p:sp>
+      <p:sp>
+        <p:nvSpPr>
+          <p:cNvPr id="4" name="Foliennummernplatzhalter 3"/>
+          <p:cNvSpPr>
+            <a:spLocks noGrp="1"/>
+          </p:cNvSpPr>
+          <p:nvPr>
+            <p:ph type="sldNum" sz="quarter" idx="10"/>
+          </p:nvPr>
+        </p:nvSpPr>
+        <p:spPr/>
+        <p:txBody>
+          <a:bodyPr/>
+          <a:lstStyle/>
+          <a:p>
+            <a:fld id="{E4AA6088-1FF0-4E53-845C-EFEDD1C948F8}" type="slidenum">
+              <a:rPr lang="de-DE" smtClean="0"/>
+              <a:pPr/>
+              <a:t>17</a:t>
+            </a:fld>
+            <a:endParaRPr lang="de-DE" dirty="0"/>
+          </a:p>
+        </p:txBody>
+      </p:sp>
+    </p:spTree>
+  </p:cSld>
+  <p:clrMapOvr>
+    <a:masterClrMapping/>
+  </p:clrMapOvr>
+</p:notes>
+</file>
+
+<file path=ppt/notesSlides/notesSlide17.xml><?xml version="1.0" encoding="utf-8"?>
+<p:notes xmlns:a="http://schemas.openxmlformats.org/drawingml/2006/main" xmlns:r="http://schemas.openxmlformats.org/officeDocument/2006/relationships" xmlns:p="http://schemas.openxmlformats.org/presentationml/2006/main">
+  <p:cSld>
+    <p:spTree>
+      <p:nvGrpSpPr>
+        <p:cNvPr id="1" name=""/>
+        <p:cNvGrpSpPr/>
+        <p:nvPr/>
+      </p:nvGrpSpPr>
+      <p:grpSpPr>
+        <a:xfrm>
+          <a:off x="0" y="0"/>
+          <a:ext cx="0" cy="0"/>
+          <a:chOff x="0" y="0"/>
+          <a:chExt cx="0" cy="0"/>
+        </a:xfrm>
+      </p:grpSpPr>
+      <p:sp>
+        <p:nvSpPr>
+          <p:cNvPr id="2" name="Folienbildplatzhalter 1"/>
+          <p:cNvSpPr>
+            <a:spLocks noGrp="1" noRot="1" noChangeAspect="1"/>
+          </p:cNvSpPr>
+          <p:nvPr>
+            <p:ph type="sldImg"/>
+          </p:nvPr>
+        </p:nvSpPr>
+        <p:spPr/>
+      </p:sp>
+      <p:sp>
+        <p:nvSpPr>
+          <p:cNvPr id="3" name="Notizenplatzhalter 2"/>
+          <p:cNvSpPr>
+            <a:spLocks noGrp="1"/>
+          </p:cNvSpPr>
+          <p:nvPr>
+            <p:ph type="body" idx="1"/>
+          </p:nvPr>
+        </p:nvSpPr>
+        <p:spPr/>
+        <p:txBody>
+          <a:bodyPr>
+            <a:normAutofit fontScale="92500"/>
+          </a:bodyPr>
+          <a:lstStyle/>
+          <a:p>
+            <a:pPr marL="0" lvl="2">
+              <a:spcBef>
+                <a:spcPts val="1200"/>
+              </a:spcBef>
+              <a:buClr>
+                <a:srgbClr val="C0C0C0"/>
+              </a:buClr>
+            </a:pPr>
+            <a:endParaRPr lang="de-DE" sz="2000" dirty="0" smtClean="0">
+              <a:solidFill>
+                <a:srgbClr val="C0C0C0"/>
+              </a:solidFill>
+            </a:endParaRPr>
+          </a:p>
+        </p:txBody>
+      </p:sp>
+      <p:sp>
+        <p:nvSpPr>
+          <p:cNvPr id="4" name="Foliennummernplatzhalter 3"/>
+          <p:cNvSpPr>
+            <a:spLocks noGrp="1"/>
+          </p:cNvSpPr>
+          <p:nvPr>
+            <p:ph type="sldNum" sz="quarter" idx="10"/>
+          </p:nvPr>
+        </p:nvSpPr>
+        <p:spPr/>
+        <p:txBody>
+          <a:bodyPr/>
+          <a:lstStyle/>
+          <a:p>
+            <a:fld id="{E4AA6088-1FF0-4E53-845C-EFEDD1C948F8}" type="slidenum">
+              <a:rPr lang="de-DE" smtClean="0"/>
+              <a:pPr/>
+              <a:t>18</a:t>
+            </a:fld>
+            <a:endParaRPr lang="de-DE" dirty="0"/>
+          </a:p>
+        </p:txBody>
+      </p:sp>
+    </p:spTree>
+  </p:cSld>
+  <p:clrMapOvr>
+    <a:masterClrMapping/>
+  </p:clrMapOvr>
+</p:notes>
+</file>
+
+<file path=ppt/notesSlides/notesSlide18.xml><?xml version="1.0" encoding="utf-8"?>
+<p:notes xmlns:a="http://schemas.openxmlformats.org/drawingml/2006/main" xmlns:r="http://schemas.openxmlformats.org/officeDocument/2006/relationships" xmlns:p="http://schemas.openxmlformats.org/presentationml/2006/main">
+  <p:cSld>
+    <p:spTree>
+      <p:nvGrpSpPr>
+        <p:cNvPr id="1" name=""/>
+        <p:cNvGrpSpPr/>
+        <p:nvPr/>
+      </p:nvGrpSpPr>
+      <p:grpSpPr>
+        <a:xfrm>
+          <a:off x="0" y="0"/>
+          <a:ext cx="0" cy="0"/>
+          <a:chOff x="0" y="0"/>
+          <a:chExt cx="0" cy="0"/>
+        </a:xfrm>
+      </p:grpSpPr>
+      <p:sp>
+        <p:nvSpPr>
+          <p:cNvPr id="2" name="Folienbildplatzhalter 1"/>
+          <p:cNvSpPr>
+            <a:spLocks noGrp="1" noRot="1" noChangeAspect="1"/>
+          </p:cNvSpPr>
+          <p:nvPr>
+            <p:ph type="sldImg"/>
+          </p:nvPr>
+        </p:nvSpPr>
+        <p:spPr/>
+      </p:sp>
+      <p:sp>
+        <p:nvSpPr>
+          <p:cNvPr id="3" name="Notizenplatzhalter 2"/>
+          <p:cNvSpPr>
+            <a:spLocks noGrp="1"/>
+          </p:cNvSpPr>
+          <p:nvPr>
+            <p:ph type="body" idx="1"/>
+          </p:nvPr>
+        </p:nvSpPr>
+        <p:spPr/>
+        <p:txBody>
+          <a:bodyPr>
+            <a:normAutofit/>
+          </a:bodyPr>
+          <a:lstStyle/>
+          <a:p>
+            <a:endParaRPr lang="de-DE" dirty="0"/>
+          </a:p>
+        </p:txBody>
+      </p:sp>
+      <p:sp>
+        <p:nvSpPr>
+          <p:cNvPr id="4" name="Foliennummernplatzhalter 3"/>
+          <p:cNvSpPr>
+            <a:spLocks noGrp="1"/>
+          </p:cNvSpPr>
+          <p:nvPr>
+            <p:ph type="sldNum" sz="quarter" idx="10"/>
+          </p:nvPr>
+        </p:nvSpPr>
+        <p:spPr/>
+        <p:txBody>
+          <a:bodyPr/>
+          <a:lstStyle/>
+          <a:p>
+            <a:fld id="{E4AA6088-1FF0-4E53-845C-EFEDD1C948F8}" type="slidenum">
+              <a:rPr lang="de-DE" smtClean="0"/>
+              <a:pPr/>
+              <a:t>19</a:t>
+            </a:fld>
+            <a:endParaRPr lang="de-DE" dirty="0"/>
+          </a:p>
+        </p:txBody>
+      </p:sp>
+    </p:spTree>
+  </p:cSld>
+  <p:clrMapOvr>
+    <a:masterClrMapping/>
+  </p:clrMapOvr>
+</p:notes>
+</file>
+
+<file path=ppt/notesSlides/notesSlide19.xml><?xml version="1.0" encoding="utf-8"?>
+<p:notes xmlns:a="http://schemas.openxmlformats.org/drawingml/2006/main" xmlns:r="http://schemas.openxmlformats.org/officeDocument/2006/relationships" xmlns:p="http://schemas.openxmlformats.org/presentationml/2006/main">
+  <p:cSld>
+    <p:spTree>
+      <p:nvGrpSpPr>
+        <p:cNvPr id="1" name=""/>
+        <p:cNvGrpSpPr/>
+        <p:nvPr/>
+      </p:nvGrpSpPr>
+      <p:grpSpPr>
+        <a:xfrm>
+          <a:off x="0" y="0"/>
+          <a:ext cx="0" cy="0"/>
+          <a:chOff x="0" y="0"/>
+          <a:chExt cx="0" cy="0"/>
+        </a:xfrm>
+      </p:grpSpPr>
+      <p:sp>
+        <p:nvSpPr>
+          <p:cNvPr id="2" name="Folienbildplatzhalter 1"/>
+          <p:cNvSpPr>
+            <a:spLocks noGrp="1" noRot="1" noChangeAspect="1"/>
+          </p:cNvSpPr>
+          <p:nvPr>
+            <p:ph type="sldImg"/>
+          </p:nvPr>
+        </p:nvSpPr>
+        <p:spPr/>
+      </p:sp>
+      <p:sp>
+        <p:nvSpPr>
+          <p:cNvPr id="3" name="Notizenplatzhalter 2"/>
+          <p:cNvSpPr>
+            <a:spLocks noGrp="1"/>
+          </p:cNvSpPr>
+          <p:nvPr>
+            <p:ph type="body" idx="1"/>
+          </p:nvPr>
+        </p:nvSpPr>
+        <p:spPr/>
+        <p:txBody>
+          <a:bodyPr>
+            <a:normAutofit fontScale="92500"/>
+          </a:bodyPr>
+          <a:lstStyle/>
+          <a:p>
+            <a:pPr marL="0" lvl="2">
+              <a:spcBef>
+                <a:spcPts val="1200"/>
+              </a:spcBef>
+              <a:buClr>
+                <a:srgbClr val="C0C0C0"/>
+              </a:buClr>
+            </a:pPr>
+            <a:endParaRPr lang="de-DE" sz="2000" dirty="0" smtClean="0">
+              <a:solidFill>
+                <a:srgbClr val="C0C0C0"/>
+              </a:solidFill>
+            </a:endParaRPr>
+          </a:p>
+        </p:txBody>
+      </p:sp>
+      <p:sp>
+        <p:nvSpPr>
+          <p:cNvPr id="4" name="Foliennummernplatzhalter 3"/>
+          <p:cNvSpPr>
+            <a:spLocks noGrp="1"/>
+          </p:cNvSpPr>
+          <p:nvPr>
+            <p:ph type="sldNum" sz="quarter" idx="10"/>
+          </p:nvPr>
+        </p:nvSpPr>
+        <p:spPr/>
+        <p:txBody>
+          <a:bodyPr/>
+          <a:lstStyle/>
+          <a:p>
+            <a:fld id="{E4AA6088-1FF0-4E53-845C-EFEDD1C948F8}" type="slidenum">
+              <a:rPr lang="de-DE" smtClean="0"/>
+              <a:pPr/>
+              <a:t>20</a:t>
             </a:fld>
             <a:endParaRPr lang="de-DE" dirty="0"/>
           </a:p>
@@ -772,6 +1630,252 @@
 </p:notes>
 </file>
 
+<file path=ppt/notesSlides/notesSlide20.xml><?xml version="1.0" encoding="utf-8"?>
+<p:notes xmlns:a="http://schemas.openxmlformats.org/drawingml/2006/main" xmlns:r="http://schemas.openxmlformats.org/officeDocument/2006/relationships" xmlns:p="http://schemas.openxmlformats.org/presentationml/2006/main">
+  <p:cSld>
+    <p:spTree>
+      <p:nvGrpSpPr>
+        <p:cNvPr id="1" name=""/>
+        <p:cNvGrpSpPr/>
+        <p:nvPr/>
+      </p:nvGrpSpPr>
+      <p:grpSpPr>
+        <a:xfrm>
+          <a:off x="0" y="0"/>
+          <a:ext cx="0" cy="0"/>
+          <a:chOff x="0" y="0"/>
+          <a:chExt cx="0" cy="0"/>
+        </a:xfrm>
+      </p:grpSpPr>
+      <p:sp>
+        <p:nvSpPr>
+          <p:cNvPr id="2" name="Folienbildplatzhalter 1"/>
+          <p:cNvSpPr>
+            <a:spLocks noGrp="1" noRot="1" noChangeAspect="1"/>
+          </p:cNvSpPr>
+          <p:nvPr>
+            <p:ph type="sldImg"/>
+          </p:nvPr>
+        </p:nvSpPr>
+        <p:spPr/>
+      </p:sp>
+      <p:sp>
+        <p:nvSpPr>
+          <p:cNvPr id="3" name="Notizenplatzhalter 2"/>
+          <p:cNvSpPr>
+            <a:spLocks noGrp="1"/>
+          </p:cNvSpPr>
+          <p:nvPr>
+            <p:ph type="body" idx="1"/>
+          </p:nvPr>
+        </p:nvSpPr>
+        <p:spPr/>
+        <p:txBody>
+          <a:bodyPr>
+            <a:normAutofit/>
+          </a:bodyPr>
+          <a:lstStyle/>
+          <a:p>
+            <a:endParaRPr lang="de-DE" dirty="0"/>
+          </a:p>
+        </p:txBody>
+      </p:sp>
+      <p:sp>
+        <p:nvSpPr>
+          <p:cNvPr id="4" name="Foliennummernplatzhalter 3"/>
+          <p:cNvSpPr>
+            <a:spLocks noGrp="1"/>
+          </p:cNvSpPr>
+          <p:nvPr>
+            <p:ph type="sldNum" sz="quarter" idx="10"/>
+          </p:nvPr>
+        </p:nvSpPr>
+        <p:spPr/>
+        <p:txBody>
+          <a:bodyPr/>
+          <a:lstStyle/>
+          <a:p>
+            <a:fld id="{E4AA6088-1FF0-4E53-845C-EFEDD1C948F8}" type="slidenum">
+              <a:rPr lang="de-DE" smtClean="0"/>
+              <a:pPr/>
+              <a:t>21</a:t>
+            </a:fld>
+            <a:endParaRPr lang="de-DE" dirty="0"/>
+          </a:p>
+        </p:txBody>
+      </p:sp>
+    </p:spTree>
+  </p:cSld>
+  <p:clrMapOvr>
+    <a:masterClrMapping/>
+  </p:clrMapOvr>
+</p:notes>
+</file>
+
+<file path=ppt/notesSlides/notesSlide21.xml><?xml version="1.0" encoding="utf-8"?>
+<p:notes xmlns:a="http://schemas.openxmlformats.org/drawingml/2006/main" xmlns:r="http://schemas.openxmlformats.org/officeDocument/2006/relationships" xmlns:p="http://schemas.openxmlformats.org/presentationml/2006/main">
+  <p:cSld>
+    <p:spTree>
+      <p:nvGrpSpPr>
+        <p:cNvPr id="1" name=""/>
+        <p:cNvGrpSpPr/>
+        <p:nvPr/>
+      </p:nvGrpSpPr>
+      <p:grpSpPr>
+        <a:xfrm>
+          <a:off x="0" y="0"/>
+          <a:ext cx="0" cy="0"/>
+          <a:chOff x="0" y="0"/>
+          <a:chExt cx="0" cy="0"/>
+        </a:xfrm>
+      </p:grpSpPr>
+      <p:sp>
+        <p:nvSpPr>
+          <p:cNvPr id="2" name="Folienbildplatzhalter 1"/>
+          <p:cNvSpPr>
+            <a:spLocks noGrp="1" noRot="1" noChangeAspect="1"/>
+          </p:cNvSpPr>
+          <p:nvPr>
+            <p:ph type="sldImg"/>
+          </p:nvPr>
+        </p:nvSpPr>
+        <p:spPr/>
+      </p:sp>
+      <p:sp>
+        <p:nvSpPr>
+          <p:cNvPr id="3" name="Notizenplatzhalter 2"/>
+          <p:cNvSpPr>
+            <a:spLocks noGrp="1"/>
+          </p:cNvSpPr>
+          <p:nvPr>
+            <p:ph type="body" idx="1"/>
+          </p:nvPr>
+        </p:nvSpPr>
+        <p:spPr/>
+        <p:txBody>
+          <a:bodyPr>
+            <a:normAutofit/>
+          </a:bodyPr>
+          <a:lstStyle/>
+          <a:p>
+            <a:endParaRPr lang="de-DE" dirty="0"/>
+          </a:p>
+        </p:txBody>
+      </p:sp>
+      <p:sp>
+        <p:nvSpPr>
+          <p:cNvPr id="4" name="Foliennummernplatzhalter 3"/>
+          <p:cNvSpPr>
+            <a:spLocks noGrp="1"/>
+          </p:cNvSpPr>
+          <p:nvPr>
+            <p:ph type="sldNum" sz="quarter" idx="10"/>
+          </p:nvPr>
+        </p:nvSpPr>
+        <p:spPr/>
+        <p:txBody>
+          <a:bodyPr/>
+          <a:lstStyle/>
+          <a:p>
+            <a:fld id="{E4AA6088-1FF0-4E53-845C-EFEDD1C948F8}" type="slidenum">
+              <a:rPr lang="de-DE" smtClean="0"/>
+              <a:pPr/>
+              <a:t>22</a:t>
+            </a:fld>
+            <a:endParaRPr lang="de-DE" dirty="0"/>
+          </a:p>
+        </p:txBody>
+      </p:sp>
+    </p:spTree>
+  </p:cSld>
+  <p:clrMapOvr>
+    <a:masterClrMapping/>
+  </p:clrMapOvr>
+</p:notes>
+</file>
+
+<file path=ppt/notesSlides/notesSlide22.xml><?xml version="1.0" encoding="utf-8"?>
+<p:notes xmlns:a="http://schemas.openxmlformats.org/drawingml/2006/main" xmlns:r="http://schemas.openxmlformats.org/officeDocument/2006/relationships" xmlns:p="http://schemas.openxmlformats.org/presentationml/2006/main">
+  <p:cSld>
+    <p:spTree>
+      <p:nvGrpSpPr>
+        <p:cNvPr id="1" name=""/>
+        <p:cNvGrpSpPr/>
+        <p:nvPr/>
+      </p:nvGrpSpPr>
+      <p:grpSpPr>
+        <a:xfrm>
+          <a:off x="0" y="0"/>
+          <a:ext cx="0" cy="0"/>
+          <a:chOff x="0" y="0"/>
+          <a:chExt cx="0" cy="0"/>
+        </a:xfrm>
+      </p:grpSpPr>
+      <p:sp>
+        <p:nvSpPr>
+          <p:cNvPr id="2" name="Folienbildplatzhalter 1"/>
+          <p:cNvSpPr>
+            <a:spLocks noGrp="1" noRot="1" noChangeAspect="1"/>
+          </p:cNvSpPr>
+          <p:nvPr>
+            <p:ph type="sldImg"/>
+          </p:nvPr>
+        </p:nvSpPr>
+        <p:spPr/>
+      </p:sp>
+      <p:sp>
+        <p:nvSpPr>
+          <p:cNvPr id="3" name="Notizenplatzhalter 2"/>
+          <p:cNvSpPr>
+            <a:spLocks noGrp="1"/>
+          </p:cNvSpPr>
+          <p:nvPr>
+            <p:ph type="body" idx="1"/>
+          </p:nvPr>
+        </p:nvSpPr>
+        <p:spPr/>
+        <p:txBody>
+          <a:bodyPr>
+            <a:normAutofit/>
+          </a:bodyPr>
+          <a:lstStyle/>
+          <a:p>
+            <a:endParaRPr lang="de-DE" dirty="0"/>
+          </a:p>
+        </p:txBody>
+      </p:sp>
+      <p:sp>
+        <p:nvSpPr>
+          <p:cNvPr id="4" name="Foliennummernplatzhalter 3"/>
+          <p:cNvSpPr>
+            <a:spLocks noGrp="1"/>
+          </p:cNvSpPr>
+          <p:nvPr>
+            <p:ph type="sldNum" sz="quarter" idx="10"/>
+          </p:nvPr>
+        </p:nvSpPr>
+        <p:spPr/>
+        <p:txBody>
+          <a:bodyPr/>
+          <a:lstStyle/>
+          <a:p>
+            <a:fld id="{E4AA6088-1FF0-4E53-845C-EFEDD1C948F8}" type="slidenum">
+              <a:rPr lang="de-DE" smtClean="0"/>
+              <a:pPr/>
+              <a:t>23</a:t>
+            </a:fld>
+            <a:endParaRPr lang="de-DE" dirty="0"/>
+          </a:p>
+        </p:txBody>
+      </p:sp>
+    </p:spTree>
+  </p:cSld>
+  <p:clrMapOvr>
+    <a:masterClrMapping/>
+  </p:clrMapOvr>
+</p:notes>
+</file>
+
 <file path=ppt/notesSlides/notesSlide3.xml><?xml version="1.0" encoding="utf-8"?>
 <p:notes xmlns:a="http://schemas.openxmlformats.org/drawingml/2006/main" xmlns:r="http://schemas.openxmlformats.org/officeDocument/2006/relationships" xmlns:p="http://schemas.openxmlformats.org/presentationml/2006/main">
   <p:cSld>
@@ -814,11 +1918,23 @@
         <p:spPr/>
         <p:txBody>
           <a:bodyPr>
-            <a:normAutofit/>
+            <a:normAutofit fontScale="92500"/>
           </a:bodyPr>
           <a:lstStyle/>
           <a:p>
-            <a:endParaRPr lang="de-DE" dirty="0"/>
+            <a:pPr marL="0" lvl="2">
+              <a:spcBef>
+                <a:spcPts val="1200"/>
+              </a:spcBef>
+              <a:buClr>
+                <a:srgbClr val="C0C0C0"/>
+              </a:buClr>
+            </a:pPr>
+            <a:endParaRPr lang="de-DE" sz="2000" dirty="0" smtClean="0">
+              <a:solidFill>
+                <a:srgbClr val="C0C0C0"/>
+              </a:solidFill>
+            </a:endParaRPr>
           </a:p>
         </p:txBody>
       </p:sp>
@@ -896,23 +2012,11 @@
         <p:spPr/>
         <p:txBody>
           <a:bodyPr>
-            <a:normAutofit fontScale="92500"/>
+            <a:normAutofit/>
           </a:bodyPr>
           <a:lstStyle/>
           <a:p>
-            <a:pPr marL="0" lvl="2">
-              <a:spcBef>
-                <a:spcPts val="1200"/>
-              </a:spcBef>
-              <a:buClr>
-                <a:srgbClr val="C0C0C0"/>
-              </a:buClr>
-            </a:pPr>
-            <a:endParaRPr lang="de-DE" sz="2000" dirty="0" smtClean="0">
-              <a:solidFill>
-                <a:srgbClr val="C0C0C0"/>
-              </a:solidFill>
-            </a:endParaRPr>
+            <a:endParaRPr lang="de-DE" dirty="0"/>
           </a:p>
         </p:txBody>
       </p:sp>
@@ -990,11 +2094,23 @@
         <p:spPr/>
         <p:txBody>
           <a:bodyPr>
-            <a:normAutofit/>
+            <a:normAutofit fontScale="92500"/>
           </a:bodyPr>
           <a:lstStyle/>
           <a:p>
-            <a:endParaRPr lang="de-DE" dirty="0"/>
+            <a:pPr marL="0" lvl="2">
+              <a:spcBef>
+                <a:spcPts val="1200"/>
+              </a:spcBef>
+              <a:buClr>
+                <a:srgbClr val="C0C0C0"/>
+              </a:buClr>
+            </a:pPr>
+            <a:endParaRPr lang="de-DE" sz="2000" dirty="0" smtClean="0">
+              <a:solidFill>
+                <a:srgbClr val="C0C0C0"/>
+              </a:solidFill>
+            </a:endParaRPr>
           </a:p>
         </p:txBody>
       </p:sp>
@@ -1154,11 +2270,23 @@
         <p:spPr/>
         <p:txBody>
           <a:bodyPr>
-            <a:normAutofit/>
+            <a:normAutofit fontScale="92500"/>
           </a:bodyPr>
           <a:lstStyle/>
           <a:p>
-            <a:endParaRPr lang="de-DE" dirty="0"/>
+            <a:pPr marL="0" lvl="2">
+              <a:spcBef>
+                <a:spcPts val="1200"/>
+              </a:spcBef>
+              <a:buClr>
+                <a:srgbClr val="C0C0C0"/>
+              </a:buClr>
+            </a:pPr>
+            <a:endParaRPr lang="de-DE" sz="2000" dirty="0" smtClean="0">
+              <a:solidFill>
+                <a:srgbClr val="C0C0C0"/>
+              </a:solidFill>
+            </a:endParaRPr>
           </a:p>
         </p:txBody>
       </p:sp>
@@ -1263,6 +2391,100 @@
               <a:rPr lang="de-DE" smtClean="0"/>
               <a:pPr/>
               <a:t>9</a:t>
+            </a:fld>
+            <a:endParaRPr lang="de-DE" dirty="0"/>
+          </a:p>
+        </p:txBody>
+      </p:sp>
+    </p:spTree>
+  </p:cSld>
+  <p:clrMapOvr>
+    <a:masterClrMapping/>
+  </p:clrMapOvr>
+</p:notes>
+</file>
+
+<file path=ppt/notesSlides/notesSlide9.xml><?xml version="1.0" encoding="utf-8"?>
+<p:notes xmlns:a="http://schemas.openxmlformats.org/drawingml/2006/main" xmlns:r="http://schemas.openxmlformats.org/officeDocument/2006/relationships" xmlns:p="http://schemas.openxmlformats.org/presentationml/2006/main">
+  <p:cSld>
+    <p:spTree>
+      <p:nvGrpSpPr>
+        <p:cNvPr id="1" name=""/>
+        <p:cNvGrpSpPr/>
+        <p:nvPr/>
+      </p:nvGrpSpPr>
+      <p:grpSpPr>
+        <a:xfrm>
+          <a:off x="0" y="0"/>
+          <a:ext cx="0" cy="0"/>
+          <a:chOff x="0" y="0"/>
+          <a:chExt cx="0" cy="0"/>
+        </a:xfrm>
+      </p:grpSpPr>
+      <p:sp>
+        <p:nvSpPr>
+          <p:cNvPr id="2" name="Folienbildplatzhalter 1"/>
+          <p:cNvSpPr>
+            <a:spLocks noGrp="1" noRot="1" noChangeAspect="1"/>
+          </p:cNvSpPr>
+          <p:nvPr>
+            <p:ph type="sldImg"/>
+          </p:nvPr>
+        </p:nvSpPr>
+        <p:spPr/>
+      </p:sp>
+      <p:sp>
+        <p:nvSpPr>
+          <p:cNvPr id="3" name="Notizenplatzhalter 2"/>
+          <p:cNvSpPr>
+            <a:spLocks noGrp="1"/>
+          </p:cNvSpPr>
+          <p:nvPr>
+            <p:ph type="body" idx="1"/>
+          </p:nvPr>
+        </p:nvSpPr>
+        <p:spPr/>
+        <p:txBody>
+          <a:bodyPr>
+            <a:normAutofit fontScale="92500"/>
+          </a:bodyPr>
+          <a:lstStyle/>
+          <a:p>
+            <a:pPr marL="0" lvl="2">
+              <a:spcBef>
+                <a:spcPts val="1200"/>
+              </a:spcBef>
+              <a:buClr>
+                <a:srgbClr val="C0C0C0"/>
+              </a:buClr>
+            </a:pPr>
+            <a:endParaRPr lang="de-DE" sz="2000" dirty="0" smtClean="0">
+              <a:solidFill>
+                <a:srgbClr val="C0C0C0"/>
+              </a:solidFill>
+            </a:endParaRPr>
+          </a:p>
+        </p:txBody>
+      </p:sp>
+      <p:sp>
+        <p:nvSpPr>
+          <p:cNvPr id="4" name="Foliennummernplatzhalter 3"/>
+          <p:cNvSpPr>
+            <a:spLocks noGrp="1"/>
+          </p:cNvSpPr>
+          <p:nvPr>
+            <p:ph type="sldNum" sz="quarter" idx="10"/>
+          </p:nvPr>
+        </p:nvSpPr>
+        <p:spPr/>
+        <p:txBody>
+          <a:bodyPr/>
+          <a:lstStyle/>
+          <a:p>
+            <a:fld id="{E4AA6088-1FF0-4E53-845C-EFEDD1C948F8}" type="slidenum">
+              <a:rPr lang="de-DE" smtClean="0"/>
+              <a:pPr/>
+              <a:t>10</a:t>
             </a:fld>
             <a:endParaRPr lang="de-DE" dirty="0"/>
           </a:p>
@@ -3039,7 +4261,7 @@
 </p:sld>
 </file>
 
-<file path=ppt/slides/slide2.xml><?xml version="1.0" encoding="utf-8"?>
+<file path=ppt/slides/slide10.xml><?xml version="1.0" encoding="utf-8"?>
 <p:sld xmlns:a="http://schemas.openxmlformats.org/drawingml/2006/main" xmlns:r="http://schemas.openxmlformats.org/officeDocument/2006/relationships" xmlns:p="http://schemas.openxmlformats.org/presentationml/2006/main">
   <p:cSld>
     <p:spTree>
@@ -3147,8 +4369,14 @@
               <a:buClrTx/>
             </a:pPr>
             <a:r>
-              <a:rPr lang="de-DE" sz="2000" dirty="0" smtClean="0"/>
-              <a:t>Punkt 1</a:t>
+              <a:rPr lang="de-DE" sz="2000" dirty="0" smtClean="0">
+                <a:solidFill>
+                  <a:schemeClr val="bg1">
+                    <a:lumMod val="75000"/>
+                  </a:schemeClr>
+                </a:solidFill>
+              </a:rPr>
+              <a:t>Themenüberblick</a:t>
             </a:r>
           </a:p>
           <a:p>
@@ -3159,8 +4387,14 @@
               <a:buClrTx/>
             </a:pPr>
             <a:r>
-              <a:rPr lang="de-DE" sz="2000" dirty="0" smtClean="0"/>
-              <a:t>Punkt 2</a:t>
+              <a:rPr lang="de-DE" sz="2000" dirty="0" smtClean="0">
+                <a:solidFill>
+                  <a:schemeClr val="bg1">
+                    <a:lumMod val="75000"/>
+                  </a:schemeClr>
+                </a:solidFill>
+              </a:rPr>
+              <a:t>Allgemeines</a:t>
             </a:r>
           </a:p>
           <a:p>
@@ -3171,13 +4405,90 @@
               <a:buClrTx/>
             </a:pPr>
             <a:r>
-              <a:rPr lang="de-DE" sz="2000" dirty="0" smtClean="0"/>
-              <a:t>Punkt 3</a:t>
+              <a:rPr lang="de-DE" sz="2000" dirty="0" smtClean="0">
+                <a:solidFill>
+                  <a:schemeClr val="bg1">
+                    <a:lumMod val="75000"/>
+                  </a:schemeClr>
+                </a:solidFill>
+              </a:rPr>
+              <a:t>Parsen</a:t>
+            </a:r>
+          </a:p>
+          <a:p>
+            <a:pPr lvl="1">
+              <a:spcBef>
+                <a:spcPts val="600"/>
+              </a:spcBef>
+              <a:buClrTx/>
+            </a:pPr>
+            <a:r>
+              <a:rPr lang="de-DE" sz="2000" dirty="0" smtClean="0"/>
+              <a:t>Taskmanagement</a:t>
+            </a:r>
+          </a:p>
+          <a:p>
+            <a:pPr lvl="1">
+              <a:spcBef>
+                <a:spcPts val="600"/>
+              </a:spcBef>
+              <a:buClrTx/>
+            </a:pPr>
+            <a:r>
+              <a:rPr lang="de-DE" sz="2000" dirty="0" smtClean="0">
+                <a:solidFill>
+                  <a:schemeClr val="bg1">
+                    <a:lumMod val="75000"/>
+                  </a:schemeClr>
+                </a:solidFill>
+              </a:rPr>
+              <a:t>Codegeneration</a:t>
+            </a:r>
+          </a:p>
+          <a:p>
+            <a:pPr lvl="1">
+              <a:spcBef>
+                <a:spcPts val="600"/>
+              </a:spcBef>
+              <a:buClrTx/>
+            </a:pPr>
+            <a:r>
+              <a:rPr lang="de-DE" sz="2000" dirty="0" smtClean="0">
+                <a:solidFill>
+                  <a:schemeClr val="bg1">
+                    <a:lumMod val="75000"/>
+                  </a:schemeClr>
+                </a:solidFill>
+              </a:rPr>
+              <a:t>Zusammenarbeit mit dem SEP</a:t>
+            </a:r>
+          </a:p>
+          <a:p>
+            <a:pPr lvl="1">
+              <a:spcBef>
+                <a:spcPts val="600"/>
+              </a:spcBef>
+              <a:buClrTx/>
+            </a:pPr>
+            <a:r>
+              <a:rPr lang="de-DE" sz="2000" dirty="0" smtClean="0">
+                <a:solidFill>
+                  <a:schemeClr val="bg1">
+                    <a:lumMod val="75000"/>
+                  </a:schemeClr>
+                </a:solidFill>
+              </a:rPr>
+              <a:t>Fazit</a:t>
             </a:r>
           </a:p>
         </p:txBody>
       </p:sp>
     </p:spTree>
+    <p:extLst>
+      <p:ext uri="{BB962C8B-B14F-4D97-AF65-F5344CB8AC3E}">
+        <p14:creationId xmlns:p14="http://schemas.microsoft.com/office/powerpoint/2010/main" val="310764372"/>
+      </p:ext>
+    </p:extLst>
   </p:cSld>
   <p:clrMapOvr>
     <a:masterClrMapping/>
@@ -3193,7 +4504,7 @@
 </p:sld>
 </file>
 
-<file path=ppt/slides/slide3.xml><?xml version="1.0" encoding="utf-8"?>
+<file path=ppt/slides/slide11.xml><?xml version="1.0" encoding="utf-8"?>
 <p:sld xmlns:a="http://schemas.openxmlformats.org/drawingml/2006/main" xmlns:r="http://schemas.openxmlformats.org/officeDocument/2006/relationships" xmlns:p="http://schemas.openxmlformats.org/presentationml/2006/main">
   <p:cSld>
     <p:spTree>
@@ -3212,137 +4523,103 @@
       </p:grpSpPr>
       <p:sp>
         <p:nvSpPr>
-          <p:cNvPr id="27654" name="Rectangle 6"/>
-          <p:cNvSpPr>
-            <a:spLocks noChangeArrowheads="1"/>
-          </p:cNvSpPr>
-          <p:nvPr/>
-        </p:nvSpPr>
-        <p:spPr bwMode="auto">
+          <p:cNvPr id="20485" name="Rectangle 5"/>
+          <p:cNvSpPr>
+            <a:spLocks noGrp="1" noChangeArrowheads="1"/>
+          </p:cNvSpPr>
+          <p:nvPr>
+            <p:ph type="title"/>
+          </p:nvPr>
+        </p:nvSpPr>
+        <p:spPr/>
+        <p:txBody>
+          <a:bodyPr/>
+          <a:lstStyle/>
+          <a:p>
+            <a:r>
+              <a:rPr lang="de-DE" dirty="0" smtClean="0"/>
+              <a:t>Taskmanagement</a:t>
+            </a:r>
+            <a:endParaRPr lang="de-DE" dirty="0"/>
+          </a:p>
+        </p:txBody>
+      </p:sp>
+      <p:sp>
+        <p:nvSpPr>
+          <p:cNvPr id="20486" name="Rectangle 6"/>
+          <p:cNvSpPr>
+            <a:spLocks noGrp="1" noChangeArrowheads="1"/>
+          </p:cNvSpPr>
+          <p:nvPr>
+            <p:ph type="body" idx="1"/>
+          </p:nvPr>
+        </p:nvSpPr>
+        <p:spPr>
           <a:xfrm>
-            <a:off x="0" y="0"/>
-            <a:ext cx="9144000" cy="850106"/>
+            <a:off x="431800" y="809625"/>
+            <a:ext cx="8375650" cy="3579019"/>
           </a:xfrm>
-          <a:prstGeom prst="rect">
-            <a:avLst/>
-          </a:prstGeom>
-          <a:solidFill>
-            <a:schemeClr val="hlink"/>
-          </a:solidFill>
-          <a:ln w="0">
-            <a:noFill/>
-            <a:miter lim="800000"/>
-            <a:headEnd/>
-            <a:tailEnd/>
-          </a:ln>
-          <a:effectLst/>
-        </p:spPr>
-        <p:txBody>
-          <a:bodyPr wrap="none" anchor="ctr"/>
-          <a:lstStyle/>
-          <a:p>
-            <a:pPr algn="ctr"/>
-            <a:endParaRPr lang="de-DE" dirty="0">
-              <a:solidFill>
-                <a:schemeClr val="accent2"/>
-              </a:solidFill>
-            </a:endParaRPr>
-          </a:p>
-        </p:txBody>
-      </p:sp>
-      <p:sp>
-        <p:nvSpPr>
-          <p:cNvPr id="27652" name="Rectangle 4"/>
-          <p:cNvSpPr>
-            <a:spLocks noGrp="1" noChangeArrowheads="1"/>
-          </p:cNvSpPr>
-          <p:nvPr>
-            <p:ph type="title"/>
-          </p:nvPr>
-        </p:nvSpPr>
-        <p:spPr bwMode="gray"/>
-        <p:txBody>
-          <a:bodyPr/>
-          <a:lstStyle/>
-          <a:p>
-            <a:r>
-              <a:rPr lang="de-DE" dirty="0" smtClean="0">
-                <a:solidFill>
-                  <a:schemeClr val="bg1"/>
-                </a:solidFill>
-              </a:rPr>
-              <a:t>Inhalt</a:t>
-            </a:r>
-            <a:endParaRPr lang="de-DE" dirty="0"/>
-          </a:p>
-        </p:txBody>
-      </p:sp>
-      <p:sp>
-        <p:nvSpPr>
-          <p:cNvPr id="27651" name="Rectangle 3"/>
-          <p:cNvSpPr>
-            <a:spLocks noGrp="1" noChangeArrowheads="1"/>
-          </p:cNvSpPr>
-          <p:nvPr>
-            <p:ph type="body" idx="1"/>
-          </p:nvPr>
-        </p:nvSpPr>
-        <p:spPr bwMode="gray">
           <a:noFill/>
         </p:spPr>
         <p:txBody>
           <a:bodyPr/>
           <a:lstStyle/>
           <a:p>
-            <a:pPr lvl="1">
-              <a:spcBef>
-                <a:spcPts val="600"/>
-              </a:spcBef>
-              <a:buClrTx/>
-            </a:pPr>
-            <a:r>
-              <a:rPr lang="de-DE" sz="2000" dirty="0" smtClean="0"/>
-              <a:t>Punkt 1</a:t>
-            </a:r>
-          </a:p>
-          <a:p>
-            <a:pPr lvl="1">
-              <a:spcBef>
-                <a:spcPts val="600"/>
-              </a:spcBef>
-              <a:buClrTx/>
-            </a:pPr>
-            <a:r>
-              <a:rPr lang="de-DE" sz="2000" dirty="0" smtClean="0">
-                <a:solidFill>
-                  <a:srgbClr val="C0C0C0"/>
-                </a:solidFill>
-              </a:rPr>
-              <a:t>Punkt 2</a:t>
-            </a:r>
-          </a:p>
-          <a:p>
-            <a:pPr lvl="1">
-              <a:spcBef>
-                <a:spcPts val="600"/>
-              </a:spcBef>
-              <a:buClrTx/>
-            </a:pPr>
-            <a:r>
-              <a:rPr lang="de-DE" sz="2000" dirty="0" smtClean="0">
-                <a:solidFill>
-                  <a:srgbClr val="C0C0C0"/>
-                </a:solidFill>
-              </a:rPr>
-              <a:t>Punkt 3</a:t>
-            </a:r>
-          </a:p>
-          <a:p>
-            <a:pPr lvl="1">
-              <a:spcBef>
-                <a:spcPts val="600"/>
-              </a:spcBef>
-              <a:buClrTx/>
+            <a:pPr lvl="1" algn="just"/>
+            <a:r>
+              <a:rPr lang="de-DE" sz="2000" dirty="0" smtClean="0"/>
+              <a:t>Einlesen der XML-Aufgaben</a:t>
+            </a:r>
+          </a:p>
+          <a:p>
+            <a:pPr lvl="1" algn="just"/>
+            <a:r>
+              <a:rPr lang="de-DE" sz="2000" dirty="0" smtClean="0"/>
+              <a:t>Erstellung einer Task pro Teilaufgabe</a:t>
+            </a:r>
+          </a:p>
+          <a:p>
+            <a:pPr lvl="1" algn="just"/>
+            <a:r>
+              <a:rPr lang="de-DE" sz="2000" dirty="0" smtClean="0"/>
+              <a:t>Initialisierung einer Datenbank beim Starten einer Task</a:t>
+            </a:r>
+          </a:p>
+          <a:p>
+            <a:pPr lvl="2" algn="just"/>
+            <a:r>
+              <a:rPr lang="de-DE" sz="2000" dirty="0" smtClean="0"/>
+              <a:t>Falls sie noch nicht existiert</a:t>
+            </a:r>
+          </a:p>
+          <a:p>
+            <a:pPr lvl="2" algn="just"/>
+            <a:r>
+              <a:rPr lang="de-DE" sz="2000" dirty="0" smtClean="0"/>
+              <a:t>Mehrere Nutzer können die gleiche DB verwenden (keine neuen DBs)</a:t>
+            </a:r>
+          </a:p>
+          <a:p>
+            <a:pPr lvl="1" algn="just"/>
+            <a:r>
+              <a:rPr lang="de-DE" sz="2000" dirty="0" smtClean="0"/>
+              <a:t>Überprüfung der Userstatements</a:t>
+            </a:r>
+          </a:p>
+          <a:p>
+            <a:pPr lvl="1" algn="just"/>
+            <a:endParaRPr lang="de-DE" sz="2000" dirty="0" smtClean="0"/>
+          </a:p>
+          <a:p>
+            <a:pPr lvl="1" algn="just"/>
+            <a:endParaRPr lang="de-DE" sz="2000" dirty="0" smtClean="0"/>
+          </a:p>
+          <a:p>
+            <a:pPr lvl="1" algn="just"/>
+            <a:endParaRPr lang="de-DE" sz="2000" dirty="0" smtClean="0"/>
+          </a:p>
+          <a:p>
+            <a:pPr marL="1587" lvl="1" indent="0" algn="just">
               <a:buNone/>
             </a:pPr>
             <a:endParaRPr lang="de-DE" sz="2000" dirty="0" smtClean="0"/>
@@ -3350,11 +4627,15 @@
         </p:txBody>
       </p:sp>
     </p:spTree>
+    <p:extLst>
+      <p:ext uri="{BB962C8B-B14F-4D97-AF65-F5344CB8AC3E}">
+        <p14:creationId xmlns:p14="http://schemas.microsoft.com/office/powerpoint/2010/main" val="1740437255"/>
+      </p:ext>
+    </p:extLst>
   </p:cSld>
   <p:clrMapOvr>
     <a:masterClrMapping/>
   </p:clrMapOvr>
-  <p:transition/>
   <p:timing>
     <p:tnLst>
       <p:par>
@@ -3365,7 +4646,7 @@
 </p:sld>
 </file>
 
-<file path=ppt/slides/slide4.xml><?xml version="1.0" encoding="utf-8"?>
+<file path=ppt/slides/slide12.xml><?xml version="1.0" encoding="utf-8"?>
 <p:sld xmlns:a="http://schemas.openxmlformats.org/drawingml/2006/main" xmlns:r="http://schemas.openxmlformats.org/officeDocument/2006/relationships" xmlns:p="http://schemas.openxmlformats.org/presentationml/2006/main">
   <p:cSld>
     <p:spTree>
@@ -3399,7 +4680,7 @@
           <a:p>
             <a:r>
               <a:rPr lang="de-DE" dirty="0" smtClean="0"/>
-              <a:t>Punkt 1</a:t>
+              <a:t>Taskmanagement - Ablauf</a:t>
             </a:r>
             <a:endParaRPr lang="de-DE" dirty="0"/>
           </a:p>
@@ -3426,34 +4707,111 @@
           <a:bodyPr/>
           <a:lstStyle/>
           <a:p>
-            <a:pPr lvl="1"/>
-            <a:r>
-              <a:rPr lang="de-DE" dirty="0" smtClean="0"/>
-              <a:t>Unterpunkt 1</a:t>
-            </a:r>
-          </a:p>
-          <a:p>
-            <a:pPr lvl="1"/>
-            <a:r>
-              <a:rPr lang="de-DE" dirty="0" smtClean="0"/>
-              <a:t>Unterpunkt 2</a:t>
-            </a:r>
-          </a:p>
-          <a:p>
-            <a:pPr lvl="1"/>
-            <a:r>
-              <a:rPr lang="de-DE" b="1" dirty="0" smtClean="0">
-                <a:solidFill>
-                  <a:srgbClr val="BD1E3B"/>
-                </a:solidFill>
-              </a:rPr>
-              <a:t>Unterpunkt 3</a:t>
-            </a:r>
-            <a:endParaRPr lang="de-DE" b="1" dirty="0" smtClean="0"/>
+            <a:pPr lvl="1" algn="just"/>
+            <a:r>
+              <a:rPr lang="de-DE" sz="2000" dirty="0" smtClean="0"/>
+              <a:t>Sämtliche Inhalte der XML-Files in Listen speichern</a:t>
+            </a:r>
+          </a:p>
+          <a:p>
+            <a:pPr lvl="2" algn="just"/>
+            <a:r>
+              <a:rPr lang="de-DE" sz="2000" dirty="0" smtClean="0"/>
+              <a:t>Task erstellen mit Angabe des DB-Typs (</a:t>
+            </a:r>
+            <a:r>
+              <a:rPr lang="de-DE" sz="2000" dirty="0" err="1" smtClean="0"/>
+              <a:t>local</a:t>
+            </a:r>
+            <a:r>
+              <a:rPr lang="de-DE" sz="2000" dirty="0" smtClean="0"/>
+              <a:t>, </a:t>
+            </a:r>
+            <a:r>
+              <a:rPr lang="de-DE" sz="2000" dirty="0" err="1" smtClean="0"/>
+              <a:t>memory</a:t>
+            </a:r>
+            <a:r>
+              <a:rPr lang="de-DE" sz="2000" dirty="0" smtClean="0"/>
+              <a:t>, </a:t>
+            </a:r>
+            <a:r>
+              <a:rPr lang="de-DE" sz="2000" dirty="0" err="1" smtClean="0"/>
+              <a:t>server</a:t>
+            </a:r>
+            <a:r>
+              <a:rPr lang="de-DE" sz="2000" dirty="0" smtClean="0"/>
+              <a:t>)</a:t>
+            </a:r>
+          </a:p>
+          <a:p>
+            <a:pPr lvl="3" algn="just"/>
+            <a:r>
+              <a:rPr lang="de-DE" sz="2000" dirty="0" smtClean="0"/>
+              <a:t>Überprüfen, ob Task bereits existiert</a:t>
+            </a:r>
+          </a:p>
+          <a:p>
+            <a:pPr lvl="3" algn="just"/>
+            <a:r>
+              <a:rPr lang="de-DE" sz="2000" dirty="0" smtClean="0"/>
+              <a:t>DB erstellen, falls nicht existent (CREATE TABLE bzw. INSERT)</a:t>
+            </a:r>
+          </a:p>
+          <a:p>
+            <a:pPr lvl="3" algn="just"/>
+            <a:r>
+              <a:rPr lang="de-DE" sz="2000" dirty="0" smtClean="0"/>
+              <a:t>Ansonsten: Task laden, Spielerzahl erhöhen</a:t>
+            </a:r>
+          </a:p>
+          <a:p>
+            <a:pPr lvl="2" algn="just"/>
+            <a:r>
+              <a:rPr lang="de-DE" sz="2000" dirty="0" smtClean="0"/>
+              <a:t>Task beenden</a:t>
+            </a:r>
+          </a:p>
+          <a:p>
+            <a:pPr lvl="3" algn="just"/>
+            <a:r>
+              <a:rPr lang="de-DE" sz="2000" dirty="0" smtClean="0"/>
+              <a:t>Spielerzahl erniedrigen</a:t>
+            </a:r>
+          </a:p>
+          <a:p>
+            <a:pPr lvl="3" algn="just"/>
+            <a:r>
+              <a:rPr lang="de-DE" sz="2000" dirty="0" smtClean="0"/>
+              <a:t>DB löschen, falls kein Spieler mehr spielt</a:t>
+            </a:r>
+          </a:p>
+          <a:p>
+            <a:pPr lvl="1" algn="just"/>
+            <a:endParaRPr lang="de-DE" sz="2000" dirty="0" smtClean="0"/>
+          </a:p>
+          <a:p>
+            <a:pPr lvl="1" algn="just"/>
+            <a:endParaRPr lang="de-DE" sz="2000" dirty="0" smtClean="0"/>
+          </a:p>
+          <a:p>
+            <a:pPr lvl="1" algn="just"/>
+            <a:endParaRPr lang="de-DE" sz="2000" dirty="0" smtClean="0"/>
+          </a:p>
+          <a:p>
+            <a:pPr marL="1587" lvl="1" indent="0" algn="just">
+              <a:buNone/>
+            </a:pPr>
+            <a:endParaRPr lang="de-DE" sz="2000" dirty="0" smtClean="0"/>
           </a:p>
         </p:txBody>
       </p:sp>
     </p:spTree>
+    <p:extLst>
+      <p:ext uri="{BB962C8B-B14F-4D97-AF65-F5344CB8AC3E}">
+        <p14:creationId xmlns:p14="http://schemas.microsoft.com/office/powerpoint/2010/main" val="2784269553"/>
+      </p:ext>
+    </p:extLst>
   </p:cSld>
   <p:clrMapOvr>
     <a:masterClrMapping/>
@@ -3468,7 +4826,7 @@
 </p:sld>
 </file>
 
-<file path=ppt/slides/slide5.xml><?xml version="1.0" encoding="utf-8"?>
+<file path=ppt/slides/slide13.xml><?xml version="1.0" encoding="utf-8"?>
 <p:sld xmlns:a="http://schemas.openxmlformats.org/drawingml/2006/main" xmlns:r="http://schemas.openxmlformats.org/officeDocument/2006/relationships" xmlns:p="http://schemas.openxmlformats.org/presentationml/2006/main">
   <p:cSld>
     <p:spTree>
@@ -3578,10 +4936,12 @@
             <a:r>
               <a:rPr lang="de-DE" sz="2000" dirty="0" smtClean="0">
                 <a:solidFill>
-                  <a:srgbClr val="C0C0C0"/>
+                  <a:schemeClr val="bg1">
+                    <a:lumMod val="75000"/>
+                  </a:schemeClr>
                 </a:solidFill>
               </a:rPr>
-              <a:t>Punkt 1</a:t>
+              <a:t>Themenüberblick</a:t>
             </a:r>
           </a:p>
           <a:p>
@@ -3592,8 +4952,14 @@
               <a:buClrTx/>
             </a:pPr>
             <a:r>
-              <a:rPr lang="de-DE" sz="2000" dirty="0" smtClean="0"/>
-              <a:t>Punkt 2</a:t>
+              <a:rPr lang="de-DE" sz="2000" dirty="0" smtClean="0">
+                <a:solidFill>
+                  <a:schemeClr val="bg1">
+                    <a:lumMod val="75000"/>
+                  </a:schemeClr>
+                </a:solidFill>
+              </a:rPr>
+              <a:t>Allgemeines</a:t>
             </a:r>
           </a:p>
           <a:p>
@@ -3606,10 +4972,12 @@
             <a:r>
               <a:rPr lang="de-DE" sz="2000" dirty="0" smtClean="0">
                 <a:solidFill>
-                  <a:srgbClr val="C0C0C0"/>
+                  <a:schemeClr val="bg1">
+                    <a:lumMod val="75000"/>
+                  </a:schemeClr>
                 </a:solidFill>
               </a:rPr>
-              <a:t>Punkt 3</a:t>
+              <a:t>Parsen</a:t>
             </a:r>
           </a:p>
           <a:p>
@@ -3618,13 +4986,74 @@
                 <a:spcPts val="600"/>
               </a:spcBef>
               <a:buClrTx/>
-              <a:buNone/>
             </a:pPr>
-            <a:endParaRPr lang="de-DE" sz="2000" dirty="0" smtClean="0"/>
+            <a:r>
+              <a:rPr lang="de-DE" sz="2000" dirty="0" smtClean="0">
+                <a:solidFill>
+                  <a:schemeClr val="bg1">
+                    <a:lumMod val="75000"/>
+                  </a:schemeClr>
+                </a:solidFill>
+              </a:rPr>
+              <a:t>Taskmanagement</a:t>
+            </a:r>
+          </a:p>
+          <a:p>
+            <a:pPr lvl="1">
+              <a:spcBef>
+                <a:spcPts val="600"/>
+              </a:spcBef>
+              <a:buClrTx/>
+            </a:pPr>
+            <a:r>
+              <a:rPr lang="de-DE" sz="2000" dirty="0" smtClean="0"/>
+              <a:t>Codegeneration</a:t>
+            </a:r>
+          </a:p>
+          <a:p>
+            <a:pPr lvl="1">
+              <a:spcBef>
+                <a:spcPts val="600"/>
+              </a:spcBef>
+              <a:buClrTx/>
+            </a:pPr>
+            <a:r>
+              <a:rPr lang="de-DE" sz="2000" dirty="0" smtClean="0">
+                <a:solidFill>
+                  <a:schemeClr val="bg1">
+                    <a:lumMod val="75000"/>
+                  </a:schemeClr>
+                </a:solidFill>
+              </a:rPr>
+              <a:t>Zusammenarbeit mit dem SEP</a:t>
+            </a:r>
+          </a:p>
+          <a:p>
+            <a:pPr lvl="1">
+              <a:spcBef>
+                <a:spcPts val="600"/>
+              </a:spcBef>
+              <a:buClrTx/>
+            </a:pPr>
+            <a:r>
+              <a:rPr lang="de-DE" sz="2000" dirty="0" smtClean="0">
+                <a:solidFill>
+                  <a:schemeClr val="bg1">
+                    <a:lumMod val="75000"/>
+                  </a:schemeClr>
+                </a:solidFill>
+              </a:rPr>
+              <a:t>Fazit</a:t>
+            </a:r>
           </a:p>
         </p:txBody>
       </p:sp>
     </p:spTree>
+    <p:extLst>
+      <p:ext uri="{BB962C8B-B14F-4D97-AF65-F5344CB8AC3E}">
+        <p14:creationId xmlns:p14="http://schemas.microsoft.com/office/powerpoint/2010/main" val="517253752"/>
+      </p:ext>
+    </p:extLst>
   </p:cSld>
   <p:clrMapOvr>
     <a:masterClrMapping/>
@@ -3640,7 +5069,7 @@
 </p:sld>
 </file>
 
-<file path=ppt/slides/slide6.xml><?xml version="1.0" encoding="utf-8"?>
+<file path=ppt/slides/slide14.xml><?xml version="1.0" encoding="utf-8"?>
 <p:sld xmlns:a="http://schemas.openxmlformats.org/drawingml/2006/main" xmlns:r="http://schemas.openxmlformats.org/officeDocument/2006/relationships" xmlns:p="http://schemas.openxmlformats.org/presentationml/2006/main">
   <p:cSld>
     <p:spTree>
@@ -3673,231 +5102,111 @@
           <a:lstStyle/>
           <a:p>
             <a:r>
-              <a:rPr lang="de-DE" dirty="0" smtClean="0"/>
-              <a:t>Punkt 2 (1)</a:t>
-            </a:r>
-            <a:endParaRPr lang="de-DE" dirty="0"/>
-          </a:p>
-        </p:txBody>
-      </p:sp>
-      <p:sp>
-        <p:nvSpPr>
-          <p:cNvPr id="43" name="Rectangle 6"/>
-          <p:cNvSpPr txBox="1">
-            <a:spLocks noChangeArrowheads="1"/>
-          </p:cNvSpPr>
-          <p:nvPr/>
-        </p:nvSpPr>
-        <p:spPr bwMode="auto">
+              <a:rPr lang="de-DE" dirty="0"/>
+              <a:t>Codegeneration </a:t>
+            </a:r>
+          </a:p>
+        </p:txBody>
+      </p:sp>
+      <p:sp>
+        <p:nvSpPr>
+          <p:cNvPr id="20486" name="Rectangle 6"/>
+          <p:cNvSpPr>
+            <a:spLocks noGrp="1" noChangeArrowheads="1"/>
+          </p:cNvSpPr>
+          <p:nvPr>
+            <p:ph type="body" idx="1"/>
+          </p:nvPr>
+        </p:nvSpPr>
+        <p:spPr>
           <a:xfrm>
             <a:off x="431800" y="809625"/>
             <a:ext cx="8375650" cy="3579019"/>
           </a:xfrm>
-          <a:prstGeom prst="rect">
-            <a:avLst/>
-          </a:prstGeom>
           <a:noFill/>
-          <a:ln w="9525">
-            <a:noFill/>
-            <a:miter lim="800000"/>
-            <a:headEnd/>
-            <a:tailEnd/>
-          </a:ln>
-          <a:effectLst/>
         </p:spPr>
         <p:txBody>
-          <a:bodyPr vert="horz" wrap="square" lIns="0" tIns="0" rIns="0" bIns="0" numCol="1" anchor="t" anchorCtr="0" compatLnSpc="1">
-            <a:prstTxWarp prst="textNoShape">
-              <a:avLst/>
-            </a:prstTxWarp>
-          </a:bodyPr>
-          <a:lstStyle>
-            <a:lvl1pPr algn="l" rtl="0" fontAlgn="base">
-              <a:spcBef>
-                <a:spcPct val="20000"/>
-              </a:spcBef>
-              <a:spcAft>
-                <a:spcPct val="0"/>
-              </a:spcAft>
-              <a:defRPr sz="1600">
-                <a:solidFill>
-                  <a:schemeClr val="tx1"/>
-                </a:solidFill>
-                <a:latin typeface="+mn-lt"/>
-                <a:ea typeface="+mn-ea"/>
-                <a:cs typeface="+mn-cs"/>
-              </a:defRPr>
-            </a:lvl1pPr>
-            <a:lvl2pPr marL="190500" indent="-188913" algn="l" rtl="0" fontAlgn="base">
-              <a:spcBef>
-                <a:spcPct val="20000"/>
-              </a:spcBef>
-              <a:spcAft>
-                <a:spcPct val="0"/>
-              </a:spcAft>
-              <a:buClr>
-                <a:schemeClr val="tx1"/>
-              </a:buClr>
-              <a:buFont typeface="Wingdings" pitchFamily="2" charset="2"/>
-              <a:buChar char="§"/>
-              <a:defRPr sz="1600">
-                <a:solidFill>
-                  <a:schemeClr val="tx1"/>
-                </a:solidFill>
-                <a:latin typeface="+mn-lt"/>
-              </a:defRPr>
-            </a:lvl2pPr>
-            <a:lvl3pPr marL="361950" indent="-169863" algn="l" rtl="0" fontAlgn="base">
-              <a:spcBef>
-                <a:spcPct val="20000"/>
-              </a:spcBef>
-              <a:spcAft>
-                <a:spcPct val="0"/>
-              </a:spcAft>
-              <a:buClr>
-                <a:schemeClr val="tx1"/>
-              </a:buClr>
-              <a:buFont typeface="Arial" panose="020B0604020202020204" pitchFamily="34" charset="0"/>
-              <a:buChar char="•"/>
-              <a:defRPr sz="1600">
-                <a:solidFill>
-                  <a:schemeClr val="tx1"/>
-                </a:solidFill>
-                <a:latin typeface="+mn-lt"/>
-              </a:defRPr>
-            </a:lvl3pPr>
-            <a:lvl4pPr marL="542925" indent="-179388" algn="l" rtl="0" fontAlgn="base">
-              <a:spcBef>
-                <a:spcPct val="20000"/>
-              </a:spcBef>
-              <a:spcAft>
-                <a:spcPct val="0"/>
-              </a:spcAft>
-              <a:buClr>
-                <a:schemeClr val="tx1"/>
-              </a:buClr>
-              <a:buFont typeface="Symbol" panose="05050102010706020507" pitchFamily="18" charset="2"/>
-              <a:buChar char="-"/>
-              <a:defRPr sz="1600">
-                <a:solidFill>
-                  <a:schemeClr val="tx1"/>
-                </a:solidFill>
-                <a:latin typeface="+mn-lt"/>
-              </a:defRPr>
-            </a:lvl4pPr>
-            <a:lvl5pPr marL="742950" indent="-198438" algn="l" rtl="0" fontAlgn="base">
-              <a:spcBef>
-                <a:spcPct val="20000"/>
-              </a:spcBef>
-              <a:spcAft>
-                <a:spcPct val="0"/>
-              </a:spcAft>
-              <a:buClr>
-                <a:schemeClr val="tx1"/>
-              </a:buClr>
-              <a:buFont typeface="Wingdings" pitchFamily="2" charset="2"/>
-              <a:buChar char="§"/>
-              <a:defRPr sz="1600">
-                <a:solidFill>
-                  <a:schemeClr val="tx1"/>
-                </a:solidFill>
-                <a:latin typeface="+mn-lt"/>
-              </a:defRPr>
-            </a:lvl5pPr>
-            <a:lvl6pPr marL="1200150" indent="-198438" algn="l" rtl="0" fontAlgn="base">
-              <a:spcBef>
-                <a:spcPct val="20000"/>
-              </a:spcBef>
-              <a:spcAft>
-                <a:spcPct val="0"/>
-              </a:spcAft>
-              <a:buFont typeface="Wingdings" pitchFamily="2" charset="2"/>
-              <a:buChar char="§"/>
-              <a:defRPr sz="1600">
-                <a:solidFill>
-                  <a:schemeClr val="tx1"/>
-                </a:solidFill>
-                <a:latin typeface="+mn-lt"/>
-              </a:defRPr>
-            </a:lvl6pPr>
-            <a:lvl7pPr marL="1657350" indent="-198438" algn="l" rtl="0" fontAlgn="base">
-              <a:spcBef>
-                <a:spcPct val="20000"/>
-              </a:spcBef>
-              <a:spcAft>
-                <a:spcPct val="0"/>
-              </a:spcAft>
-              <a:buFont typeface="Wingdings" pitchFamily="2" charset="2"/>
-              <a:buChar char="§"/>
-              <a:defRPr sz="1600">
-                <a:solidFill>
-                  <a:schemeClr val="tx1"/>
-                </a:solidFill>
-                <a:latin typeface="+mn-lt"/>
-              </a:defRPr>
-            </a:lvl7pPr>
-            <a:lvl8pPr marL="2114550" indent="-198438" algn="l" rtl="0" fontAlgn="base">
-              <a:spcBef>
-                <a:spcPct val="20000"/>
-              </a:spcBef>
-              <a:spcAft>
-                <a:spcPct val="0"/>
-              </a:spcAft>
-              <a:buFont typeface="Wingdings" pitchFamily="2" charset="2"/>
-              <a:buChar char="§"/>
-              <a:defRPr sz="1600">
-                <a:solidFill>
-                  <a:schemeClr val="tx1"/>
-                </a:solidFill>
-                <a:latin typeface="+mn-lt"/>
-              </a:defRPr>
-            </a:lvl8pPr>
-            <a:lvl9pPr marL="2571750" indent="-198438" algn="l" rtl="0" fontAlgn="base">
-              <a:spcBef>
-                <a:spcPct val="20000"/>
-              </a:spcBef>
-              <a:spcAft>
-                <a:spcPct val="0"/>
-              </a:spcAft>
-              <a:buFont typeface="Wingdings" pitchFamily="2" charset="2"/>
-              <a:buChar char="§"/>
-              <a:defRPr sz="1600">
-                <a:solidFill>
-                  <a:schemeClr val="tx1"/>
-                </a:solidFill>
-                <a:latin typeface="+mn-lt"/>
-              </a:defRPr>
-            </a:lvl9pPr>
-          </a:lstStyle>
-          <a:p>
-            <a:pPr lvl="1"/>
-            <a:r>
-              <a:rPr lang="de-DE" kern="0" smtClean="0"/>
-              <a:t>Unterpunkt 1</a:t>
-            </a:r>
-          </a:p>
-          <a:p>
-            <a:pPr lvl="1"/>
-            <a:r>
-              <a:rPr lang="de-DE" kern="0" smtClean="0"/>
-              <a:t>Unterpunkt 2</a:t>
-            </a:r>
-          </a:p>
-          <a:p>
-            <a:pPr lvl="1"/>
-            <a:r>
-              <a:rPr lang="de-DE" b="1" kern="0" smtClean="0">
-                <a:solidFill>
-                  <a:srgbClr val="BD1E3B"/>
-                </a:solidFill>
-              </a:rPr>
-              <a:t>Unterpunkt 3</a:t>
-            </a:r>
-            <a:endParaRPr lang="de-DE" b="1" kern="0" dirty="0" smtClean="0"/>
+          <a:bodyPr/>
+          <a:lstStyle/>
+          <a:p>
+            <a:pPr lvl="1" algn="just"/>
+            <a:r>
+              <a:rPr lang="de-DE" sz="2000" dirty="0" smtClean="0"/>
+              <a:t>Codegenerierungsmöglichkeit nach dem Erstellen der DB-Tabellen und des Tasks</a:t>
+            </a:r>
+          </a:p>
+          <a:p>
+            <a:pPr lvl="2" algn="just"/>
+            <a:r>
+              <a:rPr lang="de-DE" sz="2000" dirty="0" smtClean="0"/>
+              <a:t>Nutzerspezifisch</a:t>
+            </a:r>
+          </a:p>
+          <a:p>
+            <a:pPr lvl="2" algn="just"/>
+            <a:r>
+              <a:rPr lang="de-DE" sz="2000" dirty="0" smtClean="0"/>
+              <a:t>Zufällig</a:t>
+            </a:r>
+          </a:p>
+          <a:p>
+            <a:pPr lvl="2" algn="just"/>
+            <a:r>
+              <a:rPr lang="de-DE" sz="2000" dirty="0" smtClean="0"/>
+              <a:t>Aufgabenspezifisch</a:t>
+            </a:r>
+          </a:p>
+          <a:p>
+            <a:pPr lvl="1" algn="just"/>
+            <a:r>
+              <a:rPr lang="de-DE" sz="2000" dirty="0" smtClean="0"/>
+              <a:t>Erzeugung/Nutzung von </a:t>
+            </a:r>
+            <a:r>
+              <a:rPr lang="de-DE" sz="2000" dirty="0" err="1" smtClean="0"/>
+              <a:t>Generierungstupeln</a:t>
+            </a:r>
+            <a:endParaRPr lang="de-DE" sz="2000" dirty="0" smtClean="0"/>
+          </a:p>
+          <a:p>
+            <a:pPr lvl="2" algn="just"/>
+            <a:r>
+              <a:rPr lang="de-DE" sz="2000" dirty="0" smtClean="0"/>
+              <a:t>Auslesen aus dem XML-Dokument</a:t>
+            </a:r>
+          </a:p>
+          <a:p>
+            <a:pPr lvl="2" algn="just"/>
+            <a:r>
+              <a:rPr lang="de-DE" sz="2000" dirty="0" smtClean="0"/>
+              <a:t>Generierung anhand der Tabellendaten</a:t>
+            </a:r>
+          </a:p>
+          <a:p>
+            <a:pPr lvl="2" algn="just"/>
+            <a:r>
+              <a:rPr lang="de-DE" sz="2000" dirty="0" smtClean="0"/>
+              <a:t>Parsen des SELECT-Reference-Statements</a:t>
+            </a:r>
+          </a:p>
+          <a:p>
+            <a:pPr lvl="1" algn="just"/>
+            <a:endParaRPr lang="de-DE" sz="2000" dirty="0" smtClean="0"/>
+          </a:p>
+          <a:p>
+            <a:pPr marL="1587" lvl="1" indent="0" algn="just">
+              <a:buNone/>
+            </a:pPr>
+            <a:endParaRPr lang="de-DE" sz="2000" dirty="0" smtClean="0"/>
           </a:p>
         </p:txBody>
       </p:sp>
     </p:spTree>
+    <p:extLst>
+      <p:ext uri="{BB962C8B-B14F-4D97-AF65-F5344CB8AC3E}">
+        <p14:creationId xmlns:p14="http://schemas.microsoft.com/office/powerpoint/2010/main" val="2945990269"/>
+      </p:ext>
+    </p:extLst>
   </p:cSld>
   <p:clrMapOvr>
     <a:masterClrMapping/>
@@ -3912,7 +5221,7 @@
 </p:sld>
 </file>
 
-<file path=ppt/slides/slide7.xml><?xml version="1.0" encoding="utf-8"?>
+<file path=ppt/slides/slide15.xml><?xml version="1.0" encoding="utf-8"?>
 <p:sld xmlns:a="http://schemas.openxmlformats.org/drawingml/2006/main" xmlns:r="http://schemas.openxmlformats.org/officeDocument/2006/relationships" xmlns:p="http://schemas.openxmlformats.org/presentationml/2006/main">
   <p:cSld>
     <p:spTree>
@@ -3946,7 +5255,19 @@
           <a:p>
             <a:r>
               <a:rPr lang="de-DE" dirty="0" smtClean="0"/>
-              <a:t>Punkt (2)</a:t>
+              <a:t>Codegeneration - </a:t>
+            </a:r>
+            <a:r>
+              <a:rPr lang="de-DE" dirty="0" err="1"/>
+              <a:t>G</a:t>
+            </a:r>
+            <a:r>
+              <a:rPr lang="de-DE" dirty="0" err="1" smtClean="0"/>
+              <a:t>enerierungstupel</a:t>
+            </a:r>
+            <a:r>
+              <a:rPr lang="de-DE" dirty="0" smtClean="0"/>
+              <a:t> (1)</a:t>
             </a:r>
             <a:endParaRPr lang="de-DE" dirty="0"/>
           </a:p>
@@ -3954,225 +5275,120 @@
       </p:sp>
       <p:sp>
         <p:nvSpPr>
-          <p:cNvPr id="47" name="Rectangle 6"/>
-          <p:cNvSpPr txBox="1">
-            <a:spLocks noChangeArrowheads="1"/>
-          </p:cNvSpPr>
-          <p:nvPr/>
-        </p:nvSpPr>
-        <p:spPr bwMode="auto">
+          <p:cNvPr id="20486" name="Rectangle 6"/>
+          <p:cNvSpPr>
+            <a:spLocks noGrp="1" noChangeArrowheads="1"/>
+          </p:cNvSpPr>
+          <p:nvPr>
+            <p:ph type="body" idx="1"/>
+          </p:nvPr>
+        </p:nvSpPr>
+        <p:spPr>
           <a:xfrm>
             <a:off x="431800" y="809625"/>
             <a:ext cx="8375650" cy="3579019"/>
           </a:xfrm>
-          <a:prstGeom prst="rect">
-            <a:avLst/>
-          </a:prstGeom>
           <a:noFill/>
-          <a:ln w="9525">
-            <a:noFill/>
-            <a:miter lim="800000"/>
-            <a:headEnd/>
-            <a:tailEnd/>
-          </a:ln>
-          <a:effectLst/>
         </p:spPr>
         <p:txBody>
-          <a:bodyPr vert="horz" wrap="square" lIns="0" tIns="0" rIns="0" bIns="0" numCol="1" anchor="t" anchorCtr="0" compatLnSpc="1">
-            <a:prstTxWarp prst="textNoShape">
-              <a:avLst/>
-            </a:prstTxWarp>
-          </a:bodyPr>
-          <a:lstStyle>
-            <a:lvl1pPr algn="l" rtl="0" fontAlgn="base">
-              <a:spcBef>
-                <a:spcPct val="20000"/>
-              </a:spcBef>
-              <a:spcAft>
-                <a:spcPct val="0"/>
-              </a:spcAft>
-              <a:defRPr sz="1600">
-                <a:solidFill>
-                  <a:schemeClr val="tx1"/>
-                </a:solidFill>
-                <a:latin typeface="+mn-lt"/>
-                <a:ea typeface="+mn-ea"/>
-                <a:cs typeface="+mn-cs"/>
-              </a:defRPr>
-            </a:lvl1pPr>
-            <a:lvl2pPr marL="190500" indent="-188913" algn="l" rtl="0" fontAlgn="base">
-              <a:spcBef>
-                <a:spcPct val="20000"/>
-              </a:spcBef>
-              <a:spcAft>
-                <a:spcPct val="0"/>
-              </a:spcAft>
-              <a:buClr>
-                <a:schemeClr val="tx1"/>
-              </a:buClr>
-              <a:buFont typeface="Wingdings" pitchFamily="2" charset="2"/>
-              <a:buChar char="§"/>
-              <a:defRPr sz="1600">
-                <a:solidFill>
-                  <a:schemeClr val="tx1"/>
-                </a:solidFill>
-                <a:latin typeface="+mn-lt"/>
-              </a:defRPr>
-            </a:lvl2pPr>
-            <a:lvl3pPr marL="361950" indent="-169863" algn="l" rtl="0" fontAlgn="base">
-              <a:spcBef>
-                <a:spcPct val="20000"/>
-              </a:spcBef>
-              <a:spcAft>
-                <a:spcPct val="0"/>
-              </a:spcAft>
-              <a:buClr>
-                <a:schemeClr val="tx1"/>
-              </a:buClr>
-              <a:buFont typeface="Arial" panose="020B0604020202020204" pitchFamily="34" charset="0"/>
-              <a:buChar char="•"/>
-              <a:defRPr sz="1600">
-                <a:solidFill>
-                  <a:schemeClr val="tx1"/>
-                </a:solidFill>
-                <a:latin typeface="+mn-lt"/>
-              </a:defRPr>
-            </a:lvl3pPr>
-            <a:lvl4pPr marL="542925" indent="-179388" algn="l" rtl="0" fontAlgn="base">
-              <a:spcBef>
-                <a:spcPct val="20000"/>
-              </a:spcBef>
-              <a:spcAft>
-                <a:spcPct val="0"/>
-              </a:spcAft>
-              <a:buClr>
-                <a:schemeClr val="tx1"/>
-              </a:buClr>
-              <a:buFont typeface="Symbol" panose="05050102010706020507" pitchFamily="18" charset="2"/>
-              <a:buChar char="-"/>
-              <a:defRPr sz="1600">
-                <a:solidFill>
-                  <a:schemeClr val="tx1"/>
-                </a:solidFill>
-                <a:latin typeface="+mn-lt"/>
-              </a:defRPr>
-            </a:lvl4pPr>
-            <a:lvl5pPr marL="742950" indent="-198438" algn="l" rtl="0" fontAlgn="base">
-              <a:spcBef>
-                <a:spcPct val="20000"/>
-              </a:spcBef>
-              <a:spcAft>
-                <a:spcPct val="0"/>
-              </a:spcAft>
-              <a:buClr>
-                <a:schemeClr val="tx1"/>
-              </a:buClr>
-              <a:buFont typeface="Wingdings" pitchFamily="2" charset="2"/>
-              <a:buChar char="§"/>
-              <a:defRPr sz="1600">
-                <a:solidFill>
-                  <a:schemeClr val="tx1"/>
-                </a:solidFill>
-                <a:latin typeface="+mn-lt"/>
-              </a:defRPr>
-            </a:lvl5pPr>
-            <a:lvl6pPr marL="1200150" indent="-198438" algn="l" rtl="0" fontAlgn="base">
-              <a:spcBef>
-                <a:spcPct val="20000"/>
-              </a:spcBef>
-              <a:spcAft>
-                <a:spcPct val="0"/>
-              </a:spcAft>
-              <a:buFont typeface="Wingdings" pitchFamily="2" charset="2"/>
-              <a:buChar char="§"/>
-              <a:defRPr sz="1600">
-                <a:solidFill>
-                  <a:schemeClr val="tx1"/>
-                </a:solidFill>
-                <a:latin typeface="+mn-lt"/>
-              </a:defRPr>
-            </a:lvl6pPr>
-            <a:lvl7pPr marL="1657350" indent="-198438" algn="l" rtl="0" fontAlgn="base">
-              <a:spcBef>
-                <a:spcPct val="20000"/>
-              </a:spcBef>
-              <a:spcAft>
-                <a:spcPct val="0"/>
-              </a:spcAft>
-              <a:buFont typeface="Wingdings" pitchFamily="2" charset="2"/>
-              <a:buChar char="§"/>
-              <a:defRPr sz="1600">
-                <a:solidFill>
-                  <a:schemeClr val="tx1"/>
-                </a:solidFill>
-                <a:latin typeface="+mn-lt"/>
-              </a:defRPr>
-            </a:lvl7pPr>
-            <a:lvl8pPr marL="2114550" indent="-198438" algn="l" rtl="0" fontAlgn="base">
-              <a:spcBef>
-                <a:spcPct val="20000"/>
-              </a:spcBef>
-              <a:spcAft>
-                <a:spcPct val="0"/>
-              </a:spcAft>
-              <a:buFont typeface="Wingdings" pitchFamily="2" charset="2"/>
-              <a:buChar char="§"/>
-              <a:defRPr sz="1600">
-                <a:solidFill>
-                  <a:schemeClr val="tx1"/>
-                </a:solidFill>
-                <a:latin typeface="+mn-lt"/>
-              </a:defRPr>
-            </a:lvl8pPr>
-            <a:lvl9pPr marL="2571750" indent="-198438" algn="l" rtl="0" fontAlgn="base">
-              <a:spcBef>
-                <a:spcPct val="20000"/>
-              </a:spcBef>
-              <a:spcAft>
-                <a:spcPct val="0"/>
-              </a:spcAft>
-              <a:buFont typeface="Wingdings" pitchFamily="2" charset="2"/>
-              <a:buChar char="§"/>
-              <a:defRPr sz="1600">
-                <a:solidFill>
-                  <a:schemeClr val="tx1"/>
-                </a:solidFill>
-                <a:latin typeface="+mn-lt"/>
-              </a:defRPr>
-            </a:lvl9pPr>
-          </a:lstStyle>
+          <a:bodyPr/>
+          <a:lstStyle/>
           <a:p>
             <a:pPr lvl="1"/>
             <a:r>
-              <a:rPr lang="de-DE" kern="0" smtClean="0"/>
-              <a:t>Unterpunkt 1</a:t>
-            </a:r>
-          </a:p>
-          <a:p>
-            <a:pPr lvl="1"/>
-            <a:r>
-              <a:rPr lang="de-DE" kern="0" smtClean="0"/>
-              <a:t>Unterpunkt 2</a:t>
-            </a:r>
-          </a:p>
-          <a:p>
-            <a:pPr lvl="1"/>
-            <a:r>
-              <a:rPr lang="de-DE" b="1" kern="0" smtClean="0">
-                <a:solidFill>
-                  <a:srgbClr val="BD1E3B"/>
-                </a:solidFill>
-              </a:rPr>
-              <a:t>Unterpunkt 3</a:t>
-            </a:r>
-            <a:endParaRPr lang="de-DE" b="1" kern="0" dirty="0" smtClean="0"/>
+              <a:rPr lang="de-DE" sz="2000" dirty="0" smtClean="0"/>
+              <a:t>Aufbau: Anzahl;Ref;Spalte1;Spalte2;…</a:t>
+            </a:r>
+          </a:p>
+          <a:p>
+            <a:pPr lvl="2"/>
+            <a:r>
+              <a:rPr lang="de-DE" sz="2000" dirty="0" smtClean="0"/>
+              <a:t>Anzahl</a:t>
+            </a:r>
+          </a:p>
+          <a:p>
+            <a:pPr lvl="3"/>
+            <a:r>
+              <a:rPr lang="de-DE" sz="2000" dirty="0" smtClean="0"/>
+              <a:t>Bedeutung: Anzahl der erzeugten Datensätze</a:t>
+            </a:r>
+          </a:p>
+          <a:p>
+            <a:pPr lvl="3"/>
+            <a:r>
+              <a:rPr lang="de-DE" sz="2000" dirty="0" smtClean="0"/>
+              <a:t>Aufbau: Zahl oder Funktion „span“ mit zwei Parametern</a:t>
+            </a:r>
+          </a:p>
+          <a:p>
+            <a:pPr lvl="2"/>
+            <a:r>
+              <a:rPr lang="de-DE" sz="2000" dirty="0" err="1" smtClean="0"/>
+              <a:t>Ref</a:t>
+            </a:r>
+            <a:endParaRPr lang="de-DE" sz="2000" dirty="0" smtClean="0"/>
+          </a:p>
+          <a:p>
+            <a:pPr lvl="3"/>
+            <a:r>
+              <a:rPr lang="de-DE" sz="2000" dirty="0" smtClean="0"/>
+              <a:t>Bedeutung: Generierte Daten sollen auf andere Tabelle referenzieren (</a:t>
+            </a:r>
+            <a:r>
+              <a:rPr lang="de-DE" sz="2000" dirty="0" err="1" smtClean="0"/>
+              <a:t>none</a:t>
+            </a:r>
+            <a:r>
+              <a:rPr lang="de-DE" sz="2000" dirty="0" smtClean="0"/>
+              <a:t>, </a:t>
+            </a:r>
+            <a:r>
+              <a:rPr lang="de-DE" sz="2000" dirty="0" err="1" smtClean="0"/>
+              <a:t>refAll</a:t>
+            </a:r>
+            <a:r>
+              <a:rPr lang="de-DE" sz="2000" dirty="0" smtClean="0"/>
+              <a:t>, </a:t>
+            </a:r>
+            <a:r>
+              <a:rPr lang="de-DE" sz="2000" dirty="0" err="1" smtClean="0"/>
+              <a:t>refRandom</a:t>
+            </a:r>
+            <a:r>
+              <a:rPr lang="de-DE" sz="2000" dirty="0" smtClean="0"/>
+              <a:t>)</a:t>
+            </a:r>
+          </a:p>
+          <a:p>
+            <a:pPr lvl="3"/>
+            <a:r>
+              <a:rPr lang="de-DE" sz="2000" dirty="0" smtClean="0"/>
+              <a:t>Aufbau: </a:t>
+            </a:r>
+            <a:r>
+              <a:rPr lang="de-DE" sz="2000" dirty="0" err="1" smtClean="0"/>
+              <a:t>RefType,referenzierter</a:t>
+            </a:r>
+            <a:r>
+              <a:rPr lang="de-DE" sz="2000" dirty="0" smtClean="0"/>
+              <a:t> </a:t>
+            </a:r>
+            <a:r>
+              <a:rPr lang="de-DE" sz="2000" dirty="0" err="1" smtClean="0"/>
+              <a:t>Tabellenname,referenzierter</a:t>
+            </a:r>
+            <a:r>
+              <a:rPr lang="de-DE" sz="2000" dirty="0" smtClean="0"/>
+              <a:t> Spaltenname</a:t>
+            </a:r>
           </a:p>
         </p:txBody>
       </p:sp>
     </p:spTree>
     <p:extLst>
       <p:ext uri="{BB962C8B-B14F-4D97-AF65-F5344CB8AC3E}">
-        <p14:creationId xmlns:p14="http://schemas.microsoft.com/office/powerpoint/2010/main" val="3965976111"/>
+        <p14:creationId xmlns:p14="http://schemas.microsoft.com/office/powerpoint/2010/main" val="1522994544"/>
       </p:ext>
     </p:extLst>
   </p:cSld>
@@ -4189,7 +5405,7 @@
 </p:sld>
 </file>
 
-<file path=ppt/slides/slide8.xml><?xml version="1.0" encoding="utf-8"?>
+<file path=ppt/slides/slide16.xml><?xml version="1.0" encoding="utf-8"?>
 <p:sld xmlns:a="http://schemas.openxmlformats.org/drawingml/2006/main" xmlns:r="http://schemas.openxmlformats.org/officeDocument/2006/relationships" xmlns:p="http://schemas.openxmlformats.org/presentationml/2006/main">
   <p:cSld>
     <p:spTree>
@@ -4221,6 +5437,1247 @@
           <a:bodyPr/>
           <a:lstStyle/>
           <a:p>
+            <a:r>
+              <a:rPr lang="de-DE" dirty="0"/>
+              <a:t>Codegeneration - </a:t>
+            </a:r>
+            <a:r>
+              <a:rPr lang="de-DE" dirty="0" err="1"/>
+              <a:t>Generierungstupel</a:t>
+            </a:r>
+            <a:r>
+              <a:rPr lang="de-DE" dirty="0"/>
+              <a:t> </a:t>
+            </a:r>
+            <a:r>
+              <a:rPr lang="de-DE" dirty="0" smtClean="0"/>
+              <a:t>(2)</a:t>
+            </a:r>
+            <a:endParaRPr lang="de-DE" dirty="0"/>
+          </a:p>
+        </p:txBody>
+      </p:sp>
+      <p:sp>
+        <p:nvSpPr>
+          <p:cNvPr id="20486" name="Rectangle 6"/>
+          <p:cNvSpPr>
+            <a:spLocks noGrp="1" noChangeArrowheads="1"/>
+          </p:cNvSpPr>
+          <p:nvPr>
+            <p:ph type="body" idx="1"/>
+          </p:nvPr>
+        </p:nvSpPr>
+        <p:spPr>
+          <a:xfrm>
+            <a:off x="431800" y="809625"/>
+            <a:ext cx="8375650" cy="3579019"/>
+          </a:xfrm>
+          <a:noFill/>
+        </p:spPr>
+        <p:txBody>
+          <a:bodyPr/>
+          <a:lstStyle/>
+          <a:p>
+            <a:pPr lvl="2" algn="just"/>
+            <a:r>
+              <a:rPr lang="de-DE" sz="2000" dirty="0"/>
+              <a:t>Spalte</a:t>
+            </a:r>
+          </a:p>
+          <a:p>
+            <a:pPr lvl="3" algn="just"/>
+            <a:r>
+              <a:rPr lang="de-DE" sz="2000" dirty="0"/>
+              <a:t>Spaltenspezifische Daten (Generierungsfunktion)</a:t>
+            </a:r>
+          </a:p>
+          <a:p>
+            <a:pPr lvl="3" algn="just"/>
+            <a:r>
+              <a:rPr lang="de-DE" sz="2000" dirty="0"/>
+              <a:t>Aufbau</a:t>
+            </a:r>
+            <a:r>
+              <a:rPr lang="de-DE" sz="2000" dirty="0" smtClean="0"/>
+              <a:t>: Funktionsname,Parameter1,Parameter2</a:t>
+            </a:r>
+          </a:p>
+          <a:p>
+            <a:pPr lvl="3" algn="just"/>
+            <a:r>
+              <a:rPr lang="de-DE" sz="2000" dirty="0" smtClean="0"/>
+              <a:t>Funktionen (Auswahl)</a:t>
+            </a:r>
+          </a:p>
+          <a:p>
+            <a:pPr lvl="4" algn="just"/>
+            <a:r>
+              <a:rPr lang="de-DE" sz="2000" dirty="0" err="1" smtClean="0"/>
+              <a:t>random</a:t>
+            </a:r>
+            <a:r>
+              <a:rPr lang="de-DE" sz="2000" dirty="0" smtClean="0"/>
+              <a:t>: Zufälliger Eintrag</a:t>
+            </a:r>
+          </a:p>
+          <a:p>
+            <a:pPr lvl="4" algn="just"/>
+            <a:r>
+              <a:rPr lang="de-DE" sz="2000" dirty="0" smtClean="0"/>
+              <a:t>Min: mindestens größer als Parameter</a:t>
+            </a:r>
+          </a:p>
+          <a:p>
+            <a:pPr lvl="4" algn="just"/>
+            <a:r>
+              <a:rPr lang="de-DE" sz="2000" dirty="0" smtClean="0"/>
+              <a:t>Max: maximal so groß wie Parameter</a:t>
+            </a:r>
+          </a:p>
+          <a:p>
+            <a:pPr lvl="4" algn="just"/>
+            <a:r>
+              <a:rPr lang="de-DE" sz="2000" dirty="0" err="1" smtClean="0"/>
+              <a:t>Gauss</a:t>
+            </a:r>
+            <a:r>
+              <a:rPr lang="de-DE" sz="2000" dirty="0" smtClean="0"/>
+              <a:t>: Werte nach </a:t>
+            </a:r>
+            <a:r>
+              <a:rPr lang="de-DE" sz="2000" dirty="0" err="1" smtClean="0"/>
+              <a:t>gausscher</a:t>
+            </a:r>
+            <a:r>
+              <a:rPr lang="de-DE" sz="2000" dirty="0" smtClean="0"/>
+              <a:t> Normalverteilung</a:t>
+            </a:r>
+          </a:p>
+          <a:p>
+            <a:pPr lvl="4" algn="just"/>
+            <a:r>
+              <a:rPr lang="de-DE" sz="2000" dirty="0" smtClean="0"/>
+              <a:t>…</a:t>
+            </a:r>
+            <a:endParaRPr lang="de-DE" sz="2000" dirty="0"/>
+          </a:p>
+        </p:txBody>
+      </p:sp>
+    </p:spTree>
+    <p:extLst>
+      <p:ext uri="{BB962C8B-B14F-4D97-AF65-F5344CB8AC3E}">
+        <p14:creationId xmlns:p14="http://schemas.microsoft.com/office/powerpoint/2010/main" val="1965387944"/>
+      </p:ext>
+    </p:extLst>
+  </p:cSld>
+  <p:clrMapOvr>
+    <a:masterClrMapping/>
+  </p:clrMapOvr>
+  <p:timing>
+    <p:tnLst>
+      <p:par>
+        <p:cTn id="1" dur="indefinite" restart="never" nodeType="tmRoot"/>
+      </p:par>
+    </p:tnLst>
+  </p:timing>
+</p:sld>
+</file>
+
+<file path=ppt/slides/slide17.xml><?xml version="1.0" encoding="utf-8"?>
+<p:sld xmlns:a="http://schemas.openxmlformats.org/drawingml/2006/main" xmlns:r="http://schemas.openxmlformats.org/officeDocument/2006/relationships" xmlns:p="http://schemas.openxmlformats.org/presentationml/2006/main">
+  <p:cSld>
+    <p:spTree>
+      <p:nvGrpSpPr>
+        <p:cNvPr id="1" name=""/>
+        <p:cNvGrpSpPr/>
+        <p:nvPr/>
+      </p:nvGrpSpPr>
+      <p:grpSpPr>
+        <a:xfrm>
+          <a:off x="0" y="0"/>
+          <a:ext cx="0" cy="0"/>
+          <a:chOff x="0" y="0"/>
+          <a:chExt cx="0" cy="0"/>
+        </a:xfrm>
+      </p:grpSpPr>
+      <p:sp>
+        <p:nvSpPr>
+          <p:cNvPr id="20485" name="Rectangle 5"/>
+          <p:cNvSpPr>
+            <a:spLocks noGrp="1" noChangeArrowheads="1"/>
+          </p:cNvSpPr>
+          <p:nvPr>
+            <p:ph type="title"/>
+          </p:nvPr>
+        </p:nvSpPr>
+        <p:spPr/>
+        <p:txBody>
+          <a:bodyPr/>
+          <a:lstStyle/>
+          <a:p>
+            <a:r>
+              <a:rPr lang="de-DE" dirty="0"/>
+              <a:t>Codegeneration - </a:t>
+            </a:r>
+            <a:r>
+              <a:rPr lang="de-DE" dirty="0" smtClean="0"/>
+              <a:t>Implementierung</a:t>
+            </a:r>
+            <a:endParaRPr lang="de-DE" dirty="0"/>
+          </a:p>
+        </p:txBody>
+      </p:sp>
+      <p:sp>
+        <p:nvSpPr>
+          <p:cNvPr id="20486" name="Rectangle 6"/>
+          <p:cNvSpPr>
+            <a:spLocks noGrp="1" noChangeArrowheads="1"/>
+          </p:cNvSpPr>
+          <p:nvPr>
+            <p:ph type="body" idx="1"/>
+          </p:nvPr>
+        </p:nvSpPr>
+        <p:spPr>
+          <a:xfrm>
+            <a:off x="431800" y="809625"/>
+            <a:ext cx="8375650" cy="3579019"/>
+          </a:xfrm>
+          <a:noFill/>
+        </p:spPr>
+        <p:txBody>
+          <a:bodyPr/>
+          <a:lstStyle/>
+          <a:p>
+            <a:pPr lvl="1"/>
+            <a:r>
+              <a:rPr lang="de-DE" sz="2000" dirty="0" err="1" smtClean="0"/>
+              <a:t>Tupelinformationen</a:t>
+            </a:r>
+            <a:r>
+              <a:rPr lang="de-DE" sz="2000" dirty="0" smtClean="0"/>
+              <a:t> auslesen</a:t>
+            </a:r>
+          </a:p>
+          <a:p>
+            <a:pPr lvl="1"/>
+            <a:r>
+              <a:rPr lang="de-DE" sz="2000" dirty="0" smtClean="0"/>
+              <a:t>Spalten und </a:t>
+            </a:r>
+            <a:r>
+              <a:rPr lang="de-DE" sz="2000" dirty="0" err="1" smtClean="0"/>
+              <a:t>Referenzierungsinformationen</a:t>
+            </a:r>
+            <a:r>
+              <a:rPr lang="de-DE" sz="2000" dirty="0" smtClean="0"/>
+              <a:t> bestimmen und Daten auslesen</a:t>
+            </a:r>
+          </a:p>
+          <a:p>
+            <a:pPr lvl="1"/>
+            <a:r>
+              <a:rPr lang="de-DE" sz="2000" dirty="0" smtClean="0"/>
+              <a:t>Spaltenfunktionen durchgehen</a:t>
+            </a:r>
+          </a:p>
+          <a:p>
+            <a:pPr lvl="2"/>
+            <a:r>
+              <a:rPr lang="de-DE" sz="2000" dirty="0" err="1" smtClean="0"/>
+              <a:t>Referenzierung</a:t>
+            </a:r>
+            <a:r>
+              <a:rPr lang="de-DE" sz="2000" dirty="0" smtClean="0"/>
+              <a:t> beachten</a:t>
+            </a:r>
+          </a:p>
+          <a:p>
+            <a:pPr lvl="2"/>
+            <a:r>
+              <a:rPr lang="de-DE" sz="2000" dirty="0" smtClean="0"/>
+              <a:t>Wert mit Funktion und Parametern generieren</a:t>
+            </a:r>
+          </a:p>
+          <a:p>
+            <a:pPr lvl="1"/>
+            <a:r>
+              <a:rPr lang="de-DE" sz="2000" dirty="0" smtClean="0"/>
+              <a:t>Primary Keys zum Schluss gesondert bestimmen</a:t>
+            </a:r>
+          </a:p>
+          <a:p>
+            <a:pPr lvl="1"/>
+            <a:r>
+              <a:rPr lang="de-DE" sz="2000" dirty="0" smtClean="0"/>
+              <a:t>INSERT-Statement mit allen Daten erstellen und ausführen</a:t>
+            </a:r>
+            <a:endParaRPr lang="de-DE" sz="2000" dirty="0"/>
+          </a:p>
+        </p:txBody>
+      </p:sp>
+    </p:spTree>
+    <p:extLst>
+      <p:ext uri="{BB962C8B-B14F-4D97-AF65-F5344CB8AC3E}">
+        <p14:creationId xmlns:p14="http://schemas.microsoft.com/office/powerpoint/2010/main" val="2357730447"/>
+      </p:ext>
+    </p:extLst>
+  </p:cSld>
+  <p:clrMapOvr>
+    <a:masterClrMapping/>
+  </p:clrMapOvr>
+  <p:timing>
+    <p:tnLst>
+      <p:par>
+        <p:cTn id="1" dur="indefinite" restart="never" nodeType="tmRoot"/>
+      </p:par>
+    </p:tnLst>
+  </p:timing>
+</p:sld>
+</file>
+
+<file path=ppt/slides/slide18.xml><?xml version="1.0" encoding="utf-8"?>
+<p:sld xmlns:a="http://schemas.openxmlformats.org/drawingml/2006/main" xmlns:r="http://schemas.openxmlformats.org/officeDocument/2006/relationships" xmlns:p="http://schemas.openxmlformats.org/presentationml/2006/main">
+  <p:cSld>
+    <p:spTree>
+      <p:nvGrpSpPr>
+        <p:cNvPr id="1" name=""/>
+        <p:cNvGrpSpPr/>
+        <p:nvPr/>
+      </p:nvGrpSpPr>
+      <p:grpSpPr>
+        <a:xfrm>
+          <a:off x="0" y="0"/>
+          <a:ext cx="0" cy="0"/>
+          <a:chOff x="0" y="0"/>
+          <a:chExt cx="0" cy="0"/>
+        </a:xfrm>
+      </p:grpSpPr>
+      <p:sp>
+        <p:nvSpPr>
+          <p:cNvPr id="27654" name="Rectangle 6"/>
+          <p:cNvSpPr>
+            <a:spLocks noChangeArrowheads="1"/>
+          </p:cNvSpPr>
+          <p:nvPr/>
+        </p:nvSpPr>
+        <p:spPr bwMode="auto">
+          <a:xfrm>
+            <a:off x="0" y="1"/>
+            <a:ext cx="9144000" cy="850106"/>
+          </a:xfrm>
+          <a:prstGeom prst="rect">
+            <a:avLst/>
+          </a:prstGeom>
+          <a:solidFill>
+            <a:schemeClr val="hlink"/>
+          </a:solidFill>
+          <a:ln w="0">
+            <a:noFill/>
+            <a:miter lim="800000"/>
+            <a:headEnd/>
+            <a:tailEnd/>
+          </a:ln>
+          <a:effectLst/>
+        </p:spPr>
+        <p:txBody>
+          <a:bodyPr wrap="none" anchor="ctr"/>
+          <a:lstStyle/>
+          <a:p>
+            <a:pPr algn="ctr"/>
+            <a:endParaRPr lang="de-DE" dirty="0">
+              <a:solidFill>
+                <a:schemeClr val="accent2"/>
+              </a:solidFill>
+            </a:endParaRPr>
+          </a:p>
+        </p:txBody>
+      </p:sp>
+      <p:sp>
+        <p:nvSpPr>
+          <p:cNvPr id="27652" name="Rectangle 4"/>
+          <p:cNvSpPr>
+            <a:spLocks noGrp="1" noChangeArrowheads="1"/>
+          </p:cNvSpPr>
+          <p:nvPr>
+            <p:ph type="title"/>
+          </p:nvPr>
+        </p:nvSpPr>
+        <p:spPr bwMode="gray"/>
+        <p:txBody>
+          <a:bodyPr/>
+          <a:lstStyle/>
+          <a:p>
+            <a:r>
+              <a:rPr lang="de-DE" dirty="0" smtClean="0">
+                <a:solidFill>
+                  <a:schemeClr val="bg1"/>
+                </a:solidFill>
+              </a:rPr>
+              <a:t>Inhalt</a:t>
+            </a:r>
+            <a:endParaRPr lang="de-DE" dirty="0"/>
+          </a:p>
+        </p:txBody>
+      </p:sp>
+      <p:sp>
+        <p:nvSpPr>
+          <p:cNvPr id="27651" name="Rectangle 3"/>
+          <p:cNvSpPr>
+            <a:spLocks noGrp="1" noChangeArrowheads="1"/>
+          </p:cNvSpPr>
+          <p:nvPr>
+            <p:ph type="body" idx="1"/>
+          </p:nvPr>
+        </p:nvSpPr>
+        <p:spPr bwMode="gray">
+          <a:noFill/>
+        </p:spPr>
+        <p:txBody>
+          <a:bodyPr/>
+          <a:lstStyle/>
+          <a:p>
+            <a:pPr lvl="1">
+              <a:spcBef>
+                <a:spcPts val="600"/>
+              </a:spcBef>
+              <a:buClrTx/>
+            </a:pPr>
+            <a:r>
+              <a:rPr lang="de-DE" sz="2000" dirty="0" smtClean="0">
+                <a:solidFill>
+                  <a:schemeClr val="bg1">
+                    <a:lumMod val="75000"/>
+                  </a:schemeClr>
+                </a:solidFill>
+              </a:rPr>
+              <a:t>Themenüberblick</a:t>
+            </a:r>
+          </a:p>
+          <a:p>
+            <a:pPr lvl="1">
+              <a:spcBef>
+                <a:spcPts val="600"/>
+              </a:spcBef>
+              <a:buClrTx/>
+            </a:pPr>
+            <a:r>
+              <a:rPr lang="de-DE" sz="2000" dirty="0" smtClean="0">
+                <a:solidFill>
+                  <a:schemeClr val="bg1">
+                    <a:lumMod val="75000"/>
+                  </a:schemeClr>
+                </a:solidFill>
+              </a:rPr>
+              <a:t>Allgemeines</a:t>
+            </a:r>
+          </a:p>
+          <a:p>
+            <a:pPr lvl="1">
+              <a:spcBef>
+                <a:spcPts val="600"/>
+              </a:spcBef>
+              <a:buClrTx/>
+            </a:pPr>
+            <a:r>
+              <a:rPr lang="de-DE" sz="2000" dirty="0" smtClean="0">
+                <a:solidFill>
+                  <a:schemeClr val="bg1">
+                    <a:lumMod val="75000"/>
+                  </a:schemeClr>
+                </a:solidFill>
+              </a:rPr>
+              <a:t>Parsen</a:t>
+            </a:r>
+          </a:p>
+          <a:p>
+            <a:pPr lvl="1">
+              <a:spcBef>
+                <a:spcPts val="600"/>
+              </a:spcBef>
+              <a:buClrTx/>
+            </a:pPr>
+            <a:r>
+              <a:rPr lang="de-DE" sz="2000" dirty="0" smtClean="0">
+                <a:solidFill>
+                  <a:schemeClr val="bg1">
+                    <a:lumMod val="75000"/>
+                  </a:schemeClr>
+                </a:solidFill>
+              </a:rPr>
+              <a:t>Taskmanagement</a:t>
+            </a:r>
+          </a:p>
+          <a:p>
+            <a:pPr lvl="1">
+              <a:spcBef>
+                <a:spcPts val="600"/>
+              </a:spcBef>
+              <a:buClrTx/>
+            </a:pPr>
+            <a:r>
+              <a:rPr lang="de-DE" sz="2000" dirty="0" smtClean="0">
+                <a:solidFill>
+                  <a:schemeClr val="bg1">
+                    <a:lumMod val="75000"/>
+                  </a:schemeClr>
+                </a:solidFill>
+              </a:rPr>
+              <a:t>Codegeneration</a:t>
+            </a:r>
+          </a:p>
+          <a:p>
+            <a:pPr lvl="1">
+              <a:spcBef>
+                <a:spcPts val="600"/>
+              </a:spcBef>
+              <a:buClrTx/>
+            </a:pPr>
+            <a:r>
+              <a:rPr lang="de-DE" sz="2000" dirty="0" smtClean="0"/>
+              <a:t>Zusammenarbeit mit dem SEP</a:t>
+            </a:r>
+          </a:p>
+          <a:p>
+            <a:pPr lvl="1">
+              <a:spcBef>
+                <a:spcPts val="600"/>
+              </a:spcBef>
+              <a:buClrTx/>
+            </a:pPr>
+            <a:r>
+              <a:rPr lang="de-DE" sz="2000" dirty="0" smtClean="0">
+                <a:solidFill>
+                  <a:schemeClr val="bg1">
+                    <a:lumMod val="75000"/>
+                  </a:schemeClr>
+                </a:solidFill>
+              </a:rPr>
+              <a:t>Fazit</a:t>
+            </a:r>
+          </a:p>
+        </p:txBody>
+      </p:sp>
+    </p:spTree>
+    <p:extLst>
+      <p:ext uri="{BB962C8B-B14F-4D97-AF65-F5344CB8AC3E}">
+        <p14:creationId xmlns:p14="http://schemas.microsoft.com/office/powerpoint/2010/main" val="1914759825"/>
+      </p:ext>
+    </p:extLst>
+  </p:cSld>
+  <p:clrMapOvr>
+    <a:masterClrMapping/>
+  </p:clrMapOvr>
+  <p:transition/>
+  <p:timing>
+    <p:tnLst>
+      <p:par>
+        <p:cTn id="1" dur="indefinite" restart="never" nodeType="tmRoot"/>
+      </p:par>
+    </p:tnLst>
+  </p:timing>
+</p:sld>
+</file>
+
+<file path=ppt/slides/slide19.xml><?xml version="1.0" encoding="utf-8"?>
+<p:sld xmlns:a="http://schemas.openxmlformats.org/drawingml/2006/main" xmlns:r="http://schemas.openxmlformats.org/officeDocument/2006/relationships" xmlns:p="http://schemas.openxmlformats.org/presentationml/2006/main">
+  <p:cSld>
+    <p:spTree>
+      <p:nvGrpSpPr>
+        <p:cNvPr id="1" name=""/>
+        <p:cNvGrpSpPr/>
+        <p:nvPr/>
+      </p:nvGrpSpPr>
+      <p:grpSpPr>
+        <a:xfrm>
+          <a:off x="0" y="0"/>
+          <a:ext cx="0" cy="0"/>
+          <a:chOff x="0" y="0"/>
+          <a:chExt cx="0" cy="0"/>
+        </a:xfrm>
+      </p:grpSpPr>
+      <p:sp>
+        <p:nvSpPr>
+          <p:cNvPr id="20485" name="Rectangle 5"/>
+          <p:cNvSpPr>
+            <a:spLocks noGrp="1" noChangeArrowheads="1"/>
+          </p:cNvSpPr>
+          <p:nvPr>
+            <p:ph type="title"/>
+          </p:nvPr>
+        </p:nvSpPr>
+        <p:spPr/>
+        <p:txBody>
+          <a:bodyPr/>
+          <a:lstStyle/>
+          <a:p>
+            <a:r>
+              <a:rPr lang="de-DE" dirty="0" smtClean="0"/>
+              <a:t>Zusammenarbeit mit SEP</a:t>
+            </a:r>
+            <a:endParaRPr lang="de-DE" dirty="0"/>
+          </a:p>
+        </p:txBody>
+      </p:sp>
+      <p:sp>
+        <p:nvSpPr>
+          <p:cNvPr id="20486" name="Rectangle 6"/>
+          <p:cNvSpPr>
+            <a:spLocks noGrp="1" noChangeArrowheads="1"/>
+          </p:cNvSpPr>
+          <p:nvPr>
+            <p:ph type="body" idx="1"/>
+          </p:nvPr>
+        </p:nvSpPr>
+        <p:spPr>
+          <a:xfrm>
+            <a:off x="431800" y="809625"/>
+            <a:ext cx="8375650" cy="3579019"/>
+          </a:xfrm>
+          <a:noFill/>
+        </p:spPr>
+        <p:txBody>
+          <a:bodyPr/>
+          <a:lstStyle/>
+          <a:p>
+            <a:pPr lvl="1"/>
+            <a:r>
+              <a:rPr lang="de-DE" sz="2000" dirty="0" smtClean="0"/>
+              <a:t>E-Mail-Verkehr über Probleme und Fragen bezüglich unserer API</a:t>
+            </a:r>
+          </a:p>
+          <a:p>
+            <a:pPr lvl="1"/>
+            <a:r>
+              <a:rPr lang="de-DE" sz="2000" dirty="0" smtClean="0"/>
+              <a:t>Persönliche Treffen bei größeren Problemen</a:t>
+            </a:r>
+          </a:p>
+          <a:p>
+            <a:pPr lvl="1"/>
+            <a:r>
+              <a:rPr lang="de-DE" sz="2000" dirty="0" smtClean="0"/>
+              <a:t>Über viele Probleme erst sehr spät diskutiert</a:t>
+            </a:r>
+          </a:p>
+          <a:p>
+            <a:pPr lvl="2"/>
+            <a:r>
+              <a:rPr lang="de-DE" sz="2000" dirty="0" smtClean="0"/>
+              <a:t>Trotzdem in den meisten Fällen eine gute Lösung erarbeitet</a:t>
+            </a:r>
+          </a:p>
+          <a:p>
+            <a:pPr lvl="1"/>
+            <a:endParaRPr lang="de-DE" sz="2000" dirty="0" smtClean="0"/>
+          </a:p>
+          <a:p>
+            <a:pPr lvl="1"/>
+            <a:endParaRPr lang="de-DE" sz="2000" dirty="0"/>
+          </a:p>
+        </p:txBody>
+      </p:sp>
+    </p:spTree>
+    <p:extLst>
+      <p:ext uri="{BB962C8B-B14F-4D97-AF65-F5344CB8AC3E}">
+        <p14:creationId xmlns:p14="http://schemas.microsoft.com/office/powerpoint/2010/main" val="96467107"/>
+      </p:ext>
+    </p:extLst>
+  </p:cSld>
+  <p:clrMapOvr>
+    <a:masterClrMapping/>
+  </p:clrMapOvr>
+  <p:timing>
+    <p:tnLst>
+      <p:par>
+        <p:cTn id="1" dur="indefinite" restart="never" nodeType="tmRoot"/>
+      </p:par>
+    </p:tnLst>
+  </p:timing>
+</p:sld>
+</file>
+
+<file path=ppt/slides/slide2.xml><?xml version="1.0" encoding="utf-8"?>
+<p:sld xmlns:a="http://schemas.openxmlformats.org/drawingml/2006/main" xmlns:r="http://schemas.openxmlformats.org/officeDocument/2006/relationships" xmlns:p="http://schemas.openxmlformats.org/presentationml/2006/main">
+  <p:cSld>
+    <p:spTree>
+      <p:nvGrpSpPr>
+        <p:cNvPr id="1" name=""/>
+        <p:cNvGrpSpPr/>
+        <p:nvPr/>
+      </p:nvGrpSpPr>
+      <p:grpSpPr>
+        <a:xfrm>
+          <a:off x="0" y="0"/>
+          <a:ext cx="0" cy="0"/>
+          <a:chOff x="0" y="0"/>
+          <a:chExt cx="0" cy="0"/>
+        </a:xfrm>
+      </p:grpSpPr>
+      <p:sp>
+        <p:nvSpPr>
+          <p:cNvPr id="20485" name="Rectangle 5"/>
+          <p:cNvSpPr>
+            <a:spLocks noGrp="1" noChangeArrowheads="1"/>
+          </p:cNvSpPr>
+          <p:nvPr>
+            <p:ph type="title"/>
+          </p:nvPr>
+        </p:nvSpPr>
+        <p:spPr/>
+        <p:txBody>
+          <a:bodyPr/>
+          <a:lstStyle/>
+          <a:p>
+            <a:r>
+              <a:rPr lang="de-DE" dirty="0" smtClean="0"/>
+              <a:t>Motivation</a:t>
+            </a:r>
+            <a:endParaRPr lang="de-DE" dirty="0"/>
+          </a:p>
+        </p:txBody>
+      </p:sp>
+      <p:sp>
+        <p:nvSpPr>
+          <p:cNvPr id="20486" name="Rectangle 6"/>
+          <p:cNvSpPr>
+            <a:spLocks noGrp="1" noChangeArrowheads="1"/>
+          </p:cNvSpPr>
+          <p:nvPr>
+            <p:ph type="body" idx="1"/>
+          </p:nvPr>
+        </p:nvSpPr>
+        <p:spPr>
+          <a:xfrm>
+            <a:off x="431800" y="809625"/>
+            <a:ext cx="8375650" cy="3579019"/>
+          </a:xfrm>
+          <a:noFill/>
+        </p:spPr>
+        <p:txBody>
+          <a:bodyPr/>
+          <a:lstStyle/>
+          <a:p>
+            <a:pPr lvl="1"/>
+            <a:r>
+              <a:rPr lang="de-DE" sz="2000" dirty="0" smtClean="0"/>
+              <a:t>Hohe Durchfallquote bei RDB1</a:t>
+            </a:r>
+          </a:p>
+          <a:p>
+            <a:pPr lvl="2">
+              <a:buFont typeface="Symbol"/>
+              <a:buChar char="Þ"/>
+            </a:pPr>
+            <a:r>
+              <a:rPr lang="de-DE" sz="2000" dirty="0" smtClean="0"/>
+              <a:t> Zurückzuführen auf mangelnde Kenntnisse im Umgang mit SQL</a:t>
+            </a:r>
+          </a:p>
+          <a:p>
+            <a:pPr lvl="2">
+              <a:buFont typeface="Symbol"/>
+              <a:buChar char="Þ"/>
+            </a:pPr>
+            <a:r>
+              <a:rPr lang="de-DE" sz="2000" dirty="0" smtClean="0"/>
+              <a:t> SEP zur Entwicklung des Lernspiels „SQL Alchemist“</a:t>
+            </a:r>
+          </a:p>
+          <a:p>
+            <a:pPr lvl="1"/>
+            <a:r>
+              <a:rPr lang="de-DE" sz="2000" dirty="0" smtClean="0"/>
+              <a:t>Grundlage für Überprüfung von formal korrektem SQL</a:t>
+            </a:r>
+          </a:p>
+          <a:p>
+            <a:pPr lvl="1"/>
+            <a:r>
+              <a:rPr lang="de-DE" sz="2000" dirty="0" smtClean="0"/>
+              <a:t>SEP hauptsächlich Frontend, Nutzerinteraktion</a:t>
+            </a:r>
+            <a:endParaRPr lang="de-DE" sz="2000" dirty="0"/>
+          </a:p>
+        </p:txBody>
+      </p:sp>
+      <p:pic>
+        <p:nvPicPr>
+          <p:cNvPr id="2" name="Grafik 1"/>
+          <p:cNvPicPr>
+            <a:picLocks noChangeAspect="1"/>
+          </p:cNvPicPr>
+          <p:nvPr/>
+        </p:nvPicPr>
+        <p:blipFill>
+          <a:blip r:embed="rId3">
+            <a:extLst>
+              <a:ext uri="{28A0092B-C50C-407E-A947-70E740481C1C}">
+                <a14:useLocalDpi xmlns:a14="http://schemas.microsoft.com/office/drawing/2010/main" val="0"/>
+              </a:ext>
+            </a:extLst>
+          </a:blip>
+          <a:stretch>
+            <a:fillRect/>
+          </a:stretch>
+        </p:blipFill>
+        <p:spPr>
+          <a:xfrm>
+            <a:off x="3176845" y="2751770"/>
+            <a:ext cx="2145803" cy="1502897"/>
+          </a:xfrm>
+          <a:prstGeom prst="rect">
+            <a:avLst/>
+          </a:prstGeom>
+        </p:spPr>
+      </p:pic>
+    </p:spTree>
+    <p:extLst>
+      <p:ext uri="{BB962C8B-B14F-4D97-AF65-F5344CB8AC3E}">
+        <p14:creationId xmlns:p14="http://schemas.microsoft.com/office/powerpoint/2010/main" val="4142151892"/>
+      </p:ext>
+    </p:extLst>
+  </p:cSld>
+  <p:clrMapOvr>
+    <a:masterClrMapping/>
+  </p:clrMapOvr>
+  <p:timing>
+    <p:tnLst>
+      <p:par>
+        <p:cTn id="1" dur="indefinite" restart="never" nodeType="tmRoot"/>
+      </p:par>
+    </p:tnLst>
+  </p:timing>
+</p:sld>
+</file>
+
+<file path=ppt/slides/slide20.xml><?xml version="1.0" encoding="utf-8"?>
+<p:sld xmlns:a="http://schemas.openxmlformats.org/drawingml/2006/main" xmlns:r="http://schemas.openxmlformats.org/officeDocument/2006/relationships" xmlns:p="http://schemas.openxmlformats.org/presentationml/2006/main">
+  <p:cSld>
+    <p:spTree>
+      <p:nvGrpSpPr>
+        <p:cNvPr id="1" name=""/>
+        <p:cNvGrpSpPr/>
+        <p:nvPr/>
+      </p:nvGrpSpPr>
+      <p:grpSpPr>
+        <a:xfrm>
+          <a:off x="0" y="0"/>
+          <a:ext cx="0" cy="0"/>
+          <a:chOff x="0" y="0"/>
+          <a:chExt cx="0" cy="0"/>
+        </a:xfrm>
+      </p:grpSpPr>
+      <p:sp>
+        <p:nvSpPr>
+          <p:cNvPr id="27654" name="Rectangle 6"/>
+          <p:cNvSpPr>
+            <a:spLocks noChangeArrowheads="1"/>
+          </p:cNvSpPr>
+          <p:nvPr/>
+        </p:nvSpPr>
+        <p:spPr bwMode="auto">
+          <a:xfrm>
+            <a:off x="0" y="1"/>
+            <a:ext cx="9144000" cy="850106"/>
+          </a:xfrm>
+          <a:prstGeom prst="rect">
+            <a:avLst/>
+          </a:prstGeom>
+          <a:solidFill>
+            <a:schemeClr val="hlink"/>
+          </a:solidFill>
+          <a:ln w="0">
+            <a:noFill/>
+            <a:miter lim="800000"/>
+            <a:headEnd/>
+            <a:tailEnd/>
+          </a:ln>
+          <a:effectLst/>
+        </p:spPr>
+        <p:txBody>
+          <a:bodyPr wrap="none" anchor="ctr"/>
+          <a:lstStyle/>
+          <a:p>
+            <a:pPr algn="ctr"/>
+            <a:endParaRPr lang="de-DE" dirty="0">
+              <a:solidFill>
+                <a:schemeClr val="accent2"/>
+              </a:solidFill>
+            </a:endParaRPr>
+          </a:p>
+        </p:txBody>
+      </p:sp>
+      <p:sp>
+        <p:nvSpPr>
+          <p:cNvPr id="27652" name="Rectangle 4"/>
+          <p:cNvSpPr>
+            <a:spLocks noGrp="1" noChangeArrowheads="1"/>
+          </p:cNvSpPr>
+          <p:nvPr>
+            <p:ph type="title"/>
+          </p:nvPr>
+        </p:nvSpPr>
+        <p:spPr bwMode="gray"/>
+        <p:txBody>
+          <a:bodyPr/>
+          <a:lstStyle/>
+          <a:p>
+            <a:r>
+              <a:rPr lang="de-DE" dirty="0" smtClean="0">
+                <a:solidFill>
+                  <a:schemeClr val="bg1"/>
+                </a:solidFill>
+              </a:rPr>
+              <a:t>Inhalt</a:t>
+            </a:r>
+            <a:endParaRPr lang="de-DE" dirty="0"/>
+          </a:p>
+        </p:txBody>
+      </p:sp>
+      <p:sp>
+        <p:nvSpPr>
+          <p:cNvPr id="27651" name="Rectangle 3"/>
+          <p:cNvSpPr>
+            <a:spLocks noGrp="1" noChangeArrowheads="1"/>
+          </p:cNvSpPr>
+          <p:nvPr>
+            <p:ph type="body" idx="1"/>
+          </p:nvPr>
+        </p:nvSpPr>
+        <p:spPr bwMode="gray">
+          <a:noFill/>
+        </p:spPr>
+        <p:txBody>
+          <a:bodyPr/>
+          <a:lstStyle/>
+          <a:p>
+            <a:pPr lvl="1">
+              <a:spcBef>
+                <a:spcPts val="600"/>
+              </a:spcBef>
+              <a:buClrTx/>
+            </a:pPr>
+            <a:r>
+              <a:rPr lang="de-DE" sz="2000" dirty="0" smtClean="0">
+                <a:solidFill>
+                  <a:schemeClr val="bg1">
+                    <a:lumMod val="75000"/>
+                  </a:schemeClr>
+                </a:solidFill>
+              </a:rPr>
+              <a:t>Themenüberblick</a:t>
+            </a:r>
+          </a:p>
+          <a:p>
+            <a:pPr lvl="1">
+              <a:spcBef>
+                <a:spcPts val="600"/>
+              </a:spcBef>
+              <a:buClrTx/>
+            </a:pPr>
+            <a:r>
+              <a:rPr lang="de-DE" sz="2000" dirty="0" smtClean="0">
+                <a:solidFill>
+                  <a:schemeClr val="bg1">
+                    <a:lumMod val="75000"/>
+                  </a:schemeClr>
+                </a:solidFill>
+              </a:rPr>
+              <a:t>Allgemeines</a:t>
+            </a:r>
+          </a:p>
+          <a:p>
+            <a:pPr lvl="1">
+              <a:spcBef>
+                <a:spcPts val="600"/>
+              </a:spcBef>
+              <a:buClrTx/>
+            </a:pPr>
+            <a:r>
+              <a:rPr lang="de-DE" sz="2000" dirty="0" smtClean="0">
+                <a:solidFill>
+                  <a:schemeClr val="bg1">
+                    <a:lumMod val="75000"/>
+                  </a:schemeClr>
+                </a:solidFill>
+              </a:rPr>
+              <a:t>Parsen</a:t>
+            </a:r>
+          </a:p>
+          <a:p>
+            <a:pPr lvl="1">
+              <a:spcBef>
+                <a:spcPts val="600"/>
+              </a:spcBef>
+              <a:buClrTx/>
+            </a:pPr>
+            <a:r>
+              <a:rPr lang="de-DE" sz="2000" dirty="0" smtClean="0">
+                <a:solidFill>
+                  <a:schemeClr val="bg1">
+                    <a:lumMod val="75000"/>
+                  </a:schemeClr>
+                </a:solidFill>
+              </a:rPr>
+              <a:t>Taskmanagement</a:t>
+            </a:r>
+          </a:p>
+          <a:p>
+            <a:pPr lvl="1">
+              <a:spcBef>
+                <a:spcPts val="600"/>
+              </a:spcBef>
+              <a:buClrTx/>
+            </a:pPr>
+            <a:r>
+              <a:rPr lang="de-DE" sz="2000" dirty="0" smtClean="0">
+                <a:solidFill>
+                  <a:schemeClr val="bg1">
+                    <a:lumMod val="75000"/>
+                  </a:schemeClr>
+                </a:solidFill>
+              </a:rPr>
+              <a:t>Codegeneration</a:t>
+            </a:r>
+          </a:p>
+          <a:p>
+            <a:pPr lvl="1">
+              <a:spcBef>
+                <a:spcPts val="600"/>
+              </a:spcBef>
+              <a:buClrTx/>
+            </a:pPr>
+            <a:r>
+              <a:rPr lang="de-DE" sz="2000" dirty="0" smtClean="0">
+                <a:solidFill>
+                  <a:schemeClr val="bg1">
+                    <a:lumMod val="75000"/>
+                  </a:schemeClr>
+                </a:solidFill>
+              </a:rPr>
+              <a:t>Zusammenarbeit mit dem SEP</a:t>
+            </a:r>
+          </a:p>
+          <a:p>
+            <a:pPr lvl="1">
+              <a:spcBef>
+                <a:spcPts val="600"/>
+              </a:spcBef>
+              <a:buClrTx/>
+            </a:pPr>
+            <a:r>
+              <a:rPr lang="de-DE" sz="2000" dirty="0" smtClean="0"/>
+              <a:t>Fazit</a:t>
+            </a:r>
+          </a:p>
+        </p:txBody>
+      </p:sp>
+    </p:spTree>
+    <p:extLst>
+      <p:ext uri="{BB962C8B-B14F-4D97-AF65-F5344CB8AC3E}">
+        <p14:creationId xmlns:p14="http://schemas.microsoft.com/office/powerpoint/2010/main" val="283570696"/>
+      </p:ext>
+    </p:extLst>
+  </p:cSld>
+  <p:clrMapOvr>
+    <a:masterClrMapping/>
+  </p:clrMapOvr>
+  <p:transition/>
+  <p:timing>
+    <p:tnLst>
+      <p:par>
+        <p:cTn id="1" dur="indefinite" restart="never" nodeType="tmRoot"/>
+      </p:par>
+    </p:tnLst>
+  </p:timing>
+</p:sld>
+</file>
+
+<file path=ppt/slides/slide21.xml><?xml version="1.0" encoding="utf-8"?>
+<p:sld xmlns:a="http://schemas.openxmlformats.org/drawingml/2006/main" xmlns:r="http://schemas.openxmlformats.org/officeDocument/2006/relationships" xmlns:p="http://schemas.openxmlformats.org/presentationml/2006/main">
+  <p:cSld>
+    <p:spTree>
+      <p:nvGrpSpPr>
+        <p:cNvPr id="1" name=""/>
+        <p:cNvGrpSpPr/>
+        <p:nvPr/>
+      </p:nvGrpSpPr>
+      <p:grpSpPr>
+        <a:xfrm>
+          <a:off x="0" y="0"/>
+          <a:ext cx="0" cy="0"/>
+          <a:chOff x="0" y="0"/>
+          <a:chExt cx="0" cy="0"/>
+        </a:xfrm>
+      </p:grpSpPr>
+      <p:sp>
+        <p:nvSpPr>
+          <p:cNvPr id="20485" name="Rectangle 5"/>
+          <p:cNvSpPr>
+            <a:spLocks noGrp="1" noChangeArrowheads="1"/>
+          </p:cNvSpPr>
+          <p:nvPr>
+            <p:ph type="title"/>
+          </p:nvPr>
+        </p:nvSpPr>
+        <p:spPr/>
+        <p:txBody>
+          <a:bodyPr/>
+          <a:lstStyle/>
+          <a:p>
+            <a:r>
+              <a:rPr lang="de-DE" dirty="0" smtClean="0"/>
+              <a:t>Fazit (1)</a:t>
+            </a:r>
+            <a:endParaRPr lang="de-DE" dirty="0"/>
+          </a:p>
+        </p:txBody>
+      </p:sp>
+      <p:sp>
+        <p:nvSpPr>
+          <p:cNvPr id="20486" name="Rectangle 6"/>
+          <p:cNvSpPr>
+            <a:spLocks noGrp="1" noChangeArrowheads="1"/>
+          </p:cNvSpPr>
+          <p:nvPr>
+            <p:ph type="body" idx="1"/>
+          </p:nvPr>
+        </p:nvSpPr>
+        <p:spPr>
+          <a:xfrm>
+            <a:off x="431800" y="809625"/>
+            <a:ext cx="8375650" cy="3579019"/>
+          </a:xfrm>
+          <a:noFill/>
+        </p:spPr>
+        <p:txBody>
+          <a:bodyPr/>
+          <a:lstStyle/>
+          <a:p>
+            <a:pPr lvl="1"/>
+            <a:r>
+              <a:rPr lang="de-DE" sz="2000" dirty="0" smtClean="0"/>
+              <a:t>Erweiterbare API zur Bearbeitung von SQL-Aufgaben</a:t>
+            </a:r>
+          </a:p>
+          <a:p>
+            <a:pPr lvl="2"/>
+            <a:r>
+              <a:rPr lang="de-DE" sz="2000" dirty="0" smtClean="0"/>
+              <a:t>Liest XML-Aufgaben ein</a:t>
+            </a:r>
+          </a:p>
+          <a:p>
+            <a:pPr lvl="2"/>
+            <a:r>
+              <a:rPr lang="de-DE" sz="2000" dirty="0" smtClean="0"/>
+              <a:t>Erstellt eine Datenbank mit zufälligen Daten</a:t>
+            </a:r>
+          </a:p>
+          <a:p>
+            <a:pPr lvl="2"/>
+            <a:r>
+              <a:rPr lang="de-DE" sz="2000" dirty="0" smtClean="0"/>
+              <a:t>Überprüft </a:t>
+            </a:r>
+            <a:r>
+              <a:rPr lang="de-DE" sz="2000" dirty="0" smtClean="0"/>
+              <a:t>Nutzer-Statements</a:t>
+            </a:r>
+          </a:p>
+          <a:p>
+            <a:pPr lvl="1"/>
+            <a:r>
+              <a:rPr lang="de-DE" sz="2000" dirty="0" smtClean="0"/>
+              <a:t>Interaktives Spiel regt zum SQL-Lernen an</a:t>
+            </a:r>
+            <a:endParaRPr lang="de-DE" sz="2000" dirty="0" smtClean="0"/>
+          </a:p>
+          <a:p>
+            <a:pPr marL="192087" lvl="2" indent="0">
+              <a:buNone/>
+            </a:pPr>
+            <a:endParaRPr lang="de-DE" sz="2000" dirty="0" smtClean="0"/>
+          </a:p>
+          <a:p>
+            <a:pPr lvl="1">
+              <a:buFont typeface="Symbol"/>
+              <a:buChar char="Þ"/>
+            </a:pPr>
+            <a:r>
+              <a:rPr lang="de-DE" sz="2000" dirty="0" smtClean="0"/>
+              <a:t> Sieg beim TDSE </a:t>
+            </a:r>
+            <a:r>
+              <a:rPr lang="de-DE" sz="2000" dirty="0" smtClean="0">
+                <a:sym typeface="Wingdings" panose="05000000000000000000" pitchFamily="2" charset="2"/>
+              </a:rPr>
+              <a:t></a:t>
+            </a:r>
+            <a:endParaRPr lang="de-DE" sz="2000" dirty="0" smtClean="0"/>
+          </a:p>
+          <a:p>
+            <a:pPr lvl="1"/>
+            <a:endParaRPr lang="de-DE" sz="2000" dirty="0" smtClean="0"/>
+          </a:p>
+          <a:p>
+            <a:pPr lvl="1"/>
+            <a:endParaRPr lang="de-DE" sz="2000" dirty="0"/>
+          </a:p>
+        </p:txBody>
+      </p:sp>
+    </p:spTree>
+    <p:extLst>
+      <p:ext uri="{BB962C8B-B14F-4D97-AF65-F5344CB8AC3E}">
+        <p14:creationId xmlns:p14="http://schemas.microsoft.com/office/powerpoint/2010/main" val="682360928"/>
+      </p:ext>
+    </p:extLst>
+  </p:cSld>
+  <p:clrMapOvr>
+    <a:masterClrMapping/>
+  </p:clrMapOvr>
+  <p:timing>
+    <p:tnLst>
+      <p:par>
+        <p:cTn id="1" dur="indefinite" restart="never" nodeType="tmRoot"/>
+      </p:par>
+    </p:tnLst>
+  </p:timing>
+</p:sld>
+</file>
+
+<file path=ppt/slides/slide22.xml><?xml version="1.0" encoding="utf-8"?>
+<p:sld xmlns:a="http://schemas.openxmlformats.org/drawingml/2006/main" xmlns:r="http://schemas.openxmlformats.org/officeDocument/2006/relationships" xmlns:p="http://schemas.openxmlformats.org/presentationml/2006/main">
+  <p:cSld>
+    <p:spTree>
+      <p:nvGrpSpPr>
+        <p:cNvPr id="1" name=""/>
+        <p:cNvGrpSpPr/>
+        <p:nvPr/>
+      </p:nvGrpSpPr>
+      <p:grpSpPr>
+        <a:xfrm>
+          <a:off x="0" y="0"/>
+          <a:ext cx="0" cy="0"/>
+          <a:chOff x="0" y="0"/>
+          <a:chExt cx="0" cy="0"/>
+        </a:xfrm>
+      </p:grpSpPr>
+      <p:sp>
+        <p:nvSpPr>
+          <p:cNvPr id="20485" name="Rectangle 5"/>
+          <p:cNvSpPr>
+            <a:spLocks noGrp="1" noChangeArrowheads="1"/>
+          </p:cNvSpPr>
+          <p:nvPr>
+            <p:ph type="title"/>
+          </p:nvPr>
+        </p:nvSpPr>
+        <p:spPr/>
+        <p:txBody>
+          <a:bodyPr/>
+          <a:lstStyle/>
+          <a:p>
             <a:pPr lvl="1">
               <a:spcBef>
                 <a:spcPts val="600"/>
@@ -4232,47 +6689,69 @@
                 <a:ea typeface="+mj-ea"/>
                 <a:cs typeface="+mj-cs"/>
               </a:rPr>
-              <a:t>Schlussbemerkung</a:t>
-            </a:r>
-          </a:p>
-        </p:txBody>
-      </p:sp>
-      <p:sp>
-        <p:nvSpPr>
-          <p:cNvPr id="20486" name="Rectangle 6"/>
-          <p:cNvSpPr>
-            <a:spLocks noGrp="1" noChangeArrowheads="1"/>
-          </p:cNvSpPr>
-          <p:nvPr>
-            <p:ph type="body" idx="1"/>
-          </p:nvPr>
-        </p:nvSpPr>
+              <a:t>Fazit (2)</a:t>
+            </a:r>
+          </a:p>
+        </p:txBody>
+      </p:sp>
+      <p:pic>
+        <p:nvPicPr>
+          <p:cNvPr id="3" name="Inhaltsplatzhalter 2"/>
+          <p:cNvPicPr>
+            <a:picLocks noGrp="1" noChangeAspect="1"/>
+          </p:cNvPicPr>
+          <p:nvPr>
+            <p:ph idx="1"/>
+          </p:nvPr>
+        </p:nvPicPr>
+        <p:blipFill>
+          <a:blip r:embed="rId3">
+            <a:extLst>
+              <a:ext uri="{28A0092B-C50C-407E-A947-70E740481C1C}">
+                <a14:useLocalDpi xmlns:a14="http://schemas.microsoft.com/office/drawing/2010/main" val="0"/>
+              </a:ext>
+            </a:extLst>
+          </a:blip>
+          <a:stretch>
+            <a:fillRect/>
+          </a:stretch>
+        </p:blipFill>
         <p:spPr>
           <a:xfrm>
-            <a:off x="431799" y="809625"/>
-            <a:ext cx="8370671" cy="3579019"/>
+            <a:off x="2276745" y="1401620"/>
+            <a:ext cx="4470400" cy="2982595"/>
           </a:xfrm>
-          <a:noFill/>
+          <a:prstGeom prst="roundRect">
+            <a:avLst>
+              <a:gd name="adj" fmla="val 4167"/>
+            </a:avLst>
+          </a:prstGeom>
+          <a:solidFill>
+            <a:srgbClr val="FFFFFF"/>
+          </a:solidFill>
+          <a:ln w="76200" cap="sq">
+            <a:solidFill>
+              <a:srgbClr val="292929"/>
+            </a:solidFill>
+            <a:miter lim="800000"/>
+          </a:ln>
+          <a:effectLst>
+            <a:reflection blurRad="12700" stA="28000" endPos="28000" dist="5000" dir="5400000" sy="-100000" algn="bl" rotWithShape="0"/>
+          </a:effectLst>
+          <a:scene3d>
+            <a:camera prst="orthographicFront"/>
+            <a:lightRig rig="threePt" dir="t">
+              <a:rot lat="0" lon="0" rev="2700000"/>
+            </a:lightRig>
+          </a:scene3d>
+          <a:sp3d>
+            <a:bevelT h="38100"/>
+            <a:contourClr>
+              <a:srgbClr val="C0C0C0"/>
+            </a:contourClr>
+          </a:sp3d>
         </p:spPr>
-        <p:txBody>
-          <a:bodyPr/>
-          <a:lstStyle/>
-          <a:p>
-            <a:pPr lvl="1"/>
-            <a:r>
-              <a:rPr lang="de-DE" dirty="0" smtClean="0"/>
-              <a:t>Unterpunkt 1</a:t>
-            </a:r>
-          </a:p>
-          <a:p>
-            <a:pPr lvl="1"/>
-            <a:r>
-              <a:rPr lang="de-DE" dirty="0" smtClean="0"/>
-              <a:t>Unterpunkt 2</a:t>
-            </a:r>
-          </a:p>
-        </p:txBody>
-      </p:sp>
+      </p:pic>
       <p:sp>
         <p:nvSpPr>
           <p:cNvPr id="4" name="Textfeld 3"/>
@@ -4281,7 +6760,7 @@
         </p:nvSpPr>
         <p:spPr>
           <a:xfrm>
-            <a:off x="296526" y="3876895"/>
+            <a:off x="296526" y="771550"/>
             <a:ext cx="8550950" cy="461665"/>
           </a:xfrm>
           <a:prstGeom prst="rect">
@@ -4335,6 +6814,9 @@
                     <p:cTn id="3" fill="hold">
                       <p:stCondLst>
                         <p:cond delay="indefinite"/>
+                        <p:cond evt="onBegin" delay="0">
+                          <p:tn val="2"/>
+                        </p:cond>
                       </p:stCondLst>
                       <p:childTnLst>
                         <p:par>
@@ -4344,7 +6826,7 @@
                             </p:stCondLst>
                             <p:childTnLst>
                               <p:par>
-                                <p:cTn id="5" presetID="1" presetClass="entr" presetSubtype="0" fill="hold" grpId="0" nodeType="clickEffect">
+                                <p:cTn id="5" presetID="53" presetClass="entr" presetSubtype="16" fill="hold" grpId="0" nodeType="withEffect">
                                   <p:stCondLst>
                                     <p:cond delay="0"/>
                                   </p:stCondLst>
@@ -4367,6 +6849,141 @@
                                         <p:strVal val="visible"/>
                                       </p:to>
                                     </p:set>
+                                    <p:anim calcmode="lin" valueType="num">
+                                      <p:cBhvr>
+                                        <p:cTn id="7" dur="500" fill="hold"/>
+                                        <p:tgtEl>
+                                          <p:spTgt spid="4"/>
+                                        </p:tgtEl>
+                                        <p:attrNameLst>
+                                          <p:attrName>ppt_w</p:attrName>
+                                        </p:attrNameLst>
+                                      </p:cBhvr>
+                                      <p:tavLst>
+                                        <p:tav tm="0">
+                                          <p:val>
+                                            <p:fltVal val="0"/>
+                                          </p:val>
+                                        </p:tav>
+                                        <p:tav tm="100000">
+                                          <p:val>
+                                            <p:strVal val="#ppt_w"/>
+                                          </p:val>
+                                        </p:tav>
+                                      </p:tavLst>
+                                    </p:anim>
+                                    <p:anim calcmode="lin" valueType="num">
+                                      <p:cBhvr>
+                                        <p:cTn id="8" dur="500" fill="hold"/>
+                                        <p:tgtEl>
+                                          <p:spTgt spid="4"/>
+                                        </p:tgtEl>
+                                        <p:attrNameLst>
+                                          <p:attrName>ppt_h</p:attrName>
+                                        </p:attrNameLst>
+                                      </p:cBhvr>
+                                      <p:tavLst>
+                                        <p:tav tm="0">
+                                          <p:val>
+                                            <p:fltVal val="0"/>
+                                          </p:val>
+                                        </p:tav>
+                                        <p:tav tm="100000">
+                                          <p:val>
+                                            <p:strVal val="#ppt_h"/>
+                                          </p:val>
+                                        </p:tav>
+                                      </p:tavLst>
+                                    </p:anim>
+                                    <p:animEffect transition="in" filter="fade">
+                                      <p:cBhvr>
+                                        <p:cTn id="9" dur="500"/>
+                                        <p:tgtEl>
+                                          <p:spTgt spid="4"/>
+                                        </p:tgtEl>
+                                      </p:cBhvr>
+                                    </p:animEffect>
+                                  </p:childTnLst>
+                                </p:cTn>
+                              </p:par>
+                              <p:par>
+                                <p:cTn id="10" presetID="53" presetClass="entr" presetSubtype="16" fill="hold" nodeType="withEffect">
+                                  <p:stCondLst>
+                                    <p:cond delay="0"/>
+                                  </p:stCondLst>
+                                  <p:childTnLst>
+                                    <p:set>
+                                      <p:cBhvr>
+                                        <p:cTn id="11" dur="1" fill="hold">
+                                          <p:stCondLst>
+                                            <p:cond delay="0"/>
+                                          </p:stCondLst>
+                                        </p:cTn>
+                                        <p:tgtEl>
+                                          <p:spTgt spid="3"/>
+                                        </p:tgtEl>
+                                        <p:attrNameLst>
+                                          <p:attrName>style.visibility</p:attrName>
+                                        </p:attrNameLst>
+                                      </p:cBhvr>
+                                      <p:to>
+                                        <p:strVal val="visible"/>
+                                      </p:to>
+                                    </p:set>
+                                    <p:anim calcmode="lin" valueType="num">
+                                      <p:cBhvr>
+                                        <p:cTn id="12" dur="500" fill="hold"/>
+                                        <p:tgtEl>
+                                          <p:spTgt spid="3"/>
+                                        </p:tgtEl>
+                                        <p:attrNameLst>
+                                          <p:attrName>ppt_w</p:attrName>
+                                        </p:attrNameLst>
+                                      </p:cBhvr>
+                                      <p:tavLst>
+                                        <p:tav tm="0">
+                                          <p:val>
+                                            <p:fltVal val="0"/>
+                                          </p:val>
+                                        </p:tav>
+                                        <p:tav tm="100000">
+                                          <p:val>
+                                            <p:strVal val="#ppt_w"/>
+                                          </p:val>
+                                        </p:tav>
+                                      </p:tavLst>
+                                    </p:anim>
+                                    <p:anim calcmode="lin" valueType="num">
+                                      <p:cBhvr>
+                                        <p:cTn id="13" dur="500" fill="hold"/>
+                                        <p:tgtEl>
+                                          <p:spTgt spid="3"/>
+                                        </p:tgtEl>
+                                        <p:attrNameLst>
+                                          <p:attrName>ppt_h</p:attrName>
+                                        </p:attrNameLst>
+                                      </p:cBhvr>
+                                      <p:tavLst>
+                                        <p:tav tm="0">
+                                          <p:val>
+                                            <p:fltVal val="0"/>
+                                          </p:val>
+                                        </p:tav>
+                                        <p:tav tm="100000">
+                                          <p:val>
+                                            <p:strVal val="#ppt_h"/>
+                                          </p:val>
+                                        </p:tav>
+                                      </p:tavLst>
+                                    </p:anim>
+                                    <p:animEffect transition="in" filter="fade">
+                                      <p:cBhvr>
+                                        <p:cTn id="14" dur="500"/>
+                                        <p:tgtEl>
+                                          <p:spTgt spid="3"/>
+                                        </p:tgtEl>
+                                      </p:cBhvr>
+                                    </p:animEffect>
                                   </p:childTnLst>
                                 </p:cTn>
                               </p:par>
@@ -4404,6 +7021,1371 @@
 </p:sld>
 </file>
 
+<file path=ppt/slides/slide23.xml><?xml version="1.0" encoding="utf-8"?>
+<p:sld xmlns:a="http://schemas.openxmlformats.org/drawingml/2006/main" xmlns:r="http://schemas.openxmlformats.org/officeDocument/2006/relationships" xmlns:p="http://schemas.openxmlformats.org/presentationml/2006/main">
+  <p:cSld>
+    <p:spTree>
+      <p:nvGrpSpPr>
+        <p:cNvPr id="1" name=""/>
+        <p:cNvGrpSpPr/>
+        <p:nvPr/>
+      </p:nvGrpSpPr>
+      <p:grpSpPr>
+        <a:xfrm>
+          <a:off x="0" y="0"/>
+          <a:ext cx="0" cy="0"/>
+          <a:chOff x="0" y="0"/>
+          <a:chExt cx="0" cy="0"/>
+        </a:xfrm>
+      </p:grpSpPr>
+      <p:sp>
+        <p:nvSpPr>
+          <p:cNvPr id="20485" name="Rectangle 5"/>
+          <p:cNvSpPr>
+            <a:spLocks noGrp="1" noChangeArrowheads="1"/>
+          </p:cNvSpPr>
+          <p:nvPr>
+            <p:ph type="title"/>
+          </p:nvPr>
+        </p:nvSpPr>
+        <p:spPr/>
+        <p:txBody>
+          <a:bodyPr/>
+          <a:lstStyle/>
+          <a:p>
+            <a:pPr lvl="1">
+              <a:spcBef>
+                <a:spcPts val="600"/>
+              </a:spcBef>
+            </a:pPr>
+            <a:r>
+              <a:rPr lang="de-DE" dirty="0" smtClean="0">
+                <a:latin typeface="+mj-lt"/>
+                <a:ea typeface="+mj-ea"/>
+                <a:cs typeface="+mj-cs"/>
+              </a:rPr>
+              <a:t>Quellen und Verweise</a:t>
+            </a:r>
+          </a:p>
+        </p:txBody>
+      </p:sp>
+      <p:sp>
+        <p:nvSpPr>
+          <p:cNvPr id="20486" name="Rectangle 6"/>
+          <p:cNvSpPr>
+            <a:spLocks noGrp="1" noChangeArrowheads="1"/>
+          </p:cNvSpPr>
+          <p:nvPr>
+            <p:ph type="body" idx="1"/>
+          </p:nvPr>
+        </p:nvSpPr>
+        <p:spPr>
+          <a:xfrm>
+            <a:off x="431800" y="809626"/>
+            <a:ext cx="8375650" cy="2887250"/>
+          </a:xfrm>
+          <a:noFill/>
+        </p:spPr>
+        <p:txBody>
+          <a:bodyPr/>
+          <a:lstStyle/>
+          <a:p>
+            <a:pPr lvl="1"/>
+            <a:r>
+              <a:rPr lang="de-DE" sz="2000" dirty="0" smtClean="0"/>
+              <a:t>Verschiedene bereits vorgestellte Java-Bibliotheken und Versionsverwaltungssoftwaren</a:t>
+            </a:r>
+            <a:endParaRPr lang="de-DE" sz="2000" dirty="0"/>
+          </a:p>
+          <a:p>
+            <a:pPr lvl="1"/>
+            <a:r>
+              <a:rPr lang="de-DE" sz="2000" dirty="0" smtClean="0"/>
+              <a:t>Bildquelle</a:t>
+            </a:r>
+            <a:r>
+              <a:rPr lang="de-DE" sz="2000" dirty="0"/>
+              <a:t>: David Wille, </a:t>
+            </a:r>
+            <a:r>
+              <a:rPr lang="de-DE" sz="2000" dirty="0" smtClean="0"/>
+              <a:t>Tim </a:t>
+            </a:r>
+            <a:r>
+              <a:rPr lang="de-DE" sz="2000" dirty="0" err="1" smtClean="0"/>
+              <a:t>Wesemeyer</a:t>
+            </a:r>
+            <a:r>
+              <a:rPr lang="de-DE" sz="2000" dirty="0" smtClean="0"/>
+              <a:t>:</a:t>
+            </a:r>
+          </a:p>
+          <a:p>
+            <a:pPr marL="192087" lvl="2" indent="0">
+              <a:buNone/>
+            </a:pPr>
+            <a:r>
+              <a:rPr lang="de-DE" sz="2000" dirty="0" smtClean="0"/>
+              <a:t>https</a:t>
+            </a:r>
+            <a:r>
+              <a:rPr lang="de-DE" sz="2000" dirty="0"/>
+              <a:t>://www.tu-braunschweig.de/isf/news/tdse2015</a:t>
+            </a:r>
+            <a:endParaRPr lang="de-DE" sz="2000" dirty="0" smtClean="0"/>
+          </a:p>
+        </p:txBody>
+      </p:sp>
+    </p:spTree>
+  </p:cSld>
+  <p:clrMapOvr>
+    <a:masterClrMapping/>
+  </p:clrMapOvr>
+  <p:timing>
+    <p:tnLst>
+      <p:par>
+        <p:cTn id="1" dur="indefinite" restart="never" nodeType="tmRoot"/>
+      </p:par>
+    </p:tnLst>
+  </p:timing>
+</p:sld>
+</file>
+
+<file path=ppt/slides/slide3.xml><?xml version="1.0" encoding="utf-8"?>
+<p:sld xmlns:a="http://schemas.openxmlformats.org/drawingml/2006/main" xmlns:r="http://schemas.openxmlformats.org/officeDocument/2006/relationships" xmlns:p="http://schemas.openxmlformats.org/presentationml/2006/main">
+  <p:cSld>
+    <p:spTree>
+      <p:nvGrpSpPr>
+        <p:cNvPr id="1" name=""/>
+        <p:cNvGrpSpPr/>
+        <p:nvPr/>
+      </p:nvGrpSpPr>
+      <p:grpSpPr>
+        <a:xfrm>
+          <a:off x="0" y="0"/>
+          <a:ext cx="0" cy="0"/>
+          <a:chOff x="0" y="0"/>
+          <a:chExt cx="0" cy="0"/>
+        </a:xfrm>
+      </p:grpSpPr>
+      <p:sp>
+        <p:nvSpPr>
+          <p:cNvPr id="27654" name="Rectangle 6"/>
+          <p:cNvSpPr>
+            <a:spLocks noChangeArrowheads="1"/>
+          </p:cNvSpPr>
+          <p:nvPr/>
+        </p:nvSpPr>
+        <p:spPr bwMode="auto">
+          <a:xfrm>
+            <a:off x="0" y="1"/>
+            <a:ext cx="9144000" cy="850106"/>
+          </a:xfrm>
+          <a:prstGeom prst="rect">
+            <a:avLst/>
+          </a:prstGeom>
+          <a:solidFill>
+            <a:schemeClr val="hlink"/>
+          </a:solidFill>
+          <a:ln w="0">
+            <a:noFill/>
+            <a:miter lim="800000"/>
+            <a:headEnd/>
+            <a:tailEnd/>
+          </a:ln>
+          <a:effectLst/>
+        </p:spPr>
+        <p:txBody>
+          <a:bodyPr wrap="none" anchor="ctr"/>
+          <a:lstStyle/>
+          <a:p>
+            <a:pPr algn="ctr"/>
+            <a:endParaRPr lang="de-DE" dirty="0">
+              <a:solidFill>
+                <a:schemeClr val="accent2"/>
+              </a:solidFill>
+            </a:endParaRPr>
+          </a:p>
+        </p:txBody>
+      </p:sp>
+      <p:sp>
+        <p:nvSpPr>
+          <p:cNvPr id="27652" name="Rectangle 4"/>
+          <p:cNvSpPr>
+            <a:spLocks noGrp="1" noChangeArrowheads="1"/>
+          </p:cNvSpPr>
+          <p:nvPr>
+            <p:ph type="title"/>
+          </p:nvPr>
+        </p:nvSpPr>
+        <p:spPr bwMode="gray"/>
+        <p:txBody>
+          <a:bodyPr/>
+          <a:lstStyle/>
+          <a:p>
+            <a:r>
+              <a:rPr lang="de-DE" dirty="0" smtClean="0">
+                <a:solidFill>
+                  <a:schemeClr val="bg1"/>
+                </a:solidFill>
+              </a:rPr>
+              <a:t>Inhalt</a:t>
+            </a:r>
+            <a:endParaRPr lang="de-DE" dirty="0"/>
+          </a:p>
+        </p:txBody>
+      </p:sp>
+      <p:sp>
+        <p:nvSpPr>
+          <p:cNvPr id="27651" name="Rectangle 3"/>
+          <p:cNvSpPr>
+            <a:spLocks noGrp="1" noChangeArrowheads="1"/>
+          </p:cNvSpPr>
+          <p:nvPr>
+            <p:ph type="body" idx="1"/>
+          </p:nvPr>
+        </p:nvSpPr>
+        <p:spPr bwMode="gray">
+          <a:noFill/>
+        </p:spPr>
+        <p:txBody>
+          <a:bodyPr/>
+          <a:lstStyle/>
+          <a:p>
+            <a:pPr lvl="1">
+              <a:spcBef>
+                <a:spcPts val="600"/>
+              </a:spcBef>
+              <a:buClrTx/>
+            </a:pPr>
+            <a:r>
+              <a:rPr lang="de-DE" sz="2000" dirty="0" smtClean="0"/>
+              <a:t>Themenüberblick</a:t>
+            </a:r>
+          </a:p>
+          <a:p>
+            <a:pPr lvl="1">
+              <a:spcBef>
+                <a:spcPts val="600"/>
+              </a:spcBef>
+              <a:buClrTx/>
+            </a:pPr>
+            <a:r>
+              <a:rPr lang="de-DE" sz="2000" dirty="0" smtClean="0"/>
+              <a:t>Allgemeines</a:t>
+            </a:r>
+          </a:p>
+          <a:p>
+            <a:pPr lvl="1">
+              <a:spcBef>
+                <a:spcPts val="600"/>
+              </a:spcBef>
+              <a:buClrTx/>
+            </a:pPr>
+            <a:r>
+              <a:rPr lang="de-DE" sz="2000" dirty="0" smtClean="0"/>
+              <a:t>Parsen</a:t>
+            </a:r>
+          </a:p>
+          <a:p>
+            <a:pPr lvl="1">
+              <a:spcBef>
+                <a:spcPts val="600"/>
+              </a:spcBef>
+              <a:buClrTx/>
+            </a:pPr>
+            <a:r>
+              <a:rPr lang="de-DE" sz="2000" dirty="0" smtClean="0"/>
+              <a:t>Taskmanagement</a:t>
+            </a:r>
+          </a:p>
+          <a:p>
+            <a:pPr lvl="1">
+              <a:spcBef>
+                <a:spcPts val="600"/>
+              </a:spcBef>
+              <a:buClrTx/>
+            </a:pPr>
+            <a:r>
+              <a:rPr lang="de-DE" sz="2000" dirty="0" smtClean="0"/>
+              <a:t>Codegeneration</a:t>
+            </a:r>
+          </a:p>
+          <a:p>
+            <a:pPr lvl="1">
+              <a:spcBef>
+                <a:spcPts val="600"/>
+              </a:spcBef>
+              <a:buClrTx/>
+            </a:pPr>
+            <a:r>
+              <a:rPr lang="de-DE" sz="2000" dirty="0" smtClean="0"/>
+              <a:t>Zusammenarbeit mit dem SEP</a:t>
+            </a:r>
+          </a:p>
+          <a:p>
+            <a:pPr lvl="1">
+              <a:spcBef>
+                <a:spcPts val="600"/>
+              </a:spcBef>
+              <a:buClrTx/>
+            </a:pPr>
+            <a:r>
+              <a:rPr lang="de-DE" sz="2000" dirty="0" smtClean="0"/>
+              <a:t>Fazit</a:t>
+            </a:r>
+          </a:p>
+        </p:txBody>
+      </p:sp>
+    </p:spTree>
+  </p:cSld>
+  <p:clrMapOvr>
+    <a:masterClrMapping/>
+  </p:clrMapOvr>
+  <p:transition/>
+  <p:timing>
+    <p:tnLst>
+      <p:par>
+        <p:cTn id="1" dur="indefinite" restart="never" nodeType="tmRoot"/>
+      </p:par>
+    </p:tnLst>
+  </p:timing>
+</p:sld>
+</file>
+
+<file path=ppt/slides/slide4.xml><?xml version="1.0" encoding="utf-8"?>
+<p:sld xmlns:a="http://schemas.openxmlformats.org/drawingml/2006/main" xmlns:r="http://schemas.openxmlformats.org/officeDocument/2006/relationships" xmlns:p="http://schemas.openxmlformats.org/presentationml/2006/main">
+  <p:cSld>
+    <p:spTree>
+      <p:nvGrpSpPr>
+        <p:cNvPr id="1" name=""/>
+        <p:cNvGrpSpPr/>
+        <p:nvPr/>
+      </p:nvGrpSpPr>
+      <p:grpSpPr>
+        <a:xfrm>
+          <a:off x="0" y="0"/>
+          <a:ext cx="0" cy="0"/>
+          <a:chOff x="0" y="0"/>
+          <a:chExt cx="0" cy="0"/>
+        </a:xfrm>
+      </p:grpSpPr>
+      <p:sp>
+        <p:nvSpPr>
+          <p:cNvPr id="27654" name="Rectangle 6"/>
+          <p:cNvSpPr>
+            <a:spLocks noChangeArrowheads="1"/>
+          </p:cNvSpPr>
+          <p:nvPr/>
+        </p:nvSpPr>
+        <p:spPr bwMode="auto">
+          <a:xfrm>
+            <a:off x="0" y="1"/>
+            <a:ext cx="9144000" cy="850106"/>
+          </a:xfrm>
+          <a:prstGeom prst="rect">
+            <a:avLst/>
+          </a:prstGeom>
+          <a:solidFill>
+            <a:schemeClr val="hlink"/>
+          </a:solidFill>
+          <a:ln w="0">
+            <a:noFill/>
+            <a:miter lim="800000"/>
+            <a:headEnd/>
+            <a:tailEnd/>
+          </a:ln>
+          <a:effectLst/>
+        </p:spPr>
+        <p:txBody>
+          <a:bodyPr wrap="none" anchor="ctr"/>
+          <a:lstStyle/>
+          <a:p>
+            <a:pPr algn="ctr"/>
+            <a:endParaRPr lang="de-DE" dirty="0">
+              <a:solidFill>
+                <a:schemeClr val="accent2"/>
+              </a:solidFill>
+            </a:endParaRPr>
+          </a:p>
+        </p:txBody>
+      </p:sp>
+      <p:sp>
+        <p:nvSpPr>
+          <p:cNvPr id="27652" name="Rectangle 4"/>
+          <p:cNvSpPr>
+            <a:spLocks noGrp="1" noChangeArrowheads="1"/>
+          </p:cNvSpPr>
+          <p:nvPr>
+            <p:ph type="title"/>
+          </p:nvPr>
+        </p:nvSpPr>
+        <p:spPr bwMode="gray"/>
+        <p:txBody>
+          <a:bodyPr/>
+          <a:lstStyle/>
+          <a:p>
+            <a:r>
+              <a:rPr lang="de-DE" dirty="0" smtClean="0">
+                <a:solidFill>
+                  <a:schemeClr val="bg1"/>
+                </a:solidFill>
+              </a:rPr>
+              <a:t>Inhalt</a:t>
+            </a:r>
+            <a:endParaRPr lang="de-DE" dirty="0"/>
+          </a:p>
+        </p:txBody>
+      </p:sp>
+      <p:sp>
+        <p:nvSpPr>
+          <p:cNvPr id="27651" name="Rectangle 3"/>
+          <p:cNvSpPr>
+            <a:spLocks noGrp="1" noChangeArrowheads="1"/>
+          </p:cNvSpPr>
+          <p:nvPr>
+            <p:ph type="body" idx="1"/>
+          </p:nvPr>
+        </p:nvSpPr>
+        <p:spPr bwMode="gray">
+          <a:noFill/>
+        </p:spPr>
+        <p:txBody>
+          <a:bodyPr/>
+          <a:lstStyle/>
+          <a:p>
+            <a:pPr lvl="1">
+              <a:spcBef>
+                <a:spcPts val="600"/>
+              </a:spcBef>
+              <a:buClrTx/>
+            </a:pPr>
+            <a:r>
+              <a:rPr lang="de-DE" sz="2000" dirty="0" smtClean="0"/>
+              <a:t>Themenüberblick</a:t>
+            </a:r>
+          </a:p>
+          <a:p>
+            <a:pPr lvl="1">
+              <a:spcBef>
+                <a:spcPts val="600"/>
+              </a:spcBef>
+              <a:buClrTx/>
+            </a:pPr>
+            <a:r>
+              <a:rPr lang="de-DE" sz="2000" dirty="0" smtClean="0">
+                <a:solidFill>
+                  <a:schemeClr val="bg1">
+                    <a:lumMod val="75000"/>
+                  </a:schemeClr>
+                </a:solidFill>
+              </a:rPr>
+              <a:t>Allgemeines</a:t>
+            </a:r>
+          </a:p>
+          <a:p>
+            <a:pPr lvl="1">
+              <a:spcBef>
+                <a:spcPts val="600"/>
+              </a:spcBef>
+              <a:buClrTx/>
+            </a:pPr>
+            <a:r>
+              <a:rPr lang="de-DE" sz="2000" dirty="0" smtClean="0">
+                <a:solidFill>
+                  <a:schemeClr val="bg1">
+                    <a:lumMod val="75000"/>
+                  </a:schemeClr>
+                </a:solidFill>
+              </a:rPr>
+              <a:t>Parsen</a:t>
+            </a:r>
+          </a:p>
+          <a:p>
+            <a:pPr lvl="1">
+              <a:spcBef>
+                <a:spcPts val="600"/>
+              </a:spcBef>
+              <a:buClrTx/>
+            </a:pPr>
+            <a:r>
+              <a:rPr lang="de-DE" sz="2000" dirty="0" smtClean="0">
+                <a:solidFill>
+                  <a:schemeClr val="bg1">
+                    <a:lumMod val="75000"/>
+                  </a:schemeClr>
+                </a:solidFill>
+              </a:rPr>
+              <a:t>Taskmanagement</a:t>
+            </a:r>
+          </a:p>
+          <a:p>
+            <a:pPr lvl="1">
+              <a:spcBef>
+                <a:spcPts val="600"/>
+              </a:spcBef>
+              <a:buClrTx/>
+            </a:pPr>
+            <a:r>
+              <a:rPr lang="de-DE" sz="2000" dirty="0" smtClean="0">
+                <a:solidFill>
+                  <a:schemeClr val="bg1">
+                    <a:lumMod val="75000"/>
+                  </a:schemeClr>
+                </a:solidFill>
+              </a:rPr>
+              <a:t>Codegeneration</a:t>
+            </a:r>
+          </a:p>
+          <a:p>
+            <a:pPr lvl="1">
+              <a:spcBef>
+                <a:spcPts val="600"/>
+              </a:spcBef>
+              <a:buClrTx/>
+            </a:pPr>
+            <a:r>
+              <a:rPr lang="de-DE" sz="2000" dirty="0" smtClean="0">
+                <a:solidFill>
+                  <a:schemeClr val="bg1">
+                    <a:lumMod val="75000"/>
+                  </a:schemeClr>
+                </a:solidFill>
+              </a:rPr>
+              <a:t>Zusammenarbeit mit dem SEP</a:t>
+            </a:r>
+          </a:p>
+          <a:p>
+            <a:pPr lvl="1">
+              <a:spcBef>
+                <a:spcPts val="600"/>
+              </a:spcBef>
+              <a:buClrTx/>
+            </a:pPr>
+            <a:r>
+              <a:rPr lang="de-DE" sz="2000" dirty="0" smtClean="0">
+                <a:solidFill>
+                  <a:schemeClr val="bg1">
+                    <a:lumMod val="75000"/>
+                  </a:schemeClr>
+                </a:solidFill>
+              </a:rPr>
+              <a:t>Fazit</a:t>
+            </a:r>
+          </a:p>
+        </p:txBody>
+      </p:sp>
+    </p:spTree>
+    <p:extLst>
+      <p:ext uri="{BB962C8B-B14F-4D97-AF65-F5344CB8AC3E}">
+        <p14:creationId xmlns:p14="http://schemas.microsoft.com/office/powerpoint/2010/main" val="1348491259"/>
+      </p:ext>
+    </p:extLst>
+  </p:cSld>
+  <p:clrMapOvr>
+    <a:masterClrMapping/>
+  </p:clrMapOvr>
+  <p:transition/>
+  <p:timing>
+    <p:tnLst>
+      <p:par>
+        <p:cTn id="1" dur="indefinite" restart="never" nodeType="tmRoot"/>
+      </p:par>
+    </p:tnLst>
+  </p:timing>
+</p:sld>
+</file>
+
+<file path=ppt/slides/slide5.xml><?xml version="1.0" encoding="utf-8"?>
+<p:sld xmlns:a="http://schemas.openxmlformats.org/drawingml/2006/main" xmlns:r="http://schemas.openxmlformats.org/officeDocument/2006/relationships" xmlns:p="http://schemas.openxmlformats.org/presentationml/2006/main">
+  <p:cSld>
+    <p:spTree>
+      <p:nvGrpSpPr>
+        <p:cNvPr id="1" name=""/>
+        <p:cNvGrpSpPr/>
+        <p:nvPr/>
+      </p:nvGrpSpPr>
+      <p:grpSpPr>
+        <a:xfrm>
+          <a:off x="0" y="0"/>
+          <a:ext cx="0" cy="0"/>
+          <a:chOff x="0" y="0"/>
+          <a:chExt cx="0" cy="0"/>
+        </a:xfrm>
+      </p:grpSpPr>
+      <p:sp>
+        <p:nvSpPr>
+          <p:cNvPr id="20485" name="Rectangle 5"/>
+          <p:cNvSpPr>
+            <a:spLocks noGrp="1" noChangeArrowheads="1"/>
+          </p:cNvSpPr>
+          <p:nvPr>
+            <p:ph type="title"/>
+          </p:nvPr>
+        </p:nvSpPr>
+        <p:spPr/>
+        <p:txBody>
+          <a:bodyPr/>
+          <a:lstStyle/>
+          <a:p>
+            <a:r>
+              <a:rPr lang="de-DE" dirty="0" smtClean="0"/>
+              <a:t>Themenüberblick</a:t>
+            </a:r>
+            <a:endParaRPr lang="de-DE" dirty="0"/>
+          </a:p>
+        </p:txBody>
+      </p:sp>
+      <p:sp>
+        <p:nvSpPr>
+          <p:cNvPr id="20486" name="Rectangle 6"/>
+          <p:cNvSpPr>
+            <a:spLocks noGrp="1" noChangeArrowheads="1"/>
+          </p:cNvSpPr>
+          <p:nvPr>
+            <p:ph type="body" idx="1"/>
+          </p:nvPr>
+        </p:nvSpPr>
+        <p:spPr>
+          <a:xfrm>
+            <a:off x="431800" y="809625"/>
+            <a:ext cx="8375650" cy="3579019"/>
+          </a:xfrm>
+          <a:noFill/>
+        </p:spPr>
+        <p:txBody>
+          <a:bodyPr/>
+          <a:lstStyle/>
+          <a:p>
+            <a:pPr lvl="1"/>
+            <a:r>
+              <a:rPr lang="de-DE" sz="2000" dirty="0" smtClean="0"/>
+              <a:t>Einlesen und validieren von XML-Aufgaben</a:t>
+            </a:r>
+          </a:p>
+          <a:p>
+            <a:pPr lvl="1"/>
+            <a:r>
+              <a:rPr lang="de-DE" sz="2000" dirty="0" smtClean="0"/>
+              <a:t>Überprüfen von SQL in Aufgaben</a:t>
+            </a:r>
+          </a:p>
+          <a:p>
+            <a:pPr lvl="1"/>
+            <a:r>
+              <a:rPr lang="de-DE" sz="2000" dirty="0" smtClean="0"/>
+              <a:t>Anlegen von Datenbanken, Tabellen und Datensätzen</a:t>
+            </a:r>
+          </a:p>
+          <a:p>
+            <a:pPr lvl="1"/>
+            <a:r>
+              <a:rPr lang="de-DE" sz="2000" dirty="0" smtClean="0"/>
+              <a:t>Erzeugen von neuen Datensätzen</a:t>
+            </a:r>
+          </a:p>
+          <a:p>
+            <a:pPr lvl="2"/>
+            <a:r>
+              <a:rPr lang="de-DE" sz="2000" dirty="0" smtClean="0"/>
+              <a:t>Nutzereingaben</a:t>
+            </a:r>
+          </a:p>
+          <a:p>
+            <a:pPr lvl="2"/>
+            <a:r>
+              <a:rPr lang="de-DE" sz="2000" dirty="0" smtClean="0"/>
+              <a:t>Aufgabenstellungen</a:t>
+            </a:r>
+          </a:p>
+          <a:p>
+            <a:pPr lvl="1"/>
+            <a:r>
+              <a:rPr lang="de-DE" sz="2000" dirty="0"/>
+              <a:t>Überprüfen von Nutzerstatements</a:t>
+            </a:r>
+          </a:p>
+          <a:p>
+            <a:pPr lvl="1"/>
+            <a:endParaRPr lang="de-DE" sz="2000" dirty="0" smtClean="0"/>
+          </a:p>
+        </p:txBody>
+      </p:sp>
+    </p:spTree>
+  </p:cSld>
+  <p:clrMapOvr>
+    <a:masterClrMapping/>
+  </p:clrMapOvr>
+  <p:timing>
+    <p:tnLst>
+      <p:par>
+        <p:cTn id="1" dur="indefinite" restart="never" nodeType="tmRoot"/>
+      </p:par>
+    </p:tnLst>
+  </p:timing>
+</p:sld>
+</file>
+
+<file path=ppt/slides/slide6.xml><?xml version="1.0" encoding="utf-8"?>
+<p:sld xmlns:a="http://schemas.openxmlformats.org/drawingml/2006/main" xmlns:r="http://schemas.openxmlformats.org/officeDocument/2006/relationships" xmlns:p="http://schemas.openxmlformats.org/presentationml/2006/main">
+  <p:cSld>
+    <p:spTree>
+      <p:nvGrpSpPr>
+        <p:cNvPr id="1" name=""/>
+        <p:cNvGrpSpPr/>
+        <p:nvPr/>
+      </p:nvGrpSpPr>
+      <p:grpSpPr>
+        <a:xfrm>
+          <a:off x="0" y="0"/>
+          <a:ext cx="0" cy="0"/>
+          <a:chOff x="0" y="0"/>
+          <a:chExt cx="0" cy="0"/>
+        </a:xfrm>
+      </p:grpSpPr>
+      <p:sp>
+        <p:nvSpPr>
+          <p:cNvPr id="27654" name="Rectangle 6"/>
+          <p:cNvSpPr>
+            <a:spLocks noChangeArrowheads="1"/>
+          </p:cNvSpPr>
+          <p:nvPr/>
+        </p:nvSpPr>
+        <p:spPr bwMode="auto">
+          <a:xfrm>
+            <a:off x="0" y="1"/>
+            <a:ext cx="9144000" cy="850106"/>
+          </a:xfrm>
+          <a:prstGeom prst="rect">
+            <a:avLst/>
+          </a:prstGeom>
+          <a:solidFill>
+            <a:schemeClr val="hlink"/>
+          </a:solidFill>
+          <a:ln w="0">
+            <a:noFill/>
+            <a:miter lim="800000"/>
+            <a:headEnd/>
+            <a:tailEnd/>
+          </a:ln>
+          <a:effectLst/>
+        </p:spPr>
+        <p:txBody>
+          <a:bodyPr wrap="none" anchor="ctr"/>
+          <a:lstStyle/>
+          <a:p>
+            <a:pPr algn="ctr"/>
+            <a:endParaRPr lang="de-DE" dirty="0">
+              <a:solidFill>
+                <a:schemeClr val="accent2"/>
+              </a:solidFill>
+            </a:endParaRPr>
+          </a:p>
+        </p:txBody>
+      </p:sp>
+      <p:sp>
+        <p:nvSpPr>
+          <p:cNvPr id="27652" name="Rectangle 4"/>
+          <p:cNvSpPr>
+            <a:spLocks noGrp="1" noChangeArrowheads="1"/>
+          </p:cNvSpPr>
+          <p:nvPr>
+            <p:ph type="title"/>
+          </p:nvPr>
+        </p:nvSpPr>
+        <p:spPr bwMode="gray"/>
+        <p:txBody>
+          <a:bodyPr/>
+          <a:lstStyle/>
+          <a:p>
+            <a:r>
+              <a:rPr lang="de-DE" dirty="0" smtClean="0">
+                <a:solidFill>
+                  <a:schemeClr val="bg1"/>
+                </a:solidFill>
+              </a:rPr>
+              <a:t>Inhalt</a:t>
+            </a:r>
+            <a:endParaRPr lang="de-DE" dirty="0"/>
+          </a:p>
+        </p:txBody>
+      </p:sp>
+      <p:sp>
+        <p:nvSpPr>
+          <p:cNvPr id="27651" name="Rectangle 3"/>
+          <p:cNvSpPr>
+            <a:spLocks noGrp="1" noChangeArrowheads="1"/>
+          </p:cNvSpPr>
+          <p:nvPr>
+            <p:ph type="body" idx="1"/>
+          </p:nvPr>
+        </p:nvSpPr>
+        <p:spPr bwMode="gray">
+          <a:noFill/>
+        </p:spPr>
+        <p:txBody>
+          <a:bodyPr/>
+          <a:lstStyle/>
+          <a:p>
+            <a:pPr lvl="1">
+              <a:spcBef>
+                <a:spcPts val="600"/>
+              </a:spcBef>
+              <a:buClrTx/>
+            </a:pPr>
+            <a:r>
+              <a:rPr lang="de-DE" sz="2000" dirty="0" smtClean="0">
+                <a:solidFill>
+                  <a:schemeClr val="bg1">
+                    <a:lumMod val="75000"/>
+                  </a:schemeClr>
+                </a:solidFill>
+              </a:rPr>
+              <a:t>Themenüberblick</a:t>
+            </a:r>
+          </a:p>
+          <a:p>
+            <a:pPr lvl="1">
+              <a:spcBef>
+                <a:spcPts val="600"/>
+              </a:spcBef>
+              <a:buClrTx/>
+            </a:pPr>
+            <a:r>
+              <a:rPr lang="de-DE" sz="2000" dirty="0" smtClean="0"/>
+              <a:t>Allgemeines</a:t>
+            </a:r>
+          </a:p>
+          <a:p>
+            <a:pPr lvl="1">
+              <a:spcBef>
+                <a:spcPts val="600"/>
+              </a:spcBef>
+              <a:buClrTx/>
+            </a:pPr>
+            <a:r>
+              <a:rPr lang="de-DE" sz="2000" dirty="0" smtClean="0">
+                <a:solidFill>
+                  <a:schemeClr val="bg1">
+                    <a:lumMod val="75000"/>
+                  </a:schemeClr>
+                </a:solidFill>
+              </a:rPr>
+              <a:t>Parsen</a:t>
+            </a:r>
+          </a:p>
+          <a:p>
+            <a:pPr lvl="1">
+              <a:spcBef>
+                <a:spcPts val="600"/>
+              </a:spcBef>
+              <a:buClrTx/>
+            </a:pPr>
+            <a:r>
+              <a:rPr lang="de-DE" sz="2000" dirty="0" smtClean="0">
+                <a:solidFill>
+                  <a:schemeClr val="bg1">
+                    <a:lumMod val="75000"/>
+                  </a:schemeClr>
+                </a:solidFill>
+              </a:rPr>
+              <a:t>Taskmanagement</a:t>
+            </a:r>
+          </a:p>
+          <a:p>
+            <a:pPr lvl="1">
+              <a:spcBef>
+                <a:spcPts val="600"/>
+              </a:spcBef>
+              <a:buClrTx/>
+            </a:pPr>
+            <a:r>
+              <a:rPr lang="de-DE" sz="2000" dirty="0" smtClean="0">
+                <a:solidFill>
+                  <a:schemeClr val="bg1">
+                    <a:lumMod val="75000"/>
+                  </a:schemeClr>
+                </a:solidFill>
+              </a:rPr>
+              <a:t>Codegeneration</a:t>
+            </a:r>
+          </a:p>
+          <a:p>
+            <a:pPr lvl="1">
+              <a:spcBef>
+                <a:spcPts val="600"/>
+              </a:spcBef>
+              <a:buClrTx/>
+            </a:pPr>
+            <a:r>
+              <a:rPr lang="de-DE" sz="2000" dirty="0" smtClean="0">
+                <a:solidFill>
+                  <a:schemeClr val="bg1">
+                    <a:lumMod val="75000"/>
+                  </a:schemeClr>
+                </a:solidFill>
+              </a:rPr>
+              <a:t>Zusammenarbeit mit dem SEP</a:t>
+            </a:r>
+          </a:p>
+          <a:p>
+            <a:pPr lvl="1">
+              <a:spcBef>
+                <a:spcPts val="600"/>
+              </a:spcBef>
+              <a:buClrTx/>
+            </a:pPr>
+            <a:r>
+              <a:rPr lang="de-DE" sz="2000" dirty="0" smtClean="0">
+                <a:solidFill>
+                  <a:schemeClr val="bg1">
+                    <a:lumMod val="75000"/>
+                  </a:schemeClr>
+                </a:solidFill>
+              </a:rPr>
+              <a:t>Fazit</a:t>
+            </a:r>
+          </a:p>
+        </p:txBody>
+      </p:sp>
+    </p:spTree>
+    <p:extLst>
+      <p:ext uri="{BB962C8B-B14F-4D97-AF65-F5344CB8AC3E}">
+        <p14:creationId xmlns:p14="http://schemas.microsoft.com/office/powerpoint/2010/main" val="3007745404"/>
+      </p:ext>
+    </p:extLst>
+  </p:cSld>
+  <p:clrMapOvr>
+    <a:masterClrMapping/>
+  </p:clrMapOvr>
+  <p:transition/>
+  <p:timing>
+    <p:tnLst>
+      <p:par>
+        <p:cTn id="1" dur="indefinite" restart="never" nodeType="tmRoot"/>
+      </p:par>
+    </p:tnLst>
+  </p:timing>
+</p:sld>
+</file>
+
+<file path=ppt/slides/slide7.xml><?xml version="1.0" encoding="utf-8"?>
+<p:sld xmlns:a="http://schemas.openxmlformats.org/drawingml/2006/main" xmlns:r="http://schemas.openxmlformats.org/officeDocument/2006/relationships" xmlns:p="http://schemas.openxmlformats.org/presentationml/2006/main">
+  <p:cSld>
+    <p:spTree>
+      <p:nvGrpSpPr>
+        <p:cNvPr id="1" name=""/>
+        <p:cNvGrpSpPr/>
+        <p:nvPr/>
+      </p:nvGrpSpPr>
+      <p:grpSpPr>
+        <a:xfrm>
+          <a:off x="0" y="0"/>
+          <a:ext cx="0" cy="0"/>
+          <a:chOff x="0" y="0"/>
+          <a:chExt cx="0" cy="0"/>
+        </a:xfrm>
+      </p:grpSpPr>
+      <p:sp>
+        <p:nvSpPr>
+          <p:cNvPr id="20485" name="Rectangle 5"/>
+          <p:cNvSpPr>
+            <a:spLocks noGrp="1" noChangeArrowheads="1"/>
+          </p:cNvSpPr>
+          <p:nvPr>
+            <p:ph type="title"/>
+          </p:nvPr>
+        </p:nvSpPr>
+        <p:spPr/>
+        <p:txBody>
+          <a:bodyPr/>
+          <a:lstStyle/>
+          <a:p>
+            <a:r>
+              <a:rPr lang="de-DE" dirty="0" smtClean="0"/>
+              <a:t>Allgemeines</a:t>
+            </a:r>
+            <a:endParaRPr lang="de-DE" dirty="0"/>
+          </a:p>
+        </p:txBody>
+      </p:sp>
+      <p:sp>
+        <p:nvSpPr>
+          <p:cNvPr id="20486" name="Rectangle 6"/>
+          <p:cNvSpPr>
+            <a:spLocks noGrp="1" noChangeArrowheads="1"/>
+          </p:cNvSpPr>
+          <p:nvPr>
+            <p:ph type="body" idx="1"/>
+          </p:nvPr>
+        </p:nvSpPr>
+        <p:spPr>
+          <a:xfrm>
+            <a:off x="431800" y="809625"/>
+            <a:ext cx="8375650" cy="3579019"/>
+          </a:xfrm>
+          <a:noFill/>
+        </p:spPr>
+        <p:txBody>
+          <a:bodyPr/>
+          <a:lstStyle/>
+          <a:p>
+            <a:pPr lvl="1"/>
+            <a:r>
+              <a:rPr lang="de-DE" sz="2000" dirty="0" smtClean="0"/>
+              <a:t>Programmiersprache: Java 8</a:t>
+            </a:r>
+          </a:p>
+          <a:p>
+            <a:pPr lvl="1"/>
+            <a:r>
+              <a:rPr lang="de-DE" sz="2000" dirty="0" smtClean="0"/>
+              <a:t>Entwicklungsumgebung: </a:t>
+            </a:r>
+            <a:r>
+              <a:rPr lang="de-DE" sz="2000" dirty="0" err="1" smtClean="0"/>
+              <a:t>NetBeans</a:t>
+            </a:r>
+            <a:r>
+              <a:rPr lang="de-DE" sz="2000" dirty="0" smtClean="0"/>
+              <a:t> IDE 8.0.2</a:t>
+            </a:r>
+          </a:p>
+          <a:p>
+            <a:pPr lvl="1"/>
+            <a:r>
+              <a:rPr lang="de-DE" sz="2000" dirty="0" smtClean="0"/>
+              <a:t>Genutzte Bibliotheken/Tools</a:t>
+            </a:r>
+          </a:p>
+          <a:p>
+            <a:pPr lvl="2"/>
+            <a:r>
+              <a:rPr lang="de-DE" sz="2000" dirty="0" err="1" smtClean="0"/>
+              <a:t>Git</a:t>
+            </a:r>
+            <a:r>
+              <a:rPr lang="de-DE" sz="2000" dirty="0" smtClean="0"/>
+              <a:t> zur Versionsverwaltung</a:t>
+            </a:r>
+          </a:p>
+          <a:p>
+            <a:pPr lvl="2"/>
+            <a:r>
+              <a:rPr lang="de-DE" sz="2000" dirty="0" smtClean="0"/>
+              <a:t>SBT zur Projektverwaltung</a:t>
+            </a:r>
+          </a:p>
+          <a:p>
+            <a:pPr lvl="2"/>
+            <a:r>
+              <a:rPr lang="de-DE" sz="2000" dirty="0" smtClean="0"/>
+              <a:t>H2 Datenbank</a:t>
+            </a:r>
+          </a:p>
+          <a:p>
+            <a:pPr lvl="2"/>
+            <a:r>
+              <a:rPr lang="de-DE" sz="2000" dirty="0" err="1" smtClean="0"/>
+              <a:t>JUnit</a:t>
+            </a:r>
+            <a:r>
+              <a:rPr lang="de-DE" sz="2000" dirty="0" smtClean="0"/>
+              <a:t> für Tests</a:t>
+            </a:r>
+          </a:p>
+          <a:p>
+            <a:pPr lvl="2"/>
+            <a:r>
+              <a:rPr lang="de-DE" sz="2000" dirty="0" err="1" smtClean="0"/>
+              <a:t>Typesafe</a:t>
+            </a:r>
+            <a:r>
+              <a:rPr lang="de-DE" sz="2000" dirty="0" smtClean="0"/>
+              <a:t> für die Pfadverwaltung</a:t>
+            </a:r>
+          </a:p>
+          <a:p>
+            <a:pPr lvl="2"/>
+            <a:r>
+              <a:rPr lang="de-DE" sz="2000" dirty="0" err="1" smtClean="0"/>
+              <a:t>Fluttercode.datafactory</a:t>
+            </a:r>
+            <a:r>
+              <a:rPr lang="de-DE" sz="2000" dirty="0" smtClean="0"/>
+              <a:t> für die Erstellung zufälliger Werte</a:t>
+            </a:r>
+            <a:endParaRPr lang="de-DE" sz="2000" dirty="0"/>
+          </a:p>
+          <a:p>
+            <a:pPr lvl="1"/>
+            <a:endParaRPr lang="de-DE" sz="2000" dirty="0" smtClean="0"/>
+          </a:p>
+        </p:txBody>
+      </p:sp>
+    </p:spTree>
+    <p:extLst>
+      <p:ext uri="{BB962C8B-B14F-4D97-AF65-F5344CB8AC3E}">
+        <p14:creationId xmlns:p14="http://schemas.microsoft.com/office/powerpoint/2010/main" val="1096249986"/>
+      </p:ext>
+    </p:extLst>
+  </p:cSld>
+  <p:clrMapOvr>
+    <a:masterClrMapping/>
+  </p:clrMapOvr>
+  <p:timing>
+    <p:tnLst>
+      <p:par>
+        <p:cTn id="1" dur="indefinite" restart="never" nodeType="tmRoot"/>
+      </p:par>
+    </p:tnLst>
+  </p:timing>
+</p:sld>
+</file>
+
+<file path=ppt/slides/slide8.xml><?xml version="1.0" encoding="utf-8"?>
+<p:sld xmlns:a="http://schemas.openxmlformats.org/drawingml/2006/main" xmlns:r="http://schemas.openxmlformats.org/officeDocument/2006/relationships" xmlns:p="http://schemas.openxmlformats.org/presentationml/2006/main">
+  <p:cSld>
+    <p:spTree>
+      <p:nvGrpSpPr>
+        <p:cNvPr id="1" name=""/>
+        <p:cNvGrpSpPr/>
+        <p:nvPr/>
+      </p:nvGrpSpPr>
+      <p:grpSpPr>
+        <a:xfrm>
+          <a:off x="0" y="0"/>
+          <a:ext cx="0" cy="0"/>
+          <a:chOff x="0" y="0"/>
+          <a:chExt cx="0" cy="0"/>
+        </a:xfrm>
+      </p:grpSpPr>
+      <p:sp>
+        <p:nvSpPr>
+          <p:cNvPr id="27654" name="Rectangle 6"/>
+          <p:cNvSpPr>
+            <a:spLocks noChangeArrowheads="1"/>
+          </p:cNvSpPr>
+          <p:nvPr/>
+        </p:nvSpPr>
+        <p:spPr bwMode="auto">
+          <a:xfrm>
+            <a:off x="0" y="1"/>
+            <a:ext cx="9144000" cy="850106"/>
+          </a:xfrm>
+          <a:prstGeom prst="rect">
+            <a:avLst/>
+          </a:prstGeom>
+          <a:solidFill>
+            <a:schemeClr val="hlink"/>
+          </a:solidFill>
+          <a:ln w="0">
+            <a:noFill/>
+            <a:miter lim="800000"/>
+            <a:headEnd/>
+            <a:tailEnd/>
+          </a:ln>
+          <a:effectLst/>
+        </p:spPr>
+        <p:txBody>
+          <a:bodyPr wrap="none" anchor="ctr"/>
+          <a:lstStyle/>
+          <a:p>
+            <a:pPr algn="ctr"/>
+            <a:endParaRPr lang="de-DE" dirty="0">
+              <a:solidFill>
+                <a:schemeClr val="accent2"/>
+              </a:solidFill>
+            </a:endParaRPr>
+          </a:p>
+        </p:txBody>
+      </p:sp>
+      <p:sp>
+        <p:nvSpPr>
+          <p:cNvPr id="27652" name="Rectangle 4"/>
+          <p:cNvSpPr>
+            <a:spLocks noGrp="1" noChangeArrowheads="1"/>
+          </p:cNvSpPr>
+          <p:nvPr>
+            <p:ph type="title"/>
+          </p:nvPr>
+        </p:nvSpPr>
+        <p:spPr bwMode="gray"/>
+        <p:txBody>
+          <a:bodyPr/>
+          <a:lstStyle/>
+          <a:p>
+            <a:r>
+              <a:rPr lang="de-DE" dirty="0" smtClean="0">
+                <a:solidFill>
+                  <a:schemeClr val="bg1"/>
+                </a:solidFill>
+              </a:rPr>
+              <a:t>Inhalt</a:t>
+            </a:r>
+            <a:endParaRPr lang="de-DE" dirty="0"/>
+          </a:p>
+        </p:txBody>
+      </p:sp>
+      <p:sp>
+        <p:nvSpPr>
+          <p:cNvPr id="27651" name="Rectangle 3"/>
+          <p:cNvSpPr>
+            <a:spLocks noGrp="1" noChangeArrowheads="1"/>
+          </p:cNvSpPr>
+          <p:nvPr>
+            <p:ph type="body" idx="1"/>
+          </p:nvPr>
+        </p:nvSpPr>
+        <p:spPr bwMode="gray">
+          <a:noFill/>
+        </p:spPr>
+        <p:txBody>
+          <a:bodyPr/>
+          <a:lstStyle/>
+          <a:p>
+            <a:pPr lvl="1">
+              <a:spcBef>
+                <a:spcPts val="600"/>
+              </a:spcBef>
+              <a:buClrTx/>
+            </a:pPr>
+            <a:r>
+              <a:rPr lang="de-DE" sz="2000" dirty="0" smtClean="0">
+                <a:solidFill>
+                  <a:schemeClr val="bg1">
+                    <a:lumMod val="75000"/>
+                  </a:schemeClr>
+                </a:solidFill>
+              </a:rPr>
+              <a:t>Themenüberblick</a:t>
+            </a:r>
+          </a:p>
+          <a:p>
+            <a:pPr lvl="1">
+              <a:spcBef>
+                <a:spcPts val="600"/>
+              </a:spcBef>
+              <a:buClrTx/>
+            </a:pPr>
+            <a:r>
+              <a:rPr lang="de-DE" sz="2000" dirty="0" smtClean="0">
+                <a:solidFill>
+                  <a:schemeClr val="bg1">
+                    <a:lumMod val="75000"/>
+                  </a:schemeClr>
+                </a:solidFill>
+              </a:rPr>
+              <a:t>Allgemeines</a:t>
+            </a:r>
+          </a:p>
+          <a:p>
+            <a:pPr lvl="1">
+              <a:spcBef>
+                <a:spcPts val="600"/>
+              </a:spcBef>
+              <a:buClrTx/>
+            </a:pPr>
+            <a:r>
+              <a:rPr lang="de-DE" sz="2000" dirty="0" smtClean="0"/>
+              <a:t>Parsen</a:t>
+            </a:r>
+          </a:p>
+          <a:p>
+            <a:pPr lvl="1">
+              <a:spcBef>
+                <a:spcPts val="600"/>
+              </a:spcBef>
+              <a:buClrTx/>
+            </a:pPr>
+            <a:r>
+              <a:rPr lang="de-DE" sz="2000" dirty="0" smtClean="0">
+                <a:solidFill>
+                  <a:schemeClr val="bg1">
+                    <a:lumMod val="75000"/>
+                  </a:schemeClr>
+                </a:solidFill>
+              </a:rPr>
+              <a:t>Taskmanagement</a:t>
+            </a:r>
+          </a:p>
+          <a:p>
+            <a:pPr lvl="1">
+              <a:spcBef>
+                <a:spcPts val="600"/>
+              </a:spcBef>
+              <a:buClrTx/>
+            </a:pPr>
+            <a:r>
+              <a:rPr lang="de-DE" sz="2000" dirty="0" smtClean="0">
+                <a:solidFill>
+                  <a:schemeClr val="bg1">
+                    <a:lumMod val="75000"/>
+                  </a:schemeClr>
+                </a:solidFill>
+              </a:rPr>
+              <a:t>Codegeneration</a:t>
+            </a:r>
+          </a:p>
+          <a:p>
+            <a:pPr lvl="1">
+              <a:spcBef>
+                <a:spcPts val="600"/>
+              </a:spcBef>
+              <a:buClrTx/>
+            </a:pPr>
+            <a:r>
+              <a:rPr lang="de-DE" sz="2000" dirty="0" smtClean="0">
+                <a:solidFill>
+                  <a:schemeClr val="bg1">
+                    <a:lumMod val="75000"/>
+                  </a:schemeClr>
+                </a:solidFill>
+              </a:rPr>
+              <a:t>Zusammenarbeit mit dem SEP</a:t>
+            </a:r>
+          </a:p>
+          <a:p>
+            <a:pPr lvl="1">
+              <a:spcBef>
+                <a:spcPts val="600"/>
+              </a:spcBef>
+              <a:buClrTx/>
+            </a:pPr>
+            <a:r>
+              <a:rPr lang="de-DE" sz="2000" dirty="0" smtClean="0">
+                <a:solidFill>
+                  <a:schemeClr val="bg1">
+                    <a:lumMod val="75000"/>
+                  </a:schemeClr>
+                </a:solidFill>
+              </a:rPr>
+              <a:t>Fazit</a:t>
+            </a:r>
+          </a:p>
+        </p:txBody>
+      </p:sp>
+    </p:spTree>
+    <p:extLst>
+      <p:ext uri="{BB962C8B-B14F-4D97-AF65-F5344CB8AC3E}">
+        <p14:creationId xmlns:p14="http://schemas.microsoft.com/office/powerpoint/2010/main" val="2426493792"/>
+      </p:ext>
+    </p:extLst>
+  </p:cSld>
+  <p:clrMapOvr>
+    <a:masterClrMapping/>
+  </p:clrMapOvr>
+  <p:transition/>
+  <p:timing>
+    <p:tnLst>
+      <p:par>
+        <p:cTn id="1" dur="indefinite" restart="never" nodeType="tmRoot"/>
+      </p:par>
+    </p:tnLst>
+  </p:timing>
+</p:sld>
+</file>
+
 <file path=ppt/slides/slide9.xml><?xml version="1.0" encoding="utf-8"?>
 <p:sld xmlns:a="http://schemas.openxmlformats.org/drawingml/2006/main" xmlns:r="http://schemas.openxmlformats.org/officeDocument/2006/relationships" xmlns:p="http://schemas.openxmlformats.org/presentationml/2006/main">
   <p:cSld>
@@ -4436,19 +8418,11 @@
           <a:bodyPr/>
           <a:lstStyle/>
           <a:p>
-            <a:pPr lvl="1">
-              <a:spcBef>
-                <a:spcPts val="600"/>
-              </a:spcBef>
-            </a:pPr>
-            <a:r>
-              <a:rPr lang="de-DE" dirty="0" smtClean="0">
-                <a:latin typeface="+mj-lt"/>
-                <a:ea typeface="+mj-ea"/>
-                <a:cs typeface="+mj-cs"/>
-              </a:rPr>
-              <a:t>Quellen und Verweise</a:t>
-            </a:r>
+            <a:r>
+              <a:rPr lang="de-DE" dirty="0" smtClean="0"/>
+              <a:t>Parsen</a:t>
+            </a:r>
+            <a:endParaRPr lang="de-DE" dirty="0"/>
           </a:p>
         </p:txBody>
       </p:sp>
@@ -4464,8 +8438,8 @@
         </p:nvSpPr>
         <p:spPr>
           <a:xfrm>
-            <a:off x="431800" y="809626"/>
-            <a:ext cx="8375650" cy="2887250"/>
+            <a:off x="431800" y="809625"/>
+            <a:ext cx="8375650" cy="3579019"/>
           </a:xfrm>
           <a:noFill/>
         </p:spPr>
@@ -4473,56 +8447,81 @@
           <a:bodyPr/>
           <a:lstStyle/>
           <a:p>
-            <a:pPr lvl="1"/>
-            <a:r>
-              <a:rPr lang="de-DE" dirty="0"/>
-              <a:t>Name</a:t>
-            </a:r>
-            <a:endParaRPr lang="de-DE" b="1" dirty="0">
-              <a:solidFill>
-                <a:srgbClr val="BD1E3B"/>
-              </a:solidFill>
-            </a:endParaRPr>
-          </a:p>
-          <a:p>
-            <a:pPr lvl="2">
-              <a:buFont typeface="Wingdings" panose="05000000000000000000" pitchFamily="2" charset="2"/>
-              <a:buChar char="Ø"/>
+            <a:pPr lvl="1" algn="just"/>
+            <a:r>
+              <a:rPr lang="de-DE" sz="2000" dirty="0" smtClean="0"/>
+              <a:t>Validierung der XML Struktur</a:t>
+            </a:r>
+          </a:p>
+          <a:p>
+            <a:pPr lvl="1" algn="just"/>
+            <a:r>
+              <a:rPr lang="de-DE" sz="2000" dirty="0" smtClean="0"/>
+              <a:t>XML-Aufgabe mit Hilfe der Tags in Java Objekte überführen</a:t>
+            </a:r>
+          </a:p>
+          <a:p>
+            <a:pPr lvl="2" algn="just"/>
+            <a:r>
+              <a:rPr lang="de-DE" sz="2000" dirty="0" smtClean="0"/>
+              <a:t>Header</a:t>
+            </a:r>
+          </a:p>
+          <a:p>
+            <a:pPr lvl="2" algn="just"/>
+            <a:r>
+              <a:rPr lang="de-DE" sz="2000" dirty="0" smtClean="0"/>
+              <a:t>Relation</a:t>
+            </a:r>
+          </a:p>
+          <a:p>
+            <a:pPr lvl="3" algn="just"/>
+            <a:r>
+              <a:rPr lang="de-DE" sz="2000" dirty="0" smtClean="0"/>
+              <a:t>Extraktion der einzelnen Informationen durch einen eigenen Parser</a:t>
+            </a:r>
+          </a:p>
+          <a:p>
+            <a:pPr lvl="2" algn="just"/>
+            <a:r>
+              <a:rPr lang="de-DE" sz="2000" dirty="0" err="1" smtClean="0"/>
+              <a:t>Exercise</a:t>
+            </a:r>
+            <a:endParaRPr lang="de-DE" sz="2000" dirty="0"/>
+          </a:p>
+          <a:p>
+            <a:pPr lvl="1" algn="just"/>
+            <a:r>
+              <a:rPr lang="de-DE" sz="2000" dirty="0" smtClean="0"/>
+              <a:t>Validierung der SQL-Syntax mit Hilfe einer Memory-Instanz DB</a:t>
+            </a:r>
+          </a:p>
+          <a:p>
+            <a:pPr lvl="1" algn="just"/>
+            <a:endParaRPr lang="de-DE" sz="2000" dirty="0" smtClean="0"/>
+          </a:p>
+          <a:p>
+            <a:pPr lvl="1" algn="just"/>
+            <a:endParaRPr lang="de-DE" sz="2000" dirty="0" smtClean="0"/>
+          </a:p>
+          <a:p>
+            <a:pPr lvl="1" algn="just"/>
+            <a:endParaRPr lang="de-DE" sz="2000" dirty="0" smtClean="0"/>
+          </a:p>
+          <a:p>
+            <a:pPr marL="1587" lvl="1" indent="0" algn="just">
+              <a:buNone/>
             </a:pPr>
-            <a:r>
-              <a:rPr lang="de-DE" dirty="0"/>
-              <a:t>[Internet]</a:t>
-            </a:r>
-          </a:p>
-          <a:p>
-            <a:pPr lvl="1"/>
-            <a:r>
-              <a:rPr lang="de-DE" dirty="0"/>
-              <a:t>Name</a:t>
-            </a:r>
-            <a:endParaRPr lang="de-DE" b="1" dirty="0">
-              <a:solidFill>
-                <a:srgbClr val="BD1E3B"/>
-              </a:solidFill>
-            </a:endParaRPr>
-          </a:p>
-          <a:p>
-            <a:pPr lvl="2">
-              <a:buFont typeface="Wingdings" panose="05000000000000000000" pitchFamily="2" charset="2"/>
-              <a:buChar char="Ø"/>
-            </a:pPr>
-            <a:r>
-              <a:rPr lang="de-DE" dirty="0"/>
-              <a:t>[Internet]</a:t>
-            </a:r>
-          </a:p>
-          <a:p>
-            <a:pPr lvl="1"/>
-            <a:endParaRPr lang="de-DE" dirty="0" smtClean="0"/>
+            <a:endParaRPr lang="de-DE" sz="2000" dirty="0" smtClean="0"/>
           </a:p>
         </p:txBody>
       </p:sp>
     </p:spTree>
+    <p:extLst>
+      <p:ext uri="{BB962C8B-B14F-4D97-AF65-F5344CB8AC3E}">
+        <p14:creationId xmlns:p14="http://schemas.microsoft.com/office/powerpoint/2010/main" val="87006133"/>
+      </p:ext>
+    </p:extLst>
   </p:cSld>
   <p:clrMapOvr>
     <a:masterClrMapping/>
